--- a/pics/2021-06-15-elementary_square_matrix/pics.pptx
+++ b/pics/2021-06-15-elementary_square_matrix/pics.pptx
@@ -7,7 +7,9 @@
   <p:sldIdLst>
     <p:sldId id="256" r:id="rId2"/>
     <p:sldId id="257" r:id="rId3"/>
-    <p:sldId id="258" r:id="rId4"/>
+    <p:sldId id="259" r:id="rId4"/>
+    <p:sldId id="258" r:id="rId5"/>
+    <p:sldId id="260" r:id="rId6"/>
   </p:sldIdLst>
   <p:sldSz cx="9144000" cy="6858000" type="screen4x3"/>
   <p:notesSz cx="6858000" cy="9144000"/>
@@ -106,6 +108,22 @@
       </a:defRPr>
     </a:lvl9pPr>
   </p:defaultTextStyle>
+  <p:extLst>
+    <p:ext uri="{EFAFB233-063F-42B5-8137-9DF3F51BA10A}">
+      <p15:sldGuideLst xmlns:p15="http://schemas.microsoft.com/office/powerpoint/2012/main">
+        <p15:guide id="1" orient="horz" pos="2160">
+          <p15:clr>
+            <a:srgbClr val="A4A3A4"/>
+          </p15:clr>
+        </p15:guide>
+        <p15:guide id="2" pos="2880">
+          <p15:clr>
+            <a:srgbClr val="A4A3A4"/>
+          </p15:clr>
+        </p15:guide>
+      </p15:sldGuideLst>
+    </p:ext>
+  </p:extLst>
 </p:presentation>
 </file>
 
@@ -147,10 +165,9 @@
           <a:lstStyle/>
           <a:p>
             <a:r>
-              <a:rPr lang="ko-KR" altLang="en-US" smtClean="0"/>
+              <a:rPr lang="ko-KR" altLang="en-US"/>
               <a:t>마스터 제목 스타일 편집</a:t>
             </a:r>
-            <a:endParaRPr lang="ko-KR" altLang="en-US"/>
           </a:p>
         </p:txBody>
       </p:sp>
@@ -266,10 +283,9 @@
           </a:lstStyle>
           <a:p>
             <a:r>
-              <a:rPr lang="ko-KR" altLang="en-US" smtClean="0"/>
+              <a:rPr lang="ko-KR" altLang="en-US"/>
               <a:t>마스터 부제목 스타일 편집</a:t>
             </a:r>
-            <a:endParaRPr lang="ko-KR" altLang="en-US"/>
           </a:p>
         </p:txBody>
       </p:sp>
@@ -290,7 +306,7 @@
           <a:p>
             <a:fld id="{FB30EDBD-1C2D-4C1E-B459-B60219FAB484}" type="datetimeFigureOut">
               <a:rPr lang="ko-KR" altLang="en-US" smtClean="0"/>
-              <a:t>2021-06-16</a:t>
+              <a:t>2023-05-12</a:t>
             </a:fld>
             <a:endParaRPr lang="ko-KR" altLang="en-US"/>
           </a:p>
@@ -379,10 +395,9 @@
           <a:lstStyle/>
           <a:p>
             <a:r>
-              <a:rPr lang="ko-KR" altLang="en-US" smtClean="0"/>
+              <a:rPr lang="ko-KR" altLang="en-US"/>
               <a:t>마스터 제목 스타일 편집</a:t>
             </a:r>
-            <a:endParaRPr lang="ko-KR" altLang="en-US"/>
           </a:p>
         </p:txBody>
       </p:sp>
@@ -403,38 +418,37 @@
           <a:p>
             <a:pPr lvl="0"/>
             <a:r>
-              <a:rPr lang="ko-KR" altLang="en-US" smtClean="0"/>
+              <a:rPr lang="ko-KR" altLang="en-US"/>
               <a:t>마스터 텍스트 스타일을 편집합니다</a:t>
             </a:r>
           </a:p>
           <a:p>
             <a:pPr lvl="1"/>
             <a:r>
-              <a:rPr lang="ko-KR" altLang="en-US" smtClean="0"/>
+              <a:rPr lang="ko-KR" altLang="en-US"/>
               <a:t>둘째 수준</a:t>
             </a:r>
           </a:p>
           <a:p>
             <a:pPr lvl="2"/>
             <a:r>
-              <a:rPr lang="ko-KR" altLang="en-US" smtClean="0"/>
+              <a:rPr lang="ko-KR" altLang="en-US"/>
               <a:t>셋째 수준</a:t>
             </a:r>
           </a:p>
           <a:p>
             <a:pPr lvl="3"/>
             <a:r>
-              <a:rPr lang="ko-KR" altLang="en-US" smtClean="0"/>
+              <a:rPr lang="ko-KR" altLang="en-US"/>
               <a:t>넷째 수준</a:t>
             </a:r>
           </a:p>
           <a:p>
             <a:pPr lvl="4"/>
             <a:r>
-              <a:rPr lang="ko-KR" altLang="en-US" smtClean="0"/>
+              <a:rPr lang="ko-KR" altLang="en-US"/>
               <a:t>다섯째 수준</a:t>
             </a:r>
-            <a:endParaRPr lang="ko-KR" altLang="en-US"/>
           </a:p>
         </p:txBody>
       </p:sp>
@@ -455,7 +469,7 @@
           <a:p>
             <a:fld id="{FB30EDBD-1C2D-4C1E-B459-B60219FAB484}" type="datetimeFigureOut">
               <a:rPr lang="ko-KR" altLang="en-US" smtClean="0"/>
-              <a:t>2021-06-16</a:t>
+              <a:t>2023-05-12</a:t>
             </a:fld>
             <a:endParaRPr lang="ko-KR" altLang="en-US"/>
           </a:p>
@@ -549,10 +563,9 @@
           <a:lstStyle/>
           <a:p>
             <a:r>
-              <a:rPr lang="ko-KR" altLang="en-US" smtClean="0"/>
+              <a:rPr lang="ko-KR" altLang="en-US"/>
               <a:t>마스터 제목 스타일 편집</a:t>
             </a:r>
-            <a:endParaRPr lang="ko-KR" altLang="en-US"/>
           </a:p>
         </p:txBody>
       </p:sp>
@@ -578,38 +591,37 @@
           <a:p>
             <a:pPr lvl="0"/>
             <a:r>
-              <a:rPr lang="ko-KR" altLang="en-US" smtClean="0"/>
+              <a:rPr lang="ko-KR" altLang="en-US"/>
               <a:t>마스터 텍스트 스타일을 편집합니다</a:t>
             </a:r>
           </a:p>
           <a:p>
             <a:pPr lvl="1"/>
             <a:r>
-              <a:rPr lang="ko-KR" altLang="en-US" smtClean="0"/>
+              <a:rPr lang="ko-KR" altLang="en-US"/>
               <a:t>둘째 수준</a:t>
             </a:r>
           </a:p>
           <a:p>
             <a:pPr lvl="2"/>
             <a:r>
-              <a:rPr lang="ko-KR" altLang="en-US" smtClean="0"/>
+              <a:rPr lang="ko-KR" altLang="en-US"/>
               <a:t>셋째 수준</a:t>
             </a:r>
           </a:p>
           <a:p>
             <a:pPr lvl="3"/>
             <a:r>
-              <a:rPr lang="ko-KR" altLang="en-US" smtClean="0"/>
+              <a:rPr lang="ko-KR" altLang="en-US"/>
               <a:t>넷째 수준</a:t>
             </a:r>
           </a:p>
           <a:p>
             <a:pPr lvl="4"/>
             <a:r>
-              <a:rPr lang="ko-KR" altLang="en-US" smtClean="0"/>
+              <a:rPr lang="ko-KR" altLang="en-US"/>
               <a:t>다섯째 수준</a:t>
             </a:r>
-            <a:endParaRPr lang="ko-KR" altLang="en-US"/>
           </a:p>
         </p:txBody>
       </p:sp>
@@ -630,7 +642,7 @@
           <a:p>
             <a:fld id="{FB30EDBD-1C2D-4C1E-B459-B60219FAB484}" type="datetimeFigureOut">
               <a:rPr lang="ko-KR" altLang="en-US" smtClean="0"/>
-              <a:t>2021-06-16</a:t>
+              <a:t>2023-05-12</a:t>
             </a:fld>
             <a:endParaRPr lang="ko-KR" altLang="en-US"/>
           </a:p>
@@ -719,10 +731,9 @@
           <a:lstStyle/>
           <a:p>
             <a:r>
-              <a:rPr lang="ko-KR" altLang="en-US" smtClean="0"/>
+              <a:rPr lang="ko-KR" altLang="en-US"/>
               <a:t>마스터 제목 스타일 편집</a:t>
             </a:r>
-            <a:endParaRPr lang="ko-KR" altLang="en-US"/>
           </a:p>
         </p:txBody>
       </p:sp>
@@ -743,38 +754,37 @@
           <a:p>
             <a:pPr lvl="0"/>
             <a:r>
-              <a:rPr lang="ko-KR" altLang="en-US" smtClean="0"/>
+              <a:rPr lang="ko-KR" altLang="en-US"/>
               <a:t>마스터 텍스트 스타일을 편집합니다</a:t>
             </a:r>
           </a:p>
           <a:p>
             <a:pPr lvl="1"/>
             <a:r>
-              <a:rPr lang="ko-KR" altLang="en-US" smtClean="0"/>
+              <a:rPr lang="ko-KR" altLang="en-US"/>
               <a:t>둘째 수준</a:t>
             </a:r>
           </a:p>
           <a:p>
             <a:pPr lvl="2"/>
             <a:r>
-              <a:rPr lang="ko-KR" altLang="en-US" smtClean="0"/>
+              <a:rPr lang="ko-KR" altLang="en-US"/>
               <a:t>셋째 수준</a:t>
             </a:r>
           </a:p>
           <a:p>
             <a:pPr lvl="3"/>
             <a:r>
-              <a:rPr lang="ko-KR" altLang="en-US" smtClean="0"/>
+              <a:rPr lang="ko-KR" altLang="en-US"/>
               <a:t>넷째 수준</a:t>
             </a:r>
           </a:p>
           <a:p>
             <a:pPr lvl="4"/>
             <a:r>
-              <a:rPr lang="ko-KR" altLang="en-US" smtClean="0"/>
+              <a:rPr lang="ko-KR" altLang="en-US"/>
               <a:t>다섯째 수준</a:t>
             </a:r>
-            <a:endParaRPr lang="ko-KR" altLang="en-US"/>
           </a:p>
         </p:txBody>
       </p:sp>
@@ -795,7 +805,7 @@
           <a:p>
             <a:fld id="{FB30EDBD-1C2D-4C1E-B459-B60219FAB484}" type="datetimeFigureOut">
               <a:rPr lang="ko-KR" altLang="en-US" smtClean="0"/>
-              <a:t>2021-06-16</a:t>
+              <a:t>2023-05-12</a:t>
             </a:fld>
             <a:endParaRPr lang="ko-KR" altLang="en-US"/>
           </a:p>
@@ -893,10 +903,9 @@
           </a:lstStyle>
           <a:p>
             <a:r>
-              <a:rPr lang="ko-KR" altLang="en-US" smtClean="0"/>
+              <a:rPr lang="ko-KR" altLang="en-US"/>
               <a:t>마스터 제목 스타일 편집</a:t>
             </a:r>
-            <a:endParaRPr lang="ko-KR" altLang="en-US"/>
           </a:p>
         </p:txBody>
       </p:sp>
@@ -1013,7 +1022,7 @@
           <a:p>
             <a:pPr lvl="0"/>
             <a:r>
-              <a:rPr lang="ko-KR" altLang="en-US" smtClean="0"/>
+              <a:rPr lang="ko-KR" altLang="en-US"/>
               <a:t>마스터 텍스트 스타일을 편집합니다</a:t>
             </a:r>
           </a:p>
@@ -1036,7 +1045,7 @@
           <a:p>
             <a:fld id="{FB30EDBD-1C2D-4C1E-B459-B60219FAB484}" type="datetimeFigureOut">
               <a:rPr lang="ko-KR" altLang="en-US" smtClean="0"/>
-              <a:t>2021-06-16</a:t>
+              <a:t>2023-05-12</a:t>
             </a:fld>
             <a:endParaRPr lang="ko-KR" altLang="en-US"/>
           </a:p>
@@ -1125,10 +1134,9 @@
           <a:lstStyle/>
           <a:p>
             <a:r>
-              <a:rPr lang="ko-KR" altLang="en-US" smtClean="0"/>
+              <a:rPr lang="ko-KR" altLang="en-US"/>
               <a:t>마스터 제목 스타일 편집</a:t>
             </a:r>
-            <a:endParaRPr lang="ko-KR" altLang="en-US"/>
           </a:p>
         </p:txBody>
       </p:sp>
@@ -1182,38 +1190,37 @@
           <a:p>
             <a:pPr lvl="0"/>
             <a:r>
-              <a:rPr lang="ko-KR" altLang="en-US" smtClean="0"/>
+              <a:rPr lang="ko-KR" altLang="en-US"/>
               <a:t>마스터 텍스트 스타일을 편집합니다</a:t>
             </a:r>
           </a:p>
           <a:p>
             <a:pPr lvl="1"/>
             <a:r>
-              <a:rPr lang="ko-KR" altLang="en-US" smtClean="0"/>
+              <a:rPr lang="ko-KR" altLang="en-US"/>
               <a:t>둘째 수준</a:t>
             </a:r>
           </a:p>
           <a:p>
             <a:pPr lvl="2"/>
             <a:r>
-              <a:rPr lang="ko-KR" altLang="en-US" smtClean="0"/>
+              <a:rPr lang="ko-KR" altLang="en-US"/>
               <a:t>셋째 수준</a:t>
             </a:r>
           </a:p>
           <a:p>
             <a:pPr lvl="3"/>
             <a:r>
-              <a:rPr lang="ko-KR" altLang="en-US" smtClean="0"/>
+              <a:rPr lang="ko-KR" altLang="en-US"/>
               <a:t>넷째 수준</a:t>
             </a:r>
           </a:p>
           <a:p>
             <a:pPr lvl="4"/>
             <a:r>
-              <a:rPr lang="ko-KR" altLang="en-US" smtClean="0"/>
+              <a:rPr lang="ko-KR" altLang="en-US"/>
               <a:t>다섯째 수준</a:t>
             </a:r>
-            <a:endParaRPr lang="ko-KR" altLang="en-US"/>
           </a:p>
         </p:txBody>
       </p:sp>
@@ -1267,38 +1274,37 @@
           <a:p>
             <a:pPr lvl="0"/>
             <a:r>
-              <a:rPr lang="ko-KR" altLang="en-US" smtClean="0"/>
+              <a:rPr lang="ko-KR" altLang="en-US"/>
               <a:t>마스터 텍스트 스타일을 편집합니다</a:t>
             </a:r>
           </a:p>
           <a:p>
             <a:pPr lvl="1"/>
             <a:r>
-              <a:rPr lang="ko-KR" altLang="en-US" smtClean="0"/>
+              <a:rPr lang="ko-KR" altLang="en-US"/>
               <a:t>둘째 수준</a:t>
             </a:r>
           </a:p>
           <a:p>
             <a:pPr lvl="2"/>
             <a:r>
-              <a:rPr lang="ko-KR" altLang="en-US" smtClean="0"/>
+              <a:rPr lang="ko-KR" altLang="en-US"/>
               <a:t>셋째 수준</a:t>
             </a:r>
           </a:p>
           <a:p>
             <a:pPr lvl="3"/>
             <a:r>
-              <a:rPr lang="ko-KR" altLang="en-US" smtClean="0"/>
+              <a:rPr lang="ko-KR" altLang="en-US"/>
               <a:t>넷째 수준</a:t>
             </a:r>
           </a:p>
           <a:p>
             <a:pPr lvl="4"/>
             <a:r>
-              <a:rPr lang="ko-KR" altLang="en-US" smtClean="0"/>
+              <a:rPr lang="ko-KR" altLang="en-US"/>
               <a:t>다섯째 수준</a:t>
             </a:r>
-            <a:endParaRPr lang="ko-KR" altLang="en-US"/>
           </a:p>
         </p:txBody>
       </p:sp>
@@ -1319,7 +1325,7 @@
           <a:p>
             <a:fld id="{FB30EDBD-1C2D-4C1E-B459-B60219FAB484}" type="datetimeFigureOut">
               <a:rPr lang="ko-KR" altLang="en-US" smtClean="0"/>
-              <a:t>2021-06-16</a:t>
+              <a:t>2023-05-12</a:t>
             </a:fld>
             <a:endParaRPr lang="ko-KR" altLang="en-US"/>
           </a:p>
@@ -1412,10 +1418,9 @@
           </a:lstStyle>
           <a:p>
             <a:r>
-              <a:rPr lang="ko-KR" altLang="en-US" smtClean="0"/>
+              <a:rPr lang="ko-KR" altLang="en-US"/>
               <a:t>마스터 제목 스타일 편집</a:t>
             </a:r>
-            <a:endParaRPr lang="ko-KR" altLang="en-US"/>
           </a:p>
         </p:txBody>
       </p:sp>
@@ -1478,7 +1483,7 @@
           <a:p>
             <a:pPr lvl="0"/>
             <a:r>
-              <a:rPr lang="ko-KR" altLang="en-US" smtClean="0"/>
+              <a:rPr lang="ko-KR" altLang="en-US"/>
               <a:t>마스터 텍스트 스타일을 편집합니다</a:t>
             </a:r>
           </a:p>
@@ -1534,38 +1539,37 @@
           <a:p>
             <a:pPr lvl="0"/>
             <a:r>
-              <a:rPr lang="ko-KR" altLang="en-US" smtClean="0"/>
+              <a:rPr lang="ko-KR" altLang="en-US"/>
               <a:t>마스터 텍스트 스타일을 편집합니다</a:t>
             </a:r>
           </a:p>
           <a:p>
             <a:pPr lvl="1"/>
             <a:r>
-              <a:rPr lang="ko-KR" altLang="en-US" smtClean="0"/>
+              <a:rPr lang="ko-KR" altLang="en-US"/>
               <a:t>둘째 수준</a:t>
             </a:r>
           </a:p>
           <a:p>
             <a:pPr lvl="2"/>
             <a:r>
-              <a:rPr lang="ko-KR" altLang="en-US" smtClean="0"/>
+              <a:rPr lang="ko-KR" altLang="en-US"/>
               <a:t>셋째 수준</a:t>
             </a:r>
           </a:p>
           <a:p>
             <a:pPr lvl="3"/>
             <a:r>
-              <a:rPr lang="ko-KR" altLang="en-US" smtClean="0"/>
+              <a:rPr lang="ko-KR" altLang="en-US"/>
               <a:t>넷째 수준</a:t>
             </a:r>
           </a:p>
           <a:p>
             <a:pPr lvl="4"/>
             <a:r>
-              <a:rPr lang="ko-KR" altLang="en-US" smtClean="0"/>
+              <a:rPr lang="ko-KR" altLang="en-US"/>
               <a:t>다섯째 수준</a:t>
             </a:r>
-            <a:endParaRPr lang="ko-KR" altLang="en-US"/>
           </a:p>
         </p:txBody>
       </p:sp>
@@ -1628,7 +1632,7 @@
           <a:p>
             <a:pPr lvl="0"/>
             <a:r>
-              <a:rPr lang="ko-KR" altLang="en-US" smtClean="0"/>
+              <a:rPr lang="ko-KR" altLang="en-US"/>
               <a:t>마스터 텍스트 스타일을 편집합니다</a:t>
             </a:r>
           </a:p>
@@ -1684,38 +1688,37 @@
           <a:p>
             <a:pPr lvl="0"/>
             <a:r>
-              <a:rPr lang="ko-KR" altLang="en-US" smtClean="0"/>
+              <a:rPr lang="ko-KR" altLang="en-US"/>
               <a:t>마스터 텍스트 스타일을 편집합니다</a:t>
             </a:r>
           </a:p>
           <a:p>
             <a:pPr lvl="1"/>
             <a:r>
-              <a:rPr lang="ko-KR" altLang="en-US" smtClean="0"/>
+              <a:rPr lang="ko-KR" altLang="en-US"/>
               <a:t>둘째 수준</a:t>
             </a:r>
           </a:p>
           <a:p>
             <a:pPr lvl="2"/>
             <a:r>
-              <a:rPr lang="ko-KR" altLang="en-US" smtClean="0"/>
+              <a:rPr lang="ko-KR" altLang="en-US"/>
               <a:t>셋째 수준</a:t>
             </a:r>
           </a:p>
           <a:p>
             <a:pPr lvl="3"/>
             <a:r>
-              <a:rPr lang="ko-KR" altLang="en-US" smtClean="0"/>
+              <a:rPr lang="ko-KR" altLang="en-US"/>
               <a:t>넷째 수준</a:t>
             </a:r>
           </a:p>
           <a:p>
             <a:pPr lvl="4"/>
             <a:r>
-              <a:rPr lang="ko-KR" altLang="en-US" smtClean="0"/>
+              <a:rPr lang="ko-KR" altLang="en-US"/>
               <a:t>다섯째 수준</a:t>
             </a:r>
-            <a:endParaRPr lang="ko-KR" altLang="en-US"/>
           </a:p>
         </p:txBody>
       </p:sp>
@@ -1736,7 +1739,7 @@
           <a:p>
             <a:fld id="{FB30EDBD-1C2D-4C1E-B459-B60219FAB484}" type="datetimeFigureOut">
               <a:rPr lang="ko-KR" altLang="en-US" smtClean="0"/>
-              <a:t>2021-06-16</a:t>
+              <a:t>2023-05-12</a:t>
             </a:fld>
             <a:endParaRPr lang="ko-KR" altLang="en-US"/>
           </a:p>
@@ -1825,10 +1828,9 @@
           <a:lstStyle/>
           <a:p>
             <a:r>
-              <a:rPr lang="ko-KR" altLang="en-US" smtClean="0"/>
+              <a:rPr lang="ko-KR" altLang="en-US"/>
               <a:t>마스터 제목 스타일 편집</a:t>
             </a:r>
-            <a:endParaRPr lang="ko-KR" altLang="en-US"/>
           </a:p>
         </p:txBody>
       </p:sp>
@@ -1849,7 +1851,7 @@
           <a:p>
             <a:fld id="{FB30EDBD-1C2D-4C1E-B459-B60219FAB484}" type="datetimeFigureOut">
               <a:rPr lang="ko-KR" altLang="en-US" smtClean="0"/>
-              <a:t>2021-06-16</a:t>
+              <a:t>2023-05-12</a:t>
             </a:fld>
             <a:endParaRPr lang="ko-KR" altLang="en-US"/>
           </a:p>
@@ -1939,7 +1941,7 @@
           <a:p>
             <a:fld id="{FB30EDBD-1C2D-4C1E-B459-B60219FAB484}" type="datetimeFigureOut">
               <a:rPr lang="ko-KR" altLang="en-US" smtClean="0"/>
-              <a:t>2021-06-16</a:t>
+              <a:t>2023-05-12</a:t>
             </a:fld>
             <a:endParaRPr lang="ko-KR" altLang="en-US"/>
           </a:p>
@@ -2037,10 +2039,9 @@
           </a:lstStyle>
           <a:p>
             <a:r>
-              <a:rPr lang="ko-KR" altLang="en-US" smtClean="0"/>
+              <a:rPr lang="ko-KR" altLang="en-US"/>
               <a:t>마스터 제목 스타일 편집</a:t>
             </a:r>
-            <a:endParaRPr lang="ko-KR" altLang="en-US"/>
           </a:p>
         </p:txBody>
       </p:sp>
@@ -2094,38 +2095,37 @@
           <a:p>
             <a:pPr lvl="0"/>
             <a:r>
-              <a:rPr lang="ko-KR" altLang="en-US" smtClean="0"/>
+              <a:rPr lang="ko-KR" altLang="en-US"/>
               <a:t>마스터 텍스트 스타일을 편집합니다</a:t>
             </a:r>
           </a:p>
           <a:p>
             <a:pPr lvl="1"/>
             <a:r>
-              <a:rPr lang="ko-KR" altLang="en-US" smtClean="0"/>
+              <a:rPr lang="ko-KR" altLang="en-US"/>
               <a:t>둘째 수준</a:t>
             </a:r>
           </a:p>
           <a:p>
             <a:pPr lvl="2"/>
             <a:r>
-              <a:rPr lang="ko-KR" altLang="en-US" smtClean="0"/>
+              <a:rPr lang="ko-KR" altLang="en-US"/>
               <a:t>셋째 수준</a:t>
             </a:r>
           </a:p>
           <a:p>
             <a:pPr lvl="3"/>
             <a:r>
-              <a:rPr lang="ko-KR" altLang="en-US" smtClean="0"/>
+              <a:rPr lang="ko-KR" altLang="en-US"/>
               <a:t>넷째 수준</a:t>
             </a:r>
           </a:p>
           <a:p>
             <a:pPr lvl="4"/>
             <a:r>
-              <a:rPr lang="ko-KR" altLang="en-US" smtClean="0"/>
+              <a:rPr lang="ko-KR" altLang="en-US"/>
               <a:t>다섯째 수준</a:t>
             </a:r>
-            <a:endParaRPr lang="ko-KR" altLang="en-US"/>
           </a:p>
         </p:txBody>
       </p:sp>
@@ -2188,7 +2188,7 @@
           <a:p>
             <a:pPr lvl="0"/>
             <a:r>
-              <a:rPr lang="ko-KR" altLang="en-US" smtClean="0"/>
+              <a:rPr lang="ko-KR" altLang="en-US"/>
               <a:t>마스터 텍스트 스타일을 편집합니다</a:t>
             </a:r>
           </a:p>
@@ -2211,7 +2211,7 @@
           <a:p>
             <a:fld id="{FB30EDBD-1C2D-4C1E-B459-B60219FAB484}" type="datetimeFigureOut">
               <a:rPr lang="ko-KR" altLang="en-US" smtClean="0"/>
-              <a:t>2021-06-16</a:t>
+              <a:t>2023-05-12</a:t>
             </a:fld>
             <a:endParaRPr lang="ko-KR" altLang="en-US"/>
           </a:p>
@@ -2309,10 +2309,9 @@
           </a:lstStyle>
           <a:p>
             <a:r>
-              <a:rPr lang="ko-KR" altLang="en-US" smtClean="0"/>
+              <a:rPr lang="ko-KR" altLang="en-US"/>
               <a:t>마스터 제목 스타일 편집</a:t>
             </a:r>
-            <a:endParaRPr lang="ko-KR" altLang="en-US"/>
           </a:p>
         </p:txBody>
       </p:sp>
@@ -2436,7 +2435,7 @@
           <a:p>
             <a:pPr lvl="0"/>
             <a:r>
-              <a:rPr lang="ko-KR" altLang="en-US" smtClean="0"/>
+              <a:rPr lang="ko-KR" altLang="en-US"/>
               <a:t>마스터 텍스트 스타일을 편집합니다</a:t>
             </a:r>
           </a:p>
@@ -2459,7 +2458,7 @@
           <a:p>
             <a:fld id="{FB30EDBD-1C2D-4C1E-B459-B60219FAB484}" type="datetimeFigureOut">
               <a:rPr lang="ko-KR" altLang="en-US" smtClean="0"/>
-              <a:t>2021-06-16</a:t>
+              <a:t>2023-05-12</a:t>
             </a:fld>
             <a:endParaRPr lang="ko-KR" altLang="en-US"/>
           </a:p>
@@ -2563,10 +2562,9 @@
           <a:lstStyle/>
           <a:p>
             <a:r>
-              <a:rPr lang="ko-KR" altLang="en-US" smtClean="0"/>
+              <a:rPr lang="ko-KR" altLang="en-US"/>
               <a:t>마스터 제목 스타일 편집</a:t>
             </a:r>
-            <a:endParaRPr lang="ko-KR" altLang="en-US"/>
           </a:p>
         </p:txBody>
       </p:sp>
@@ -2597,38 +2595,37 @@
           <a:p>
             <a:pPr lvl="0"/>
             <a:r>
-              <a:rPr lang="ko-KR" altLang="en-US" smtClean="0"/>
+              <a:rPr lang="ko-KR" altLang="en-US"/>
               <a:t>마스터 텍스트 스타일을 편집합니다</a:t>
             </a:r>
           </a:p>
           <a:p>
             <a:pPr lvl="1"/>
             <a:r>
-              <a:rPr lang="ko-KR" altLang="en-US" smtClean="0"/>
+              <a:rPr lang="ko-KR" altLang="en-US"/>
               <a:t>둘째 수준</a:t>
             </a:r>
           </a:p>
           <a:p>
             <a:pPr lvl="2"/>
             <a:r>
-              <a:rPr lang="ko-KR" altLang="en-US" smtClean="0"/>
+              <a:rPr lang="ko-KR" altLang="en-US"/>
               <a:t>셋째 수준</a:t>
             </a:r>
           </a:p>
           <a:p>
             <a:pPr lvl="3"/>
             <a:r>
-              <a:rPr lang="ko-KR" altLang="en-US" smtClean="0"/>
+              <a:rPr lang="ko-KR" altLang="en-US"/>
               <a:t>넷째 수준</a:t>
             </a:r>
           </a:p>
           <a:p>
             <a:pPr lvl="4"/>
             <a:r>
-              <a:rPr lang="ko-KR" altLang="en-US" smtClean="0"/>
+              <a:rPr lang="ko-KR" altLang="en-US"/>
               <a:t>다섯째 수준</a:t>
             </a:r>
-            <a:endParaRPr lang="ko-KR" altLang="en-US"/>
           </a:p>
         </p:txBody>
       </p:sp>
@@ -2667,7 +2664,7 @@
           <a:p>
             <a:fld id="{FB30EDBD-1C2D-4C1E-B459-B60219FAB484}" type="datetimeFigureOut">
               <a:rPr lang="ko-KR" altLang="en-US" smtClean="0"/>
-              <a:t>2021-06-16</a:t>
+              <a:t>2023-05-12</a:t>
             </a:fld>
             <a:endParaRPr lang="ko-KR" altLang="en-US"/>
           </a:p>
@@ -3149,8 +3146,8 @@
             </a:p>
           </p:txBody>
         </p:sp>
-        <mc:AlternateContent xmlns:mc="http://schemas.openxmlformats.org/markup-compatibility/2006">
-          <mc:Choice xmlns:a14="http://schemas.microsoft.com/office/drawing/2010/main" Requires="a14">
+        <mc:AlternateContent xmlns:mc="http://schemas.openxmlformats.org/markup-compatibility/2006" xmlns:a14="http://schemas.microsoft.com/office/drawing/2010/main">
+          <mc:Choice Requires="a14">
             <p:sp>
               <p:nvSpPr>
                 <p:cNvPr id="4" name="TextBox 3"/>
@@ -3173,6 +3170,7 @@
                 </a:bodyPr>
                 <a:lstStyle/>
                 <a:p>
+                  <a:pPr/>
                   <a14:m>
                     <m:oMathPara xmlns:m="http://schemas.openxmlformats.org/officeDocument/2006/math">
                       <m:oMathParaPr>
@@ -3185,7 +3183,7 @@
                             <m:endChr m:val="]"/>
                             <m:ctrlPr>
                               <a:rPr lang="en-US" altLang="ko-KR" sz="3200" i="1" smtClean="0">
-                                <a:latin typeface="Cambria Math"/>
+                                <a:latin typeface="Cambria Math" panose="02040503050406030204" pitchFamily="18" charset="0"/>
                               </a:rPr>
                             </m:ctrlPr>
                           </m:dPr>
@@ -3202,7 +3200,7 @@
                                 </m:mcs>
                                 <m:ctrlPr>
                                   <a:rPr lang="en-US" altLang="ko-KR" sz="3200" i="1" smtClean="0">
-                                    <a:latin typeface="Cambria Math"/>
+                                    <a:latin typeface="Cambria Math" panose="02040503050406030204" pitchFamily="18" charset="0"/>
                                   </a:rPr>
                                 </m:ctrlPr>
                               </m:mPr>
@@ -3296,7 +3294,7 @@
                             <m:endChr m:val="]"/>
                             <m:ctrlPr>
                               <a:rPr lang="en-US" altLang="ko-KR" sz="3200" i="1" smtClean="0">
-                                <a:latin typeface="Cambria Math"/>
+                                <a:latin typeface="Cambria Math" panose="02040503050406030204" pitchFamily="18" charset="0"/>
                               </a:rPr>
                             </m:ctrlPr>
                           </m:dPr>
@@ -3313,7 +3311,7 @@
                                 </m:mcs>
                                 <m:ctrlPr>
                                   <a:rPr lang="en-US" altLang="ko-KR" sz="3200" i="1" smtClean="0">
-                                    <a:latin typeface="Cambria Math"/>
+                                    <a:latin typeface="Cambria Math" panose="02040503050406030204" pitchFamily="18" charset="0"/>
                                   </a:rPr>
                                 </m:ctrlPr>
                               </m:mPr>
@@ -3331,7 +3329,7 @@
                                       </m:mcs>
                                       <m:ctrlPr>
                                         <a:rPr lang="en-US" altLang="ko-KR" sz="3200" i="1" smtClean="0">
-                                          <a:latin typeface="Cambria Math"/>
+                                          <a:latin typeface="Cambria Math" panose="02040503050406030204" pitchFamily="18" charset="0"/>
                                         </a:rPr>
                                       </m:ctrlPr>
                                     </m:mPr>
@@ -3349,7 +3347,7 @@
                                             </m:mcs>
                                             <m:ctrlPr>
                                               <a:rPr lang="en-US" altLang="ko-KR" sz="3200" i="1" smtClean="0">
-                                                <a:latin typeface="Cambria Math"/>
+                                                <a:latin typeface="Cambria Math" panose="02040503050406030204" pitchFamily="18" charset="0"/>
                                               </a:rPr>
                                             </m:ctrlPr>
                                           </m:mPr>
@@ -3359,7 +3357,7 @@
                                                 <m:sSubPr>
                                                   <m:ctrlPr>
                                                     <a:rPr lang="en-US" altLang="ko-KR" sz="3200" b="0" i="1" smtClean="0">
-                                                      <a:latin typeface="Cambria Math"/>
+                                                      <a:latin typeface="Cambria Math" panose="02040503050406030204" pitchFamily="18" charset="0"/>
                                                     </a:rPr>
                                                   </m:ctrlPr>
                                                 </m:sSubPr>
@@ -3382,7 +3380,13 @@
                                                     <a:rPr lang="en-US" altLang="ko-KR" sz="3200" b="0" i="1" smtClean="0">
                                                       <a:latin typeface="Cambria Math"/>
                                                     </a:rPr>
-                                                    <m:t>11</m:t>
+                                                    <m:t>1</m:t>
+                                                  </m:r>
+                                                  <m:r>
+                                                    <a:rPr lang="en-US" altLang="ko-KR" sz="3200" b="0" i="1" smtClean="0">
+                                                      <a:latin typeface="Cambria Math"/>
+                                                    </a:rPr>
+                                                    <m:t>1</m:t>
                                                   </m:r>
                                                 </m:sub>
                                               </m:sSub>
@@ -3392,7 +3396,7 @@
                                                 <m:sSubPr>
                                                   <m:ctrlPr>
                                                     <a:rPr lang="en-US" altLang="ko-KR" sz="3200" b="0" i="1" smtClean="0">
-                                                      <a:latin typeface="Cambria Math"/>
+                                                      <a:latin typeface="Cambria Math" panose="02040503050406030204" pitchFamily="18" charset="0"/>
                                                     </a:rPr>
                                                   </m:ctrlPr>
                                                 </m:sSubPr>
@@ -3430,7 +3434,7 @@
                                             </m:mcs>
                                             <m:ctrlPr>
                                               <a:rPr lang="en-US" altLang="ko-KR" sz="3200" i="1" smtClean="0">
-                                                <a:latin typeface="Cambria Math"/>
+                                                <a:latin typeface="Cambria Math" panose="02040503050406030204" pitchFamily="18" charset="0"/>
                                               </a:rPr>
                                             </m:ctrlPr>
                                           </m:mPr>
@@ -3440,7 +3444,7 @@
                                                 <m:sSubPr>
                                                   <m:ctrlPr>
                                                     <a:rPr lang="en-US" altLang="ko-KR" sz="3200" b="0" i="1" smtClean="0">
-                                                      <a:latin typeface="Cambria Math"/>
+                                                      <a:latin typeface="Cambria Math" panose="02040503050406030204" pitchFamily="18" charset="0"/>
                                                     </a:rPr>
                                                   </m:ctrlPr>
                                                 </m:sSubPr>
@@ -3463,7 +3467,13 @@
                                                     <a:rPr lang="en-US" altLang="ko-KR" sz="3200" b="0" i="1" smtClean="0">
                                                       <a:latin typeface="Cambria Math"/>
                                                     </a:rPr>
-                                                    <m:t>13</m:t>
+                                                    <m:t>1</m:t>
+                                                  </m:r>
+                                                  <m:r>
+                                                    <a:rPr lang="en-US" altLang="ko-KR" sz="3200" b="0" i="1" smtClean="0">
+                                                      <a:latin typeface="Cambria Math"/>
+                                                    </a:rPr>
+                                                    <m:t>3</m:t>
                                                   </m:r>
                                                 </m:sub>
                                               </m:sSub>
@@ -3473,7 +3483,7 @@
                                                 <m:sSubPr>
                                                   <m:ctrlPr>
                                                     <a:rPr lang="en-US" altLang="ko-KR" sz="3200" b="0" i="1" smtClean="0">
-                                                      <a:latin typeface="Cambria Math"/>
+                                                      <a:latin typeface="Cambria Math" panose="02040503050406030204" pitchFamily="18" charset="0"/>
                                                     </a:rPr>
                                                   </m:ctrlPr>
                                                 </m:sSubPr>
@@ -3516,7 +3526,7 @@
                                       </m:mcs>
                                       <m:ctrlPr>
                                         <a:rPr lang="en-US" altLang="ko-KR" sz="3200" i="1" smtClean="0">
-                                          <a:latin typeface="Cambria Math"/>
+                                          <a:latin typeface="Cambria Math" panose="02040503050406030204" pitchFamily="18" charset="0"/>
                                         </a:rPr>
                                       </m:ctrlPr>
                                     </m:mPr>
@@ -3534,7 +3544,7 @@
                                             </m:mcs>
                                             <m:ctrlPr>
                                               <a:rPr lang="en-US" altLang="ko-KR" sz="3200" i="1" smtClean="0">
-                                                <a:latin typeface="Cambria Math"/>
+                                                <a:latin typeface="Cambria Math" panose="02040503050406030204" pitchFamily="18" charset="0"/>
                                               </a:rPr>
                                             </m:ctrlPr>
                                           </m:mPr>
@@ -3544,7 +3554,7 @@
                                                 <m:sSubPr>
                                                   <m:ctrlPr>
                                                     <a:rPr lang="en-US" altLang="ko-KR" sz="3200" b="0" i="1" smtClean="0">
-                                                      <a:latin typeface="Cambria Math"/>
+                                                      <a:latin typeface="Cambria Math" panose="02040503050406030204" pitchFamily="18" charset="0"/>
                                                     </a:rPr>
                                                   </m:ctrlPr>
                                                 </m:sSubPr>
@@ -3567,7 +3577,13 @@
                                                     <a:rPr lang="en-US" altLang="ko-KR" sz="3200" b="0" i="1" smtClean="0">
                                                       <a:latin typeface="Cambria Math"/>
                                                     </a:rPr>
-                                                    <m:t>21</m:t>
+                                                    <m:t>2</m:t>
+                                                  </m:r>
+                                                  <m:r>
+                                                    <a:rPr lang="en-US" altLang="ko-KR" sz="3200" b="0" i="1" smtClean="0">
+                                                      <a:latin typeface="Cambria Math"/>
+                                                    </a:rPr>
+                                                    <m:t>1</m:t>
                                                   </m:r>
                                                 </m:sub>
                                               </m:sSub>
@@ -3577,7 +3593,7 @@
                                                 <m:sSubPr>
                                                   <m:ctrlPr>
                                                     <a:rPr lang="en-US" altLang="ko-KR" sz="3200" b="0" i="1" smtClean="0">
-                                                      <a:latin typeface="Cambria Math"/>
+                                                      <a:latin typeface="Cambria Math" panose="02040503050406030204" pitchFamily="18" charset="0"/>
                                                     </a:rPr>
                                                   </m:ctrlPr>
                                                 </m:sSubPr>
@@ -3600,7 +3616,13 @@
                                                     <a:rPr lang="en-US" altLang="ko-KR" sz="3200" b="0" i="1" smtClean="0">
                                                       <a:latin typeface="Cambria Math"/>
                                                     </a:rPr>
-                                                    <m:t>22</m:t>
+                                                    <m:t>2</m:t>
+                                                  </m:r>
+                                                  <m:r>
+                                                    <a:rPr lang="en-US" altLang="ko-KR" sz="3200" b="0" i="1" smtClean="0">
+                                                      <a:latin typeface="Cambria Math"/>
+                                                    </a:rPr>
+                                                    <m:t>2</m:t>
                                                   </m:r>
                                                 </m:sub>
                                               </m:sSub>
@@ -3621,7 +3643,7 @@
                                             </m:mcs>
                                             <m:ctrlPr>
                                               <a:rPr lang="en-US" altLang="ko-KR" sz="3200" i="1" smtClean="0">
-                                                <a:latin typeface="Cambria Math"/>
+                                                <a:latin typeface="Cambria Math" panose="02040503050406030204" pitchFamily="18" charset="0"/>
                                               </a:rPr>
                                             </m:ctrlPr>
                                           </m:mPr>
@@ -3631,7 +3653,7 @@
                                                 <m:sSubPr>
                                                   <m:ctrlPr>
                                                     <a:rPr lang="en-US" altLang="ko-KR" sz="3200" b="0" i="1" smtClean="0">
-                                                      <a:latin typeface="Cambria Math"/>
+                                                      <a:latin typeface="Cambria Math" panose="02040503050406030204" pitchFamily="18" charset="0"/>
                                                     </a:rPr>
                                                   </m:ctrlPr>
                                                 </m:sSubPr>
@@ -3658,7 +3680,7 @@
                                                 <m:sSubPr>
                                                   <m:ctrlPr>
                                                     <a:rPr lang="en-US" altLang="ko-KR" sz="3200" b="0" i="1" smtClean="0">
-                                                      <a:latin typeface="Cambria Math"/>
+                                                      <a:latin typeface="Cambria Math" panose="02040503050406030204" pitchFamily="18" charset="0"/>
                                                     </a:rPr>
                                                   </m:ctrlPr>
                                                 </m:sSubPr>
@@ -3707,7 +3729,7 @@
                                       </m:mcs>
                                       <m:ctrlPr>
                                         <a:rPr lang="en-US" altLang="ko-KR" sz="3200" i="1" smtClean="0">
-                                          <a:latin typeface="Cambria Math"/>
+                                          <a:latin typeface="Cambria Math" panose="02040503050406030204" pitchFamily="18" charset="0"/>
                                         </a:rPr>
                                       </m:ctrlPr>
                                     </m:mPr>
@@ -3725,7 +3747,7 @@
                                             </m:mcs>
                                             <m:ctrlPr>
                                               <a:rPr lang="en-US" altLang="ko-KR" sz="3200" i="1" smtClean="0">
-                                                <a:latin typeface="Cambria Math"/>
+                                                <a:latin typeface="Cambria Math" panose="02040503050406030204" pitchFamily="18" charset="0"/>
                                               </a:rPr>
                                             </m:ctrlPr>
                                           </m:mPr>
@@ -3735,7 +3757,7 @@
                                                 <m:sSubPr>
                                                   <m:ctrlPr>
                                                     <a:rPr lang="en-US" altLang="ko-KR" sz="3200" b="0" i="1" smtClean="0">
-                                                      <a:latin typeface="Cambria Math"/>
+                                                      <a:latin typeface="Cambria Math" panose="02040503050406030204" pitchFamily="18" charset="0"/>
                                                     </a:rPr>
                                                   </m:ctrlPr>
                                                 </m:sSubPr>
@@ -3758,7 +3780,13 @@
                                                     <a:rPr lang="en-US" altLang="ko-KR" sz="3200" b="0" i="1" smtClean="0">
                                                       <a:latin typeface="Cambria Math"/>
                                                     </a:rPr>
-                                                    <m:t>31</m:t>
+                                                    <m:t>3</m:t>
+                                                  </m:r>
+                                                  <m:r>
+                                                    <a:rPr lang="en-US" altLang="ko-KR" sz="3200" b="0" i="1" smtClean="0">
+                                                      <a:latin typeface="Cambria Math"/>
+                                                    </a:rPr>
+                                                    <m:t>1</m:t>
                                                   </m:r>
                                                 </m:sub>
                                               </m:sSub>
@@ -3768,7 +3796,7 @@
                                                 <m:sSubPr>
                                                   <m:ctrlPr>
                                                     <a:rPr lang="en-US" altLang="ko-KR" sz="3200" b="0" i="1" smtClean="0">
-                                                      <a:latin typeface="Cambria Math"/>
+                                                      <a:latin typeface="Cambria Math" panose="02040503050406030204" pitchFamily="18" charset="0"/>
                                                     </a:rPr>
                                                   </m:ctrlPr>
                                                 </m:sSubPr>
@@ -3806,7 +3834,7 @@
                                             </m:mcs>
                                             <m:ctrlPr>
                                               <a:rPr lang="en-US" altLang="ko-KR" sz="3200" i="1" smtClean="0">
-                                                <a:latin typeface="Cambria Math"/>
+                                                <a:latin typeface="Cambria Math" panose="02040503050406030204" pitchFamily="18" charset="0"/>
                                               </a:rPr>
                                             </m:ctrlPr>
                                           </m:mPr>
@@ -3816,7 +3844,7 @@
                                                 <m:sSubPr>
                                                   <m:ctrlPr>
                                                     <a:rPr lang="en-US" altLang="ko-KR" sz="3200" b="0" i="1" smtClean="0">
-                                                      <a:latin typeface="Cambria Math"/>
+                                                      <a:latin typeface="Cambria Math" panose="02040503050406030204" pitchFamily="18" charset="0"/>
                                                     </a:rPr>
                                                   </m:ctrlPr>
                                                 </m:sSubPr>
@@ -3839,7 +3867,13 @@
                                                     <a:rPr lang="en-US" altLang="ko-KR" sz="3200" b="0" i="1" smtClean="0">
                                                       <a:latin typeface="Cambria Math"/>
                                                     </a:rPr>
-                                                    <m:t>33</m:t>
+                                                    <m:t>3</m:t>
+                                                  </m:r>
+                                                  <m:r>
+                                                    <a:rPr lang="en-US" altLang="ko-KR" sz="3200" b="0" i="1" smtClean="0">
+                                                      <a:latin typeface="Cambria Math"/>
+                                                    </a:rPr>
+                                                    <m:t>3</m:t>
                                                   </m:r>
                                                 </m:sub>
                                               </m:sSub>
@@ -3849,7 +3883,7 @@
                                                 <m:sSubPr>
                                                   <m:ctrlPr>
                                                     <a:rPr lang="en-US" altLang="ko-KR" sz="3200" b="0" i="1" smtClean="0">
-                                                      <a:latin typeface="Cambria Math"/>
+                                                      <a:latin typeface="Cambria Math" panose="02040503050406030204" pitchFamily="18" charset="0"/>
                                                     </a:rPr>
                                                   </m:ctrlPr>
                                                 </m:sSubPr>
@@ -3893,7 +3927,7 @@
                             <m:endChr m:val="]"/>
                             <m:ctrlPr>
                               <a:rPr lang="en-US" altLang="ko-KR" sz="3200" i="1">
-                                <a:latin typeface="Cambria Math"/>
+                                <a:latin typeface="Cambria Math" panose="02040503050406030204" pitchFamily="18" charset="0"/>
                               </a:rPr>
                             </m:ctrlPr>
                           </m:dPr>
@@ -3910,7 +3944,7 @@
                                 </m:mcs>
                                 <m:ctrlPr>
                                   <a:rPr lang="en-US" altLang="ko-KR" sz="3200" i="1" smtClean="0">
-                                    <a:latin typeface="Cambria Math"/>
+                                    <a:latin typeface="Cambria Math" panose="02040503050406030204" pitchFamily="18" charset="0"/>
                                   </a:rPr>
                                 </m:ctrlPr>
                               </m:mPr>
@@ -3923,13 +3957,19 @@
                                     <a:rPr lang="en-US" altLang="ko-KR" sz="3200" b="0" i="1" smtClean="0">
                                       <a:latin typeface="Cambria Math"/>
                                     </a:rPr>
-                                    <m:t>− </m:t>
+                                    <m:t>−</m:t>
+                                  </m:r>
+                                  <m:r>
+                                    <a:rPr lang="en-US" altLang="ko-KR" sz="3200" b="0" i="1" smtClean="0">
+                                      <a:latin typeface="Cambria Math"/>
+                                    </a:rPr>
+                                    <m:t> </m:t>
                                   </m:r>
                                   <m:sSub>
                                     <m:sSubPr>
                                       <m:ctrlPr>
                                         <a:rPr lang="en-US" altLang="ko-KR" sz="3200" b="0" i="1" smtClean="0">
-                                          <a:latin typeface="Cambria Math"/>
+                                          <a:latin typeface="Cambria Math" panose="02040503050406030204" pitchFamily="18" charset="0"/>
                                         </a:rPr>
                                       </m:ctrlPr>
                                     </m:sSubPr>
@@ -3979,7 +4019,7 @@
                                     <m:sSubPr>
                                       <m:ctrlPr>
                                         <a:rPr lang="en-US" altLang="ko-KR" sz="3200" b="0" i="1" smtClean="0">
-                                          <a:latin typeface="Cambria Math"/>
+                                          <a:latin typeface="Cambria Math" panose="02040503050406030204" pitchFamily="18" charset="0"/>
                                         </a:rPr>
                                       </m:ctrlPr>
                                     </m:sSubPr>
@@ -4020,7 +4060,7 @@
                                     <m:sSubPr>
                                       <m:ctrlPr>
                                         <a:rPr lang="en-US" altLang="ko-KR" sz="3200" b="0" i="1" smtClean="0">
-                                          <a:latin typeface="Cambria Math"/>
+                                          <a:latin typeface="Cambria Math" panose="02040503050406030204" pitchFamily="18" charset="0"/>
                                         </a:rPr>
                                       </m:ctrlPr>
                                     </m:sSubPr>
@@ -4060,7 +4100,7 @@
               </p:txBody>
             </p:sp>
           </mc:Choice>
-          <mc:Fallback>
+          <mc:Fallback xmlns="">
             <p:sp>
               <p:nvSpPr>
                 <p:cNvPr id="4" name="TextBox 3"/>
@@ -4242,8 +4282,8 @@
             </a:p>
           </p:txBody>
         </p:sp>
-        <mc:AlternateContent xmlns:mc="http://schemas.openxmlformats.org/markup-compatibility/2006">
-          <mc:Choice xmlns:a14="http://schemas.microsoft.com/office/drawing/2010/main" Requires="a14">
+        <mc:AlternateContent xmlns:mc="http://schemas.openxmlformats.org/markup-compatibility/2006" xmlns:a14="http://schemas.microsoft.com/office/drawing/2010/main">
+          <mc:Choice Requires="a14">
             <p:sp>
               <p:nvSpPr>
                 <p:cNvPr id="4" name="TextBox 3"/>
@@ -4266,6 +4306,7 @@
                 </a:bodyPr>
                 <a:lstStyle/>
                 <a:p>
+                  <a:pPr/>
                   <a14:m>
                     <m:oMathPara xmlns:m="http://schemas.openxmlformats.org/officeDocument/2006/math">
                       <m:oMathParaPr>
@@ -4278,7 +4319,7 @@
                             <m:endChr m:val="]"/>
                             <m:ctrlPr>
                               <a:rPr lang="en-US" altLang="ko-KR" sz="3200" i="1" smtClean="0">
-                                <a:latin typeface="Cambria Math"/>
+                                <a:latin typeface="Cambria Math" panose="02040503050406030204" pitchFamily="18" charset="0"/>
                               </a:rPr>
                             </m:ctrlPr>
                           </m:dPr>
@@ -4295,7 +4336,7 @@
                                 </m:mcs>
                                 <m:ctrlPr>
                                   <a:rPr lang="en-US" altLang="ko-KR" sz="3200" i="1" smtClean="0">
-                                    <a:latin typeface="Cambria Math"/>
+                                    <a:latin typeface="Cambria Math" panose="02040503050406030204" pitchFamily="18" charset="0"/>
                                   </a:rPr>
                                 </m:ctrlPr>
                               </m:mPr>
@@ -4389,7 +4430,7 @@
                             <m:endChr m:val="]"/>
                             <m:ctrlPr>
                               <a:rPr lang="en-US" altLang="ko-KR" sz="3200" i="1" smtClean="0">
-                                <a:latin typeface="Cambria Math"/>
+                                <a:latin typeface="Cambria Math" panose="02040503050406030204" pitchFamily="18" charset="0"/>
                               </a:rPr>
                             </m:ctrlPr>
                           </m:dPr>
@@ -4406,7 +4447,7 @@
                                 </m:mcs>
                                 <m:ctrlPr>
                                   <a:rPr lang="en-US" altLang="ko-KR" sz="3200" i="1" smtClean="0">
-                                    <a:latin typeface="Cambria Math"/>
+                                    <a:latin typeface="Cambria Math" panose="02040503050406030204" pitchFamily="18" charset="0"/>
                                   </a:rPr>
                                 </m:ctrlPr>
                               </m:mPr>
@@ -4424,7 +4465,7 @@
                                       </m:mcs>
                                       <m:ctrlPr>
                                         <a:rPr lang="en-US" altLang="ko-KR" sz="3200" i="1" smtClean="0">
-                                          <a:latin typeface="Cambria Math"/>
+                                          <a:latin typeface="Cambria Math" panose="02040503050406030204" pitchFamily="18" charset="0"/>
                                         </a:rPr>
                                       </m:ctrlPr>
                                     </m:mPr>
@@ -4442,7 +4483,7 @@
                                             </m:mcs>
                                             <m:ctrlPr>
                                               <a:rPr lang="en-US" altLang="ko-KR" sz="3200" i="1" smtClean="0">
-                                                <a:latin typeface="Cambria Math"/>
+                                                <a:latin typeface="Cambria Math" panose="02040503050406030204" pitchFamily="18" charset="0"/>
                                               </a:rPr>
                                             </m:ctrlPr>
                                           </m:mPr>
@@ -4452,7 +4493,7 @@
                                                 <m:sSubPr>
                                                   <m:ctrlPr>
                                                     <a:rPr lang="en-US" altLang="ko-KR" sz="3200" b="0" i="1" smtClean="0">
-                                                      <a:latin typeface="Cambria Math"/>
+                                                      <a:latin typeface="Cambria Math" panose="02040503050406030204" pitchFamily="18" charset="0"/>
                                                     </a:rPr>
                                                   </m:ctrlPr>
                                                 </m:sSubPr>
@@ -4475,7 +4516,13 @@
                                                     <a:rPr lang="en-US" altLang="ko-KR" sz="3200" b="0" i="1" smtClean="0">
                                                       <a:latin typeface="Cambria Math"/>
                                                     </a:rPr>
-                                                    <m:t>11</m:t>
+                                                    <m:t>1</m:t>
+                                                  </m:r>
+                                                  <m:r>
+                                                    <a:rPr lang="en-US" altLang="ko-KR" sz="3200" b="0" i="1" smtClean="0">
+                                                      <a:latin typeface="Cambria Math"/>
+                                                    </a:rPr>
+                                                    <m:t>1</m:t>
                                                   </m:r>
                                                 </m:sub>
                                               </m:sSub>
@@ -4485,7 +4532,7 @@
                                                 <m:sSubPr>
                                                   <m:ctrlPr>
                                                     <a:rPr lang="en-US" altLang="ko-KR" sz="3200" b="0" i="1" smtClean="0">
-                                                      <a:latin typeface="Cambria Math"/>
+                                                      <a:latin typeface="Cambria Math" panose="02040503050406030204" pitchFamily="18" charset="0"/>
                                                     </a:rPr>
                                                   </m:ctrlPr>
                                                 </m:sSubPr>
@@ -4523,7 +4570,7 @@
                                             </m:mcs>
                                             <m:ctrlPr>
                                               <a:rPr lang="en-US" altLang="ko-KR" sz="3200" i="1" smtClean="0">
-                                                <a:latin typeface="Cambria Math"/>
+                                                <a:latin typeface="Cambria Math" panose="02040503050406030204" pitchFamily="18" charset="0"/>
                                               </a:rPr>
                                             </m:ctrlPr>
                                           </m:mPr>
@@ -4533,7 +4580,7 @@
                                                 <m:sSubPr>
                                                   <m:ctrlPr>
                                                     <a:rPr lang="en-US" altLang="ko-KR" sz="3200" b="0" i="1" smtClean="0">
-                                                      <a:latin typeface="Cambria Math"/>
+                                                      <a:latin typeface="Cambria Math" panose="02040503050406030204" pitchFamily="18" charset="0"/>
                                                     </a:rPr>
                                                   </m:ctrlPr>
                                                 </m:sSubPr>
@@ -4556,7 +4603,13 @@
                                                     <a:rPr lang="en-US" altLang="ko-KR" sz="3200" b="0" i="1" smtClean="0">
                                                       <a:latin typeface="Cambria Math"/>
                                                     </a:rPr>
-                                                    <m:t>13</m:t>
+                                                    <m:t>1</m:t>
+                                                  </m:r>
+                                                  <m:r>
+                                                    <a:rPr lang="en-US" altLang="ko-KR" sz="3200" b="0" i="1" smtClean="0">
+                                                      <a:latin typeface="Cambria Math"/>
+                                                    </a:rPr>
+                                                    <m:t>3</m:t>
                                                   </m:r>
                                                 </m:sub>
                                               </m:sSub>
@@ -4566,7 +4619,7 @@
                                                 <m:sSubPr>
                                                   <m:ctrlPr>
                                                     <a:rPr lang="en-US" altLang="ko-KR" sz="3200" b="0" i="1" smtClean="0">
-                                                      <a:latin typeface="Cambria Math"/>
+                                                      <a:latin typeface="Cambria Math" panose="02040503050406030204" pitchFamily="18" charset="0"/>
                                                     </a:rPr>
                                                   </m:ctrlPr>
                                                 </m:sSubPr>
@@ -4609,7 +4662,7 @@
                                       </m:mcs>
                                       <m:ctrlPr>
                                         <a:rPr lang="en-US" altLang="ko-KR" sz="3200" i="1" smtClean="0">
-                                          <a:latin typeface="Cambria Math"/>
+                                          <a:latin typeface="Cambria Math" panose="02040503050406030204" pitchFamily="18" charset="0"/>
                                         </a:rPr>
                                       </m:ctrlPr>
                                     </m:mPr>
@@ -4627,7 +4680,7 @@
                                             </m:mcs>
                                             <m:ctrlPr>
                                               <a:rPr lang="en-US" altLang="ko-KR" sz="3200" i="1" smtClean="0">
-                                                <a:latin typeface="Cambria Math"/>
+                                                <a:latin typeface="Cambria Math" panose="02040503050406030204" pitchFamily="18" charset="0"/>
                                               </a:rPr>
                                             </m:ctrlPr>
                                           </m:mPr>
@@ -4637,7 +4690,7 @@
                                                 <m:sSubPr>
                                                   <m:ctrlPr>
                                                     <a:rPr lang="en-US" altLang="ko-KR" sz="3200" b="0" i="1" smtClean="0">
-                                                      <a:latin typeface="Cambria Math"/>
+                                                      <a:latin typeface="Cambria Math" panose="02040503050406030204" pitchFamily="18" charset="0"/>
                                                     </a:rPr>
                                                   </m:ctrlPr>
                                                 </m:sSubPr>
@@ -4660,7 +4713,13 @@
                                                     <a:rPr lang="en-US" altLang="ko-KR" sz="3200" b="0" i="1" smtClean="0">
                                                       <a:latin typeface="Cambria Math"/>
                                                     </a:rPr>
-                                                    <m:t>21</m:t>
+                                                    <m:t>2</m:t>
+                                                  </m:r>
+                                                  <m:r>
+                                                    <a:rPr lang="en-US" altLang="ko-KR" sz="3200" b="0" i="1" smtClean="0">
+                                                      <a:latin typeface="Cambria Math"/>
+                                                    </a:rPr>
+                                                    <m:t>1</m:t>
                                                   </m:r>
                                                 </m:sub>
                                               </m:sSub>
@@ -4670,7 +4729,7 @@
                                                 <m:sSubPr>
                                                   <m:ctrlPr>
                                                     <a:rPr lang="en-US" altLang="ko-KR" sz="3200" b="0" i="1" smtClean="0">
-                                                      <a:latin typeface="Cambria Math"/>
+                                                      <a:latin typeface="Cambria Math" panose="02040503050406030204" pitchFamily="18" charset="0"/>
                                                     </a:rPr>
                                                   </m:ctrlPr>
                                                 </m:sSubPr>
@@ -4693,7 +4752,13 @@
                                                     <a:rPr lang="en-US" altLang="ko-KR" sz="3200" b="0" i="1" smtClean="0">
                                                       <a:latin typeface="Cambria Math"/>
                                                     </a:rPr>
-                                                    <m:t>22</m:t>
+                                                    <m:t>2</m:t>
+                                                  </m:r>
+                                                  <m:r>
+                                                    <a:rPr lang="en-US" altLang="ko-KR" sz="3200" b="0" i="1" smtClean="0">
+                                                      <a:latin typeface="Cambria Math"/>
+                                                    </a:rPr>
+                                                    <m:t>2</m:t>
                                                   </m:r>
                                                 </m:sub>
                                               </m:sSub>
@@ -4714,7 +4779,7 @@
                                             </m:mcs>
                                             <m:ctrlPr>
                                               <a:rPr lang="en-US" altLang="ko-KR" sz="3200" i="1" smtClean="0">
-                                                <a:latin typeface="Cambria Math"/>
+                                                <a:latin typeface="Cambria Math" panose="02040503050406030204" pitchFamily="18" charset="0"/>
                                               </a:rPr>
                                             </m:ctrlPr>
                                           </m:mPr>
@@ -4724,7 +4789,7 @@
                                                 <m:sSubPr>
                                                   <m:ctrlPr>
                                                     <a:rPr lang="en-US" altLang="ko-KR" sz="3200" b="0" i="1" smtClean="0">
-                                                      <a:latin typeface="Cambria Math"/>
+                                                      <a:latin typeface="Cambria Math" panose="02040503050406030204" pitchFamily="18" charset="0"/>
                                                     </a:rPr>
                                                   </m:ctrlPr>
                                                 </m:sSubPr>
@@ -4751,7 +4816,7 @@
                                                 <m:sSubPr>
                                                   <m:ctrlPr>
                                                     <a:rPr lang="en-US" altLang="ko-KR" sz="3200" b="0" i="1" smtClean="0">
-                                                      <a:latin typeface="Cambria Math"/>
+                                                      <a:latin typeface="Cambria Math" panose="02040503050406030204" pitchFamily="18" charset="0"/>
                                                     </a:rPr>
                                                   </m:ctrlPr>
                                                 </m:sSubPr>
@@ -4800,7 +4865,7 @@
                                       </m:mcs>
                                       <m:ctrlPr>
                                         <a:rPr lang="en-US" altLang="ko-KR" sz="3200" i="1" smtClean="0">
-                                          <a:latin typeface="Cambria Math"/>
+                                          <a:latin typeface="Cambria Math" panose="02040503050406030204" pitchFamily="18" charset="0"/>
                                         </a:rPr>
                                       </m:ctrlPr>
                                     </m:mPr>
@@ -4818,7 +4883,7 @@
                                             </m:mcs>
                                             <m:ctrlPr>
                                               <a:rPr lang="en-US" altLang="ko-KR" sz="3200" i="1" smtClean="0">
-                                                <a:latin typeface="Cambria Math"/>
+                                                <a:latin typeface="Cambria Math" panose="02040503050406030204" pitchFamily="18" charset="0"/>
                                               </a:rPr>
                                             </m:ctrlPr>
                                           </m:mPr>
@@ -4828,7 +4893,7 @@
                                                 <m:sSubPr>
                                                   <m:ctrlPr>
                                                     <a:rPr lang="en-US" altLang="ko-KR" sz="3200" b="0" i="1" smtClean="0">
-                                                      <a:latin typeface="Cambria Math"/>
+                                                      <a:latin typeface="Cambria Math" panose="02040503050406030204" pitchFamily="18" charset="0"/>
                                                     </a:rPr>
                                                   </m:ctrlPr>
                                                 </m:sSubPr>
@@ -4851,7 +4916,13 @@
                                                     <a:rPr lang="en-US" altLang="ko-KR" sz="3200" b="0" i="1" smtClean="0">
                                                       <a:latin typeface="Cambria Math"/>
                                                     </a:rPr>
-                                                    <m:t>31</m:t>
+                                                    <m:t>3</m:t>
+                                                  </m:r>
+                                                  <m:r>
+                                                    <a:rPr lang="en-US" altLang="ko-KR" sz="3200" b="0" i="1" smtClean="0">
+                                                      <a:latin typeface="Cambria Math"/>
+                                                    </a:rPr>
+                                                    <m:t>1</m:t>
                                                   </m:r>
                                                 </m:sub>
                                               </m:sSub>
@@ -4861,7 +4932,7 @@
                                                 <m:sSubPr>
                                                   <m:ctrlPr>
                                                     <a:rPr lang="en-US" altLang="ko-KR" sz="3200" b="0" i="1" smtClean="0">
-                                                      <a:latin typeface="Cambria Math"/>
+                                                      <a:latin typeface="Cambria Math" panose="02040503050406030204" pitchFamily="18" charset="0"/>
                                                     </a:rPr>
                                                   </m:ctrlPr>
                                                 </m:sSubPr>
@@ -4899,7 +4970,7 @@
                                             </m:mcs>
                                             <m:ctrlPr>
                                               <a:rPr lang="en-US" altLang="ko-KR" sz="3200" i="1" smtClean="0">
-                                                <a:latin typeface="Cambria Math"/>
+                                                <a:latin typeface="Cambria Math" panose="02040503050406030204" pitchFamily="18" charset="0"/>
                                               </a:rPr>
                                             </m:ctrlPr>
                                           </m:mPr>
@@ -4909,7 +4980,7 @@
                                                 <m:sSubPr>
                                                   <m:ctrlPr>
                                                     <a:rPr lang="en-US" altLang="ko-KR" sz="3200" b="0" i="1" smtClean="0">
-                                                      <a:latin typeface="Cambria Math"/>
+                                                      <a:latin typeface="Cambria Math" panose="02040503050406030204" pitchFamily="18" charset="0"/>
                                                     </a:rPr>
                                                   </m:ctrlPr>
                                                 </m:sSubPr>
@@ -4932,7 +5003,13 @@
                                                     <a:rPr lang="en-US" altLang="ko-KR" sz="3200" b="0" i="1" smtClean="0">
                                                       <a:latin typeface="Cambria Math"/>
                                                     </a:rPr>
-                                                    <m:t>33</m:t>
+                                                    <m:t>3</m:t>
+                                                  </m:r>
+                                                  <m:r>
+                                                    <a:rPr lang="en-US" altLang="ko-KR" sz="3200" b="0" i="1" smtClean="0">
+                                                      <a:latin typeface="Cambria Math"/>
+                                                    </a:rPr>
+                                                    <m:t>3</m:t>
                                                   </m:r>
                                                 </m:sub>
                                               </m:sSub>
@@ -4942,7 +5019,7 @@
                                                 <m:sSubPr>
                                                   <m:ctrlPr>
                                                     <a:rPr lang="en-US" altLang="ko-KR" sz="3200" b="0" i="1" smtClean="0">
-                                                      <a:latin typeface="Cambria Math"/>
+                                                      <a:latin typeface="Cambria Math" panose="02040503050406030204" pitchFamily="18" charset="0"/>
                                                     </a:rPr>
                                                   </m:ctrlPr>
                                                 </m:sSubPr>
@@ -4986,7 +5063,7 @@
                             <m:endChr m:val="]"/>
                             <m:ctrlPr>
                               <a:rPr lang="en-US" altLang="ko-KR" sz="3200" i="1">
-                                <a:latin typeface="Cambria Math"/>
+                                <a:latin typeface="Cambria Math" panose="02040503050406030204" pitchFamily="18" charset="0"/>
                               </a:rPr>
                             </m:ctrlPr>
                           </m:dPr>
@@ -5003,7 +5080,7 @@
                                 </m:mcs>
                                 <m:ctrlPr>
                                   <a:rPr lang="en-US" altLang="ko-KR" sz="3200" i="1" smtClean="0">
-                                    <a:latin typeface="Cambria Math"/>
+                                    <a:latin typeface="Cambria Math" panose="02040503050406030204" pitchFamily="18" charset="0"/>
                                   </a:rPr>
                                 </m:ctrlPr>
                               </m:mPr>
@@ -5016,13 +5093,19 @@
                                     <a:rPr lang="en-US" altLang="ko-KR" sz="3200" b="0" i="1" smtClean="0">
                                       <a:latin typeface="Cambria Math"/>
                                     </a:rPr>
-                                    <m:t>− </m:t>
+                                    <m:t>−</m:t>
+                                  </m:r>
+                                  <m:r>
+                                    <a:rPr lang="en-US" altLang="ko-KR" sz="3200" b="0" i="1" smtClean="0">
+                                      <a:latin typeface="Cambria Math"/>
+                                    </a:rPr>
+                                    <m:t> </m:t>
                                   </m:r>
                                   <m:sSub>
                                     <m:sSubPr>
                                       <m:ctrlPr>
                                         <a:rPr lang="en-US" altLang="ko-KR" sz="3200" b="0" i="1" smtClean="0">
-                                          <a:latin typeface="Cambria Math"/>
+                                          <a:latin typeface="Cambria Math" panose="02040503050406030204" pitchFamily="18" charset="0"/>
                                         </a:rPr>
                                       </m:ctrlPr>
                                     </m:sSubPr>
@@ -5072,7 +5155,7 @@
                                     <m:sSubPr>
                                       <m:ctrlPr>
                                         <a:rPr lang="en-US" altLang="ko-KR" sz="3200" b="0" i="1" smtClean="0">
-                                          <a:latin typeface="Cambria Math"/>
+                                          <a:latin typeface="Cambria Math" panose="02040503050406030204" pitchFamily="18" charset="0"/>
                                         </a:rPr>
                                       </m:ctrlPr>
                                     </m:sSubPr>
@@ -5113,7 +5196,7 @@
                                     <m:sSubPr>
                                       <m:ctrlPr>
                                         <a:rPr lang="en-US" altLang="ko-KR" sz="3200" b="0" i="1" smtClean="0">
-                                          <a:latin typeface="Cambria Math"/>
+                                          <a:latin typeface="Cambria Math" panose="02040503050406030204" pitchFamily="18" charset="0"/>
                                         </a:rPr>
                                       </m:ctrlPr>
                                     </m:sSubPr>
@@ -5153,7 +5236,7 @@
               </p:txBody>
             </p:sp>
           </mc:Choice>
-          <mc:Fallback>
+          <mc:Fallback xmlns="">
             <p:sp>
               <p:nvSpPr>
                 <p:cNvPr id="4" name="TextBox 3"/>
@@ -5232,8 +5315,8 @@
           </a:fontRef>
         </p:style>
       </p:cxnSp>
-      <mc:AlternateContent xmlns:mc="http://schemas.openxmlformats.org/markup-compatibility/2006">
-        <mc:Choice xmlns:a14="http://schemas.microsoft.com/office/drawing/2010/main" Requires="a14">
+      <mc:AlternateContent xmlns:mc="http://schemas.openxmlformats.org/markup-compatibility/2006" xmlns:a14="http://schemas.microsoft.com/office/drawing/2010/main">
+        <mc:Choice Requires="a14">
           <p:sp>
             <p:nvSpPr>
               <p:cNvPr id="8" name="TextBox 7"/>
@@ -5258,20 +5341,20 @@
               <a:p>
                 <a:pPr algn="ctr"/>
                 <a:r>
-                  <a:rPr lang="en-US" altLang="ko-KR" dirty="0" smtClean="0">
+                  <a:rPr lang="en-US" altLang="ko-KR" dirty="0">
                     <a:latin typeface="나눔바른고딕" pitchFamily="50" charset="-127"/>
                     <a:ea typeface="나눔바른고딕" pitchFamily="50" charset="-127"/>
                   </a:rPr>
                   <a:t>1</a:t>
                 </a:r>
                 <a:r>
-                  <a:rPr lang="ko-KR" altLang="en-US" dirty="0" smtClean="0">
+                  <a:rPr lang="ko-KR" altLang="en-US" dirty="0">
                     <a:latin typeface="나눔바른고딕" pitchFamily="50" charset="-127"/>
                     <a:ea typeface="나눔바른고딕" pitchFamily="50" charset="-127"/>
                   </a:rPr>
                   <a:t>번 행에 대한</a:t>
                 </a:r>
-                <a:endParaRPr lang="en-US" altLang="ko-KR" dirty="0" smtClean="0">
+                <a:endParaRPr lang="en-US" altLang="ko-KR" dirty="0">
                   <a:latin typeface="나눔바른고딕" pitchFamily="50" charset="-127"/>
                   <a:ea typeface="나눔바른고딕" pitchFamily="50" charset="-127"/>
                 </a:endParaRPr>
@@ -5279,7 +5362,7 @@
               <a:p>
                 <a:pPr algn="ctr"/>
                 <a:r>
-                  <a:rPr lang="en-US" altLang="ko-KR" dirty="0" smtClean="0">
+                  <a:rPr lang="en-US" altLang="ko-KR" dirty="0">
                     <a:latin typeface="나눔바른고딕" pitchFamily="50" charset="-127"/>
                     <a:ea typeface="나눔바른고딕" pitchFamily="50" charset="-127"/>
                   </a:rPr>
@@ -5303,7 +5386,7 @@
             </p:txBody>
           </p:sp>
         </mc:Choice>
-        <mc:Fallback>
+        <mc:Fallback xmlns="">
           <p:sp>
             <p:nvSpPr>
               <p:cNvPr id="8" name="TextBox 7"/>
@@ -5342,8 +5425,8 @@
           </p:sp>
         </mc:Fallback>
       </mc:AlternateContent>
-      <mc:AlternateContent xmlns:mc="http://schemas.openxmlformats.org/markup-compatibility/2006">
-        <mc:Choice xmlns:a14="http://schemas.microsoft.com/office/drawing/2010/main" Requires="a14">
+      <mc:AlternateContent xmlns:mc="http://schemas.openxmlformats.org/markup-compatibility/2006" xmlns:a14="http://schemas.microsoft.com/office/drawing/2010/main">
+        <mc:Choice Requires="a14">
           <p:sp>
             <p:nvSpPr>
               <p:cNvPr id="11" name="TextBox 10"/>
@@ -5368,27 +5451,20 @@
               <a:p>
                 <a:pPr algn="ctr"/>
                 <a:r>
-                  <a:rPr lang="en-US" altLang="ko-KR" dirty="0" smtClean="0">
+                  <a:rPr lang="en-US" altLang="ko-KR" dirty="0">
                     <a:latin typeface="나눔바른고딕" pitchFamily="50" charset="-127"/>
                     <a:ea typeface="나눔바른고딕" pitchFamily="50" charset="-127"/>
                   </a:rPr>
                   <a:t>2</a:t>
                 </a:r>
                 <a:r>
-                  <a:rPr lang="ko-KR" altLang="en-US" dirty="0" smtClean="0">
-                    <a:latin typeface="나눔바른고딕" pitchFamily="50" charset="-127"/>
-                    <a:ea typeface="나눔바른고딕" pitchFamily="50" charset="-127"/>
-                  </a:rPr>
-                  <a:t>번 행에 대</a:t>
-                </a:r>
-                <a:r>
                   <a:rPr lang="ko-KR" altLang="en-US" dirty="0">
                     <a:latin typeface="나눔바른고딕" pitchFamily="50" charset="-127"/>
                     <a:ea typeface="나눔바른고딕" pitchFamily="50" charset="-127"/>
                   </a:rPr>
-                  <a:t>한</a:t>
+                  <a:t>번 행에 대한</a:t>
                 </a:r>
-                <a:endParaRPr lang="en-US" altLang="ko-KR" dirty="0" smtClean="0">
+                <a:endParaRPr lang="en-US" altLang="ko-KR" dirty="0">
                   <a:latin typeface="나눔바른고딕" pitchFamily="50" charset="-127"/>
                   <a:ea typeface="나눔바른고딕" pitchFamily="50" charset="-127"/>
                 </a:endParaRPr>
@@ -5396,7 +5472,7 @@
               <a:p>
                 <a:pPr algn="ctr"/>
                 <a:r>
-                  <a:rPr lang="en-US" altLang="ko-KR" dirty="0" smtClean="0">
+                  <a:rPr lang="en-US" altLang="ko-KR" dirty="0">
                     <a:latin typeface="나눔바른고딕" pitchFamily="50" charset="-127"/>
                     <a:ea typeface="나눔바른고딕" pitchFamily="50" charset="-127"/>
                   </a:rPr>
@@ -5420,7 +5496,7 @@
             </p:txBody>
           </p:sp>
         </mc:Choice>
-        <mc:Fallback>
+        <mc:Fallback xmlns="">
           <p:sp>
             <p:nvSpPr>
               <p:cNvPr id="11" name="TextBox 10"/>
@@ -5535,8 +5611,8 @@
           </a:fontRef>
         </p:style>
       </p:cxnSp>
-      <mc:AlternateContent xmlns:mc="http://schemas.openxmlformats.org/markup-compatibility/2006">
-        <mc:Choice xmlns:a14="http://schemas.microsoft.com/office/drawing/2010/main" Requires="a14">
+      <mc:AlternateContent xmlns:mc="http://schemas.openxmlformats.org/markup-compatibility/2006" xmlns:a14="http://schemas.microsoft.com/office/drawing/2010/main">
+        <mc:Choice Requires="a14">
           <p:sp>
             <p:nvSpPr>
               <p:cNvPr id="20" name="TextBox 19"/>
@@ -5561,27 +5637,20 @@
               <a:p>
                 <a:pPr algn="ctr"/>
                 <a:r>
-                  <a:rPr lang="en-US" altLang="ko-KR" dirty="0" smtClean="0">
+                  <a:rPr lang="en-US" altLang="ko-KR" dirty="0">
                     <a:latin typeface="나눔바른고딕" pitchFamily="50" charset="-127"/>
                     <a:ea typeface="나눔바른고딕" pitchFamily="50" charset="-127"/>
                   </a:rPr>
                   <a:t>3</a:t>
                 </a:r>
                 <a:r>
-                  <a:rPr lang="ko-KR" altLang="en-US" dirty="0" smtClean="0">
-                    <a:latin typeface="나눔바른고딕" pitchFamily="50" charset="-127"/>
-                    <a:ea typeface="나눔바른고딕" pitchFamily="50" charset="-127"/>
-                  </a:rPr>
-                  <a:t>번 행에 대</a:t>
-                </a:r>
-                <a:r>
                   <a:rPr lang="ko-KR" altLang="en-US" dirty="0">
                     <a:latin typeface="나눔바른고딕" pitchFamily="50" charset="-127"/>
                     <a:ea typeface="나눔바른고딕" pitchFamily="50" charset="-127"/>
                   </a:rPr>
-                  <a:t>한</a:t>
+                  <a:t>번 행에 대한</a:t>
                 </a:r>
-                <a:endParaRPr lang="en-US" altLang="ko-KR" dirty="0" smtClean="0">
+                <a:endParaRPr lang="en-US" altLang="ko-KR" dirty="0">
                   <a:latin typeface="나눔바른고딕" pitchFamily="50" charset="-127"/>
                   <a:ea typeface="나눔바른고딕" pitchFamily="50" charset="-127"/>
                 </a:endParaRPr>
@@ -5589,7 +5658,7 @@
               <a:p>
                 <a:pPr algn="ctr"/>
                 <a:r>
-                  <a:rPr lang="en-US" altLang="ko-KR" dirty="0" smtClean="0">
+                  <a:rPr lang="en-US" altLang="ko-KR" dirty="0">
                     <a:latin typeface="나눔바른고딕" pitchFamily="50" charset="-127"/>
                     <a:ea typeface="나눔바른고딕" pitchFamily="50" charset="-127"/>
                   </a:rPr>
@@ -5613,7 +5682,7 @@
             </p:txBody>
           </p:sp>
         </mc:Choice>
-        <mc:Fallback>
+        <mc:Fallback xmlns="">
           <p:sp>
             <p:nvSpPr>
               <p:cNvPr id="20" name="TextBox 19"/>
@@ -5666,6 +5735,1554 @@
 </file>
 
 <file path=ppt/slides/slide3.xml><?xml version="1.0" encoding="utf-8"?>
+<p:sld xmlns:a="http://schemas.openxmlformats.org/drawingml/2006/main" xmlns:r="http://schemas.openxmlformats.org/officeDocument/2006/relationships" xmlns:p="http://schemas.openxmlformats.org/presentationml/2006/main">
+  <p:cSld>
+    <p:spTree>
+      <p:nvGrpSpPr>
+        <p:cNvPr id="1" name=""/>
+        <p:cNvGrpSpPr/>
+        <p:nvPr/>
+      </p:nvGrpSpPr>
+      <p:grpSpPr>
+        <a:xfrm>
+          <a:off x="0" y="0"/>
+          <a:ext cx="0" cy="0"/>
+          <a:chOff x="0" y="0"/>
+          <a:chExt cx="0" cy="0"/>
+        </a:xfrm>
+      </p:grpSpPr>
+      <p:grpSp>
+        <p:nvGrpSpPr>
+          <p:cNvPr id="7" name="그룹 6"/>
+          <p:cNvGrpSpPr/>
+          <p:nvPr/>
+        </p:nvGrpSpPr>
+        <p:grpSpPr>
+          <a:xfrm>
+            <a:off x="450840" y="2731053"/>
+            <a:ext cx="8242321" cy="1395895"/>
+            <a:chOff x="450840" y="2731053"/>
+            <a:chExt cx="8242321" cy="1395895"/>
+          </a:xfrm>
+        </p:grpSpPr>
+        <p:sp>
+          <p:nvSpPr>
+            <p:cNvPr id="6" name="직사각형 5"/>
+            <p:cNvSpPr/>
+            <p:nvPr/>
+          </p:nvSpPr>
+          <p:spPr>
+            <a:xfrm>
+              <a:off x="7014810" y="3234176"/>
+              <a:ext cx="1505840" cy="444404"/>
+            </a:xfrm>
+            <a:prstGeom prst="rect">
+              <a:avLst/>
+            </a:prstGeom>
+            <a:solidFill>
+              <a:srgbClr val="FFFF00"/>
+            </a:solidFill>
+            <a:ln>
+              <a:solidFill>
+                <a:srgbClr val="FF0000"/>
+              </a:solidFill>
+              <a:prstDash val="dash"/>
+            </a:ln>
+          </p:spPr>
+          <p:style>
+            <a:lnRef idx="2">
+              <a:schemeClr val="accent1">
+                <a:shade val="50000"/>
+              </a:schemeClr>
+            </a:lnRef>
+            <a:fillRef idx="1">
+              <a:schemeClr val="accent1"/>
+            </a:fillRef>
+            <a:effectRef idx="0">
+              <a:schemeClr val="accent1"/>
+            </a:effectRef>
+            <a:fontRef idx="minor">
+              <a:schemeClr val="lt1"/>
+            </a:fontRef>
+          </p:style>
+          <p:txBody>
+            <a:bodyPr rtlCol="0" anchor="ctr"/>
+            <a:lstStyle/>
+            <a:p>
+              <a:pPr algn="ctr"/>
+              <a:endParaRPr lang="ko-KR" altLang="en-US"/>
+            </a:p>
+          </p:txBody>
+        </p:sp>
+        <p:sp>
+          <p:nvSpPr>
+            <p:cNvPr id="5" name="직사각형 4"/>
+            <p:cNvSpPr/>
+            <p:nvPr/>
+          </p:nvSpPr>
+          <p:spPr>
+            <a:xfrm>
+              <a:off x="601139" y="3234176"/>
+              <a:ext cx="1896050" cy="444404"/>
+            </a:xfrm>
+            <a:prstGeom prst="rect">
+              <a:avLst/>
+            </a:prstGeom>
+            <a:solidFill>
+              <a:srgbClr val="FFFF00"/>
+            </a:solidFill>
+            <a:ln>
+              <a:solidFill>
+                <a:srgbClr val="FF0000"/>
+              </a:solidFill>
+              <a:prstDash val="dash"/>
+            </a:ln>
+          </p:spPr>
+          <p:style>
+            <a:lnRef idx="2">
+              <a:schemeClr val="accent1">
+                <a:shade val="50000"/>
+              </a:schemeClr>
+            </a:lnRef>
+            <a:fillRef idx="1">
+              <a:schemeClr val="accent1"/>
+            </a:fillRef>
+            <a:effectRef idx="0">
+              <a:schemeClr val="accent1"/>
+            </a:effectRef>
+            <a:fontRef idx="minor">
+              <a:schemeClr val="lt1"/>
+            </a:fontRef>
+          </p:style>
+          <p:txBody>
+            <a:bodyPr rtlCol="0" anchor="ctr"/>
+            <a:lstStyle/>
+            <a:p>
+              <a:pPr algn="ctr"/>
+              <a:endParaRPr lang="ko-KR" altLang="en-US"/>
+            </a:p>
+          </p:txBody>
+        </p:sp>
+        <mc:AlternateContent xmlns:mc="http://schemas.openxmlformats.org/markup-compatibility/2006" xmlns:a14="http://schemas.microsoft.com/office/drawing/2010/main">
+          <mc:Choice Requires="a14">
+            <p:sp>
+              <p:nvSpPr>
+                <p:cNvPr id="4" name="TextBox 3"/>
+                <p:cNvSpPr txBox="1"/>
+                <p:nvPr/>
+              </p:nvSpPr>
+              <p:spPr>
+                <a:xfrm>
+                  <a:off x="450840" y="2731053"/>
+                  <a:ext cx="8242321" cy="1395895"/>
+                </a:xfrm>
+                <a:prstGeom prst="rect">
+                  <a:avLst/>
+                </a:prstGeom>
+                <a:noFill/>
+              </p:spPr>
+              <p:txBody>
+                <a:bodyPr wrap="none" rtlCol="0">
+                  <a:spAutoFit/>
+                </a:bodyPr>
+                <a:lstStyle/>
+                <a:p>
+                  <a:pPr/>
+                  <a14:m>
+                    <m:oMathPara xmlns:m="http://schemas.openxmlformats.org/officeDocument/2006/math">
+                      <m:oMathParaPr>
+                        <m:jc m:val="centerGroup"/>
+                      </m:oMathParaPr>
+                      <m:oMath xmlns:m="http://schemas.openxmlformats.org/officeDocument/2006/math">
+                        <m:d>
+                          <m:dPr>
+                            <m:begChr m:val="["/>
+                            <m:endChr m:val="]"/>
+                            <m:ctrlPr>
+                              <a:rPr lang="en-US" altLang="ko-KR" sz="3200" i="1" smtClean="0">
+                                <a:latin typeface="Cambria Math" panose="02040503050406030204" pitchFamily="18" charset="0"/>
+                              </a:rPr>
+                            </m:ctrlPr>
+                          </m:dPr>
+                          <m:e>
+                            <m:m>
+                              <m:mPr>
+                                <m:mcs>
+                                  <m:mc>
+                                    <m:mcPr>
+                                      <m:count m:val="3"/>
+                                      <m:mcJc m:val="center"/>
+                                    </m:mcPr>
+                                  </m:mc>
+                                </m:mcs>
+                                <m:ctrlPr>
+                                  <a:rPr lang="en-US" altLang="ko-KR" sz="3200" i="1" smtClean="0">
+                                    <a:latin typeface="Cambria Math" panose="02040503050406030204" pitchFamily="18" charset="0"/>
+                                  </a:rPr>
+                                </m:ctrlPr>
+                              </m:mPr>
+                              <m:mr>
+                                <m:e>
+                                  <m:r>
+                                    <m:rPr>
+                                      <m:brk m:alnAt="7"/>
+                                    </m:rPr>
+                                    <a:rPr lang="en-US" altLang="ko-KR" sz="3200" b="0" i="1" smtClean="0">
+                                      <a:latin typeface="Cambria Math"/>
+                                    </a:rPr>
+                                    <m:t>1</m:t>
+                                  </m:r>
+                                </m:e>
+                                <m:e>
+                                  <m:r>
+                                    <a:rPr lang="en-US" altLang="ko-KR" sz="3200" b="0" i="1" smtClean="0">
+                                      <a:latin typeface="Cambria Math"/>
+                                    </a:rPr>
+                                    <m:t>0</m:t>
+                                  </m:r>
+                                </m:e>
+                                <m:e>
+                                  <m:r>
+                                    <a:rPr lang="en-US" altLang="ko-KR" sz="3200" b="0" i="1" smtClean="0">
+                                      <a:latin typeface="Cambria Math"/>
+                                    </a:rPr>
+                                    <m:t>0</m:t>
+                                  </m:r>
+                                </m:e>
+                              </m:mr>
+                              <m:mr>
+                                <m:e>
+                                  <m:r>
+                                    <a:rPr lang="en-US" altLang="ko-KR" sz="3200" b="0" i="1" smtClean="0">
+                                      <a:latin typeface="Cambria Math"/>
+                                    </a:rPr>
+                                    <m:t>𝑠</m:t>
+                                  </m:r>
+                                </m:e>
+                                <m:e>
+                                  <m:r>
+                                    <a:rPr lang="en-US" altLang="ko-KR" sz="3200" b="0" i="1" smtClean="0">
+                                      <a:latin typeface="Cambria Math"/>
+                                    </a:rPr>
+                                    <m:t>1</m:t>
+                                  </m:r>
+                                </m:e>
+                                <m:e>
+                                  <m:r>
+                                    <a:rPr lang="en-US" altLang="ko-KR" sz="3200" b="0" i="1" smtClean="0">
+                                      <a:latin typeface="Cambria Math"/>
+                                    </a:rPr>
+                                    <m:t>0</m:t>
+                                  </m:r>
+                                </m:e>
+                              </m:mr>
+                              <m:mr>
+                                <m:e>
+                                  <m:r>
+                                    <a:rPr lang="en-US" altLang="ko-KR" sz="3200" b="0" i="1" smtClean="0">
+                                      <a:latin typeface="Cambria Math"/>
+                                    </a:rPr>
+                                    <m:t>0</m:t>
+                                  </m:r>
+                                </m:e>
+                                <m:e>
+                                  <m:r>
+                                    <a:rPr lang="en-US" altLang="ko-KR" sz="3200" b="0" i="1" smtClean="0">
+                                      <a:latin typeface="Cambria Math"/>
+                                    </a:rPr>
+                                    <m:t>0</m:t>
+                                  </m:r>
+                                </m:e>
+                                <m:e>
+                                  <m:r>
+                                    <a:rPr lang="en-US" altLang="ko-KR" sz="3200" b="0" i="1" smtClean="0">
+                                      <a:latin typeface="Cambria Math"/>
+                                    </a:rPr>
+                                    <m:t>1</m:t>
+                                  </m:r>
+                                </m:e>
+                              </m:mr>
+                            </m:m>
+                          </m:e>
+                        </m:d>
+                        <m:d>
+                          <m:dPr>
+                            <m:begChr m:val="["/>
+                            <m:endChr m:val="]"/>
+                            <m:ctrlPr>
+                              <a:rPr lang="en-US" altLang="ko-KR" sz="3200" i="1" smtClean="0">
+                                <a:latin typeface="Cambria Math" panose="02040503050406030204" pitchFamily="18" charset="0"/>
+                              </a:rPr>
+                            </m:ctrlPr>
+                          </m:dPr>
+                          <m:e>
+                            <m:m>
+                              <m:mPr>
+                                <m:mcs>
+                                  <m:mc>
+                                    <m:mcPr>
+                                      <m:count m:val="1"/>
+                                      <m:mcJc m:val="center"/>
+                                    </m:mcPr>
+                                  </m:mc>
+                                </m:mcs>
+                                <m:ctrlPr>
+                                  <a:rPr lang="en-US" altLang="ko-KR" sz="3200" i="1" smtClean="0">
+                                    <a:latin typeface="Cambria Math" panose="02040503050406030204" pitchFamily="18" charset="0"/>
+                                  </a:rPr>
+                                </m:ctrlPr>
+                              </m:mPr>
+                              <m:mr>
+                                <m:e>
+                                  <m:m>
+                                    <m:mPr>
+                                      <m:mcs>
+                                        <m:mc>
+                                          <m:mcPr>
+                                            <m:count m:val="2"/>
+                                            <m:mcJc m:val="center"/>
+                                          </m:mcPr>
+                                        </m:mc>
+                                      </m:mcs>
+                                      <m:ctrlPr>
+                                        <a:rPr lang="en-US" altLang="ko-KR" sz="3200" i="1" smtClean="0">
+                                          <a:latin typeface="Cambria Math" panose="02040503050406030204" pitchFamily="18" charset="0"/>
+                                        </a:rPr>
+                                      </m:ctrlPr>
+                                    </m:mPr>
+                                    <m:mr>
+                                      <m:e>
+                                        <m:m>
+                                          <m:mPr>
+                                            <m:mcs>
+                                              <m:mc>
+                                                <m:mcPr>
+                                                  <m:count m:val="2"/>
+                                                  <m:mcJc m:val="center"/>
+                                                </m:mcPr>
+                                              </m:mc>
+                                            </m:mcs>
+                                            <m:ctrlPr>
+                                              <a:rPr lang="en-US" altLang="ko-KR" sz="3200" i="1" smtClean="0">
+                                                <a:latin typeface="Cambria Math" panose="02040503050406030204" pitchFamily="18" charset="0"/>
+                                              </a:rPr>
+                                            </m:ctrlPr>
+                                          </m:mPr>
+                                          <m:mr>
+                                            <m:e>
+                                              <m:sSub>
+                                                <m:sSubPr>
+                                                  <m:ctrlPr>
+                                                    <a:rPr lang="en-US" altLang="ko-KR" sz="3200" b="0" i="1" smtClean="0">
+                                                      <a:latin typeface="Cambria Math" panose="02040503050406030204" pitchFamily="18" charset="0"/>
+                                                    </a:rPr>
+                                                  </m:ctrlPr>
+                                                </m:sSubPr>
+                                                <m:e>
+                                                  <m:r>
+                                                    <m:rPr>
+                                                      <m:brk m:alnAt="7"/>
+                                                    </m:rPr>
+                                                    <a:rPr lang="en-US" altLang="ko-KR" sz="3200" b="0" i="1" smtClean="0">
+                                                      <a:latin typeface="Cambria Math"/>
+                                                    </a:rPr>
+                                                    <m:t>𝑎</m:t>
+                                                  </m:r>
+                                                </m:e>
+                                                <m:sub>
+                                                  <m:r>
+                                                    <m:rPr>
+                                                      <m:brk m:alnAt="7"/>
+                                                    </m:rPr>
+                                                    <a:rPr lang="en-US" altLang="ko-KR" sz="3200" b="0" i="1" smtClean="0">
+                                                      <a:latin typeface="Cambria Math"/>
+                                                    </a:rPr>
+                                                    <m:t>1</m:t>
+                                                  </m:r>
+                                                  <m:r>
+                                                    <a:rPr lang="en-US" altLang="ko-KR" sz="3200" b="0" i="1" smtClean="0">
+                                                      <a:latin typeface="Cambria Math"/>
+                                                    </a:rPr>
+                                                    <m:t>1</m:t>
+                                                  </m:r>
+                                                </m:sub>
+                                              </m:sSub>
+                                            </m:e>
+                                            <m:e>
+                                              <m:sSub>
+                                                <m:sSubPr>
+                                                  <m:ctrlPr>
+                                                    <a:rPr lang="en-US" altLang="ko-KR" sz="3200" b="0" i="1" smtClean="0">
+                                                      <a:latin typeface="Cambria Math" panose="02040503050406030204" pitchFamily="18" charset="0"/>
+                                                    </a:rPr>
+                                                  </m:ctrlPr>
+                                                </m:sSubPr>
+                                                <m:e>
+                                                  <m:r>
+                                                    <a:rPr lang="en-US" altLang="ko-KR" sz="3200" b="0" i="1" smtClean="0">
+                                                      <a:latin typeface="Cambria Math"/>
+                                                    </a:rPr>
+                                                    <m:t>𝑎</m:t>
+                                                  </m:r>
+                                                </m:e>
+                                                <m:sub>
+                                                  <m:r>
+                                                    <a:rPr lang="en-US" altLang="ko-KR" sz="3200" b="0" i="1" smtClean="0">
+                                                      <a:latin typeface="Cambria Math"/>
+                                                    </a:rPr>
+                                                    <m:t>12</m:t>
+                                                  </m:r>
+                                                </m:sub>
+                                              </m:sSub>
+                                            </m:e>
+                                          </m:mr>
+                                        </m:m>
+                                      </m:e>
+                                      <m:e>
+                                        <m:m>
+                                          <m:mPr>
+                                            <m:mcs>
+                                              <m:mc>
+                                                <m:mcPr>
+                                                  <m:count m:val="2"/>
+                                                  <m:mcJc m:val="center"/>
+                                                </m:mcPr>
+                                              </m:mc>
+                                            </m:mcs>
+                                            <m:ctrlPr>
+                                              <a:rPr lang="en-US" altLang="ko-KR" sz="3200" i="1" smtClean="0">
+                                                <a:latin typeface="Cambria Math" panose="02040503050406030204" pitchFamily="18" charset="0"/>
+                                              </a:rPr>
+                                            </m:ctrlPr>
+                                          </m:mPr>
+                                          <m:mr>
+                                            <m:e>
+                                              <m:sSub>
+                                                <m:sSubPr>
+                                                  <m:ctrlPr>
+                                                    <a:rPr lang="en-US" altLang="ko-KR" sz="3200" b="0" i="1" smtClean="0">
+                                                      <a:latin typeface="Cambria Math" panose="02040503050406030204" pitchFamily="18" charset="0"/>
+                                                    </a:rPr>
+                                                  </m:ctrlPr>
+                                                </m:sSubPr>
+                                                <m:e>
+                                                  <m:r>
+                                                    <m:rPr>
+                                                      <m:brk m:alnAt="7"/>
+                                                    </m:rPr>
+                                                    <a:rPr lang="en-US" altLang="ko-KR" sz="3200" b="0" i="1" smtClean="0">
+                                                      <a:latin typeface="Cambria Math"/>
+                                                    </a:rPr>
+                                                    <m:t>𝑎</m:t>
+                                                  </m:r>
+                                                </m:e>
+                                                <m:sub>
+                                                  <m:r>
+                                                    <m:rPr>
+                                                      <m:brk m:alnAt="7"/>
+                                                    </m:rPr>
+                                                    <a:rPr lang="en-US" altLang="ko-KR" sz="3200" b="0" i="1" smtClean="0">
+                                                      <a:latin typeface="Cambria Math"/>
+                                                    </a:rPr>
+                                                    <m:t>1</m:t>
+                                                  </m:r>
+                                                  <m:r>
+                                                    <a:rPr lang="en-US" altLang="ko-KR" sz="3200" b="0" i="1" smtClean="0">
+                                                      <a:latin typeface="Cambria Math"/>
+                                                    </a:rPr>
+                                                    <m:t>3</m:t>
+                                                  </m:r>
+                                                </m:sub>
+                                              </m:sSub>
+                                            </m:e>
+                                            <m:e>
+                                              <m:sSub>
+                                                <m:sSubPr>
+                                                  <m:ctrlPr>
+                                                    <a:rPr lang="en-US" altLang="ko-KR" sz="3200" b="0" i="1" smtClean="0">
+                                                      <a:latin typeface="Cambria Math" panose="02040503050406030204" pitchFamily="18" charset="0"/>
+                                                    </a:rPr>
+                                                  </m:ctrlPr>
+                                                </m:sSubPr>
+                                                <m:e>
+                                                  <m:r>
+                                                    <a:rPr lang="en-US" altLang="ko-KR" sz="3200" b="0" i="1" smtClean="0">
+                                                      <a:latin typeface="Cambria Math"/>
+                                                    </a:rPr>
+                                                    <m:t>𝑎</m:t>
+                                                  </m:r>
+                                                </m:e>
+                                                <m:sub>
+                                                  <m:r>
+                                                    <a:rPr lang="en-US" altLang="ko-KR" sz="3200" b="0" i="1" smtClean="0">
+                                                      <a:latin typeface="Cambria Math"/>
+                                                    </a:rPr>
+                                                    <m:t>14</m:t>
+                                                  </m:r>
+                                                </m:sub>
+                                              </m:sSub>
+                                            </m:e>
+                                          </m:mr>
+                                        </m:m>
+                                      </m:e>
+                                    </m:mr>
+                                  </m:m>
+                                </m:e>
+                              </m:mr>
+                              <m:mr>
+                                <m:e>
+                                  <m:m>
+                                    <m:mPr>
+                                      <m:mcs>
+                                        <m:mc>
+                                          <m:mcPr>
+                                            <m:count m:val="2"/>
+                                            <m:mcJc m:val="center"/>
+                                          </m:mcPr>
+                                        </m:mc>
+                                      </m:mcs>
+                                      <m:ctrlPr>
+                                        <a:rPr lang="en-US" altLang="ko-KR" sz="3200" i="1" smtClean="0">
+                                          <a:latin typeface="Cambria Math" panose="02040503050406030204" pitchFamily="18" charset="0"/>
+                                        </a:rPr>
+                                      </m:ctrlPr>
+                                    </m:mPr>
+                                    <m:mr>
+                                      <m:e>
+                                        <m:m>
+                                          <m:mPr>
+                                            <m:mcs>
+                                              <m:mc>
+                                                <m:mcPr>
+                                                  <m:count m:val="2"/>
+                                                  <m:mcJc m:val="center"/>
+                                                </m:mcPr>
+                                              </m:mc>
+                                            </m:mcs>
+                                            <m:ctrlPr>
+                                              <a:rPr lang="en-US" altLang="ko-KR" sz="3200" i="1" smtClean="0">
+                                                <a:latin typeface="Cambria Math" panose="02040503050406030204" pitchFamily="18" charset="0"/>
+                                              </a:rPr>
+                                            </m:ctrlPr>
+                                          </m:mPr>
+                                          <m:mr>
+                                            <m:e>
+                                              <m:sSub>
+                                                <m:sSubPr>
+                                                  <m:ctrlPr>
+                                                    <a:rPr lang="en-US" altLang="ko-KR" sz="3200" b="0" i="1" smtClean="0">
+                                                      <a:latin typeface="Cambria Math" panose="02040503050406030204" pitchFamily="18" charset="0"/>
+                                                    </a:rPr>
+                                                  </m:ctrlPr>
+                                                </m:sSubPr>
+                                                <m:e>
+                                                  <m:r>
+                                                    <m:rPr>
+                                                      <m:brk m:alnAt="7"/>
+                                                    </m:rPr>
+                                                    <a:rPr lang="en-US" altLang="ko-KR" sz="3200" b="0" i="1" smtClean="0">
+                                                      <a:latin typeface="Cambria Math"/>
+                                                    </a:rPr>
+                                                    <m:t>𝑎</m:t>
+                                                  </m:r>
+                                                </m:e>
+                                                <m:sub>
+                                                  <m:r>
+                                                    <m:rPr>
+                                                      <m:brk m:alnAt="7"/>
+                                                    </m:rPr>
+                                                    <a:rPr lang="en-US" altLang="ko-KR" sz="3200" b="0" i="1" smtClean="0">
+                                                      <a:latin typeface="Cambria Math"/>
+                                                    </a:rPr>
+                                                    <m:t>2</m:t>
+                                                  </m:r>
+                                                  <m:r>
+                                                    <a:rPr lang="en-US" altLang="ko-KR" sz="3200" b="0" i="1" smtClean="0">
+                                                      <a:latin typeface="Cambria Math"/>
+                                                    </a:rPr>
+                                                    <m:t>1</m:t>
+                                                  </m:r>
+                                                </m:sub>
+                                              </m:sSub>
+                                            </m:e>
+                                            <m:e>
+                                              <m:sSub>
+                                                <m:sSubPr>
+                                                  <m:ctrlPr>
+                                                    <a:rPr lang="en-US" altLang="ko-KR" sz="3200" b="0" i="1" smtClean="0">
+                                                      <a:latin typeface="Cambria Math" panose="02040503050406030204" pitchFamily="18" charset="0"/>
+                                                    </a:rPr>
+                                                  </m:ctrlPr>
+                                                </m:sSubPr>
+                                                <m:e>
+                                                  <m:r>
+                                                    <m:rPr>
+                                                      <m:brk m:alnAt="7"/>
+                                                    </m:rPr>
+                                                    <a:rPr lang="en-US" altLang="ko-KR" sz="3200" b="0" i="1" smtClean="0">
+                                                      <a:latin typeface="Cambria Math"/>
+                                                    </a:rPr>
+                                                    <m:t>𝑎</m:t>
+                                                  </m:r>
+                                                </m:e>
+                                                <m:sub>
+                                                  <m:r>
+                                                    <m:rPr>
+                                                      <m:brk m:alnAt="7"/>
+                                                    </m:rPr>
+                                                    <a:rPr lang="en-US" altLang="ko-KR" sz="3200" b="0" i="1" smtClean="0">
+                                                      <a:latin typeface="Cambria Math"/>
+                                                    </a:rPr>
+                                                    <m:t>2</m:t>
+                                                  </m:r>
+                                                  <m:r>
+                                                    <a:rPr lang="en-US" altLang="ko-KR" sz="3200" b="0" i="1" smtClean="0">
+                                                      <a:latin typeface="Cambria Math"/>
+                                                    </a:rPr>
+                                                    <m:t>2</m:t>
+                                                  </m:r>
+                                                </m:sub>
+                                              </m:sSub>
+                                            </m:e>
+                                          </m:mr>
+                                        </m:m>
+                                      </m:e>
+                                      <m:e>
+                                        <m:m>
+                                          <m:mPr>
+                                            <m:mcs>
+                                              <m:mc>
+                                                <m:mcPr>
+                                                  <m:count m:val="2"/>
+                                                  <m:mcJc m:val="center"/>
+                                                </m:mcPr>
+                                              </m:mc>
+                                            </m:mcs>
+                                            <m:ctrlPr>
+                                              <a:rPr lang="en-US" altLang="ko-KR" sz="3200" i="1" smtClean="0">
+                                                <a:latin typeface="Cambria Math" panose="02040503050406030204" pitchFamily="18" charset="0"/>
+                                              </a:rPr>
+                                            </m:ctrlPr>
+                                          </m:mPr>
+                                          <m:mr>
+                                            <m:e>
+                                              <m:sSub>
+                                                <m:sSubPr>
+                                                  <m:ctrlPr>
+                                                    <a:rPr lang="en-US" altLang="ko-KR" sz="3200" b="0" i="1" smtClean="0">
+                                                      <a:latin typeface="Cambria Math" panose="02040503050406030204" pitchFamily="18" charset="0"/>
+                                                    </a:rPr>
+                                                  </m:ctrlPr>
+                                                </m:sSubPr>
+                                                <m:e>
+                                                  <m:r>
+                                                    <a:rPr lang="en-US" altLang="ko-KR" sz="3200" b="0" i="1" smtClean="0">
+                                                      <a:latin typeface="Cambria Math"/>
+                                                    </a:rPr>
+                                                    <m:t>𝑎</m:t>
+                                                  </m:r>
+                                                </m:e>
+                                                <m:sub>
+                                                  <m:r>
+                                                    <a:rPr lang="en-US" altLang="ko-KR" sz="3200" b="0" i="1" smtClean="0">
+                                                      <a:latin typeface="Cambria Math"/>
+                                                    </a:rPr>
+                                                    <m:t>23</m:t>
+                                                  </m:r>
+                                                </m:sub>
+                                              </m:sSub>
+                                            </m:e>
+                                            <m:e>
+                                              <m:sSub>
+                                                <m:sSubPr>
+                                                  <m:ctrlPr>
+                                                    <a:rPr lang="en-US" altLang="ko-KR" sz="3200" b="0" i="1" smtClean="0">
+                                                      <a:latin typeface="Cambria Math" panose="02040503050406030204" pitchFamily="18" charset="0"/>
+                                                    </a:rPr>
+                                                  </m:ctrlPr>
+                                                </m:sSubPr>
+                                                <m:e>
+                                                  <m:r>
+                                                    <a:rPr lang="en-US" altLang="ko-KR" sz="3200" b="0" i="1" smtClean="0">
+                                                      <a:latin typeface="Cambria Math"/>
+                                                    </a:rPr>
+                                                    <m:t>𝑎</m:t>
+                                                  </m:r>
+                                                </m:e>
+                                                <m:sub>
+                                                  <m:r>
+                                                    <a:rPr lang="en-US" altLang="ko-KR" sz="3200" b="0" i="1" smtClean="0">
+                                                      <a:latin typeface="Cambria Math"/>
+                                                    </a:rPr>
+                                                    <m:t>24</m:t>
+                                                  </m:r>
+                                                </m:sub>
+                                              </m:sSub>
+                                              <m:r>
+                                                <a:rPr lang="en-US" altLang="ko-KR" sz="3200" b="0" i="1" smtClean="0">
+                                                  <a:latin typeface="Cambria Math"/>
+                                                </a:rPr>
+                                                <m:t> </m:t>
+                                              </m:r>
+                                            </m:e>
+                                          </m:mr>
+                                        </m:m>
+                                      </m:e>
+                                    </m:mr>
+                                  </m:m>
+                                </m:e>
+                              </m:mr>
+                              <m:mr>
+                                <m:e>
+                                  <m:m>
+                                    <m:mPr>
+                                      <m:mcs>
+                                        <m:mc>
+                                          <m:mcPr>
+                                            <m:count m:val="2"/>
+                                            <m:mcJc m:val="center"/>
+                                          </m:mcPr>
+                                        </m:mc>
+                                      </m:mcs>
+                                      <m:ctrlPr>
+                                        <a:rPr lang="en-US" altLang="ko-KR" sz="3200" i="1" smtClean="0">
+                                          <a:latin typeface="Cambria Math" panose="02040503050406030204" pitchFamily="18" charset="0"/>
+                                        </a:rPr>
+                                      </m:ctrlPr>
+                                    </m:mPr>
+                                    <m:mr>
+                                      <m:e>
+                                        <m:m>
+                                          <m:mPr>
+                                            <m:mcs>
+                                              <m:mc>
+                                                <m:mcPr>
+                                                  <m:count m:val="2"/>
+                                                  <m:mcJc m:val="center"/>
+                                                </m:mcPr>
+                                              </m:mc>
+                                            </m:mcs>
+                                            <m:ctrlPr>
+                                              <a:rPr lang="en-US" altLang="ko-KR" sz="3200" i="1" smtClean="0">
+                                                <a:latin typeface="Cambria Math" panose="02040503050406030204" pitchFamily="18" charset="0"/>
+                                              </a:rPr>
+                                            </m:ctrlPr>
+                                          </m:mPr>
+                                          <m:mr>
+                                            <m:e>
+                                              <m:sSub>
+                                                <m:sSubPr>
+                                                  <m:ctrlPr>
+                                                    <a:rPr lang="en-US" altLang="ko-KR" sz="3200" b="0" i="1" smtClean="0">
+                                                      <a:latin typeface="Cambria Math" panose="02040503050406030204" pitchFamily="18" charset="0"/>
+                                                    </a:rPr>
+                                                  </m:ctrlPr>
+                                                </m:sSubPr>
+                                                <m:e>
+                                                  <m:r>
+                                                    <m:rPr>
+                                                      <m:brk m:alnAt="7"/>
+                                                    </m:rPr>
+                                                    <a:rPr lang="en-US" altLang="ko-KR" sz="3200" b="0" i="1" smtClean="0">
+                                                      <a:latin typeface="Cambria Math"/>
+                                                    </a:rPr>
+                                                    <m:t>𝑎</m:t>
+                                                  </m:r>
+                                                </m:e>
+                                                <m:sub>
+                                                  <m:r>
+                                                    <m:rPr>
+                                                      <m:brk m:alnAt="7"/>
+                                                    </m:rPr>
+                                                    <a:rPr lang="en-US" altLang="ko-KR" sz="3200" b="0" i="1" smtClean="0">
+                                                      <a:latin typeface="Cambria Math"/>
+                                                    </a:rPr>
+                                                    <m:t>3</m:t>
+                                                  </m:r>
+                                                  <m:r>
+                                                    <a:rPr lang="en-US" altLang="ko-KR" sz="3200" b="0" i="1" smtClean="0">
+                                                      <a:latin typeface="Cambria Math"/>
+                                                    </a:rPr>
+                                                    <m:t>1</m:t>
+                                                  </m:r>
+                                                </m:sub>
+                                              </m:sSub>
+                                            </m:e>
+                                            <m:e>
+                                              <m:sSub>
+                                                <m:sSubPr>
+                                                  <m:ctrlPr>
+                                                    <a:rPr lang="en-US" altLang="ko-KR" sz="3200" b="0" i="1" smtClean="0">
+                                                      <a:latin typeface="Cambria Math" panose="02040503050406030204" pitchFamily="18" charset="0"/>
+                                                    </a:rPr>
+                                                  </m:ctrlPr>
+                                                </m:sSubPr>
+                                                <m:e>
+                                                  <m:r>
+                                                    <a:rPr lang="en-US" altLang="ko-KR" sz="3200" b="0" i="1" smtClean="0">
+                                                      <a:latin typeface="Cambria Math"/>
+                                                    </a:rPr>
+                                                    <m:t>𝑎</m:t>
+                                                  </m:r>
+                                                </m:e>
+                                                <m:sub>
+                                                  <m:r>
+                                                    <a:rPr lang="en-US" altLang="ko-KR" sz="3200" b="0" i="1" smtClean="0">
+                                                      <a:latin typeface="Cambria Math"/>
+                                                    </a:rPr>
+                                                    <m:t>32</m:t>
+                                                  </m:r>
+                                                </m:sub>
+                                              </m:sSub>
+                                            </m:e>
+                                          </m:mr>
+                                        </m:m>
+                                      </m:e>
+                                      <m:e>
+                                        <m:m>
+                                          <m:mPr>
+                                            <m:mcs>
+                                              <m:mc>
+                                                <m:mcPr>
+                                                  <m:count m:val="2"/>
+                                                  <m:mcJc m:val="center"/>
+                                                </m:mcPr>
+                                              </m:mc>
+                                            </m:mcs>
+                                            <m:ctrlPr>
+                                              <a:rPr lang="en-US" altLang="ko-KR" sz="3200" i="1" smtClean="0">
+                                                <a:latin typeface="Cambria Math" panose="02040503050406030204" pitchFamily="18" charset="0"/>
+                                              </a:rPr>
+                                            </m:ctrlPr>
+                                          </m:mPr>
+                                          <m:mr>
+                                            <m:e>
+                                              <m:sSub>
+                                                <m:sSubPr>
+                                                  <m:ctrlPr>
+                                                    <a:rPr lang="en-US" altLang="ko-KR" sz="3200" b="0" i="1" smtClean="0">
+                                                      <a:latin typeface="Cambria Math" panose="02040503050406030204" pitchFamily="18" charset="0"/>
+                                                    </a:rPr>
+                                                  </m:ctrlPr>
+                                                </m:sSubPr>
+                                                <m:e>
+                                                  <m:r>
+                                                    <m:rPr>
+                                                      <m:brk m:alnAt="7"/>
+                                                    </m:rPr>
+                                                    <a:rPr lang="en-US" altLang="ko-KR" sz="3200" b="0" i="1" smtClean="0">
+                                                      <a:latin typeface="Cambria Math"/>
+                                                    </a:rPr>
+                                                    <m:t>𝑎</m:t>
+                                                  </m:r>
+                                                </m:e>
+                                                <m:sub>
+                                                  <m:r>
+                                                    <m:rPr>
+                                                      <m:brk m:alnAt="7"/>
+                                                    </m:rPr>
+                                                    <a:rPr lang="en-US" altLang="ko-KR" sz="3200" b="0" i="1" smtClean="0">
+                                                      <a:latin typeface="Cambria Math"/>
+                                                    </a:rPr>
+                                                    <m:t>3</m:t>
+                                                  </m:r>
+                                                  <m:r>
+                                                    <a:rPr lang="en-US" altLang="ko-KR" sz="3200" b="0" i="1" smtClean="0">
+                                                      <a:latin typeface="Cambria Math"/>
+                                                    </a:rPr>
+                                                    <m:t>3</m:t>
+                                                  </m:r>
+                                                </m:sub>
+                                              </m:sSub>
+                                            </m:e>
+                                            <m:e>
+                                              <m:sSub>
+                                                <m:sSubPr>
+                                                  <m:ctrlPr>
+                                                    <a:rPr lang="en-US" altLang="ko-KR" sz="3200" b="0" i="1" smtClean="0">
+                                                      <a:latin typeface="Cambria Math" panose="02040503050406030204" pitchFamily="18" charset="0"/>
+                                                    </a:rPr>
+                                                  </m:ctrlPr>
+                                                </m:sSubPr>
+                                                <m:e>
+                                                  <m:r>
+                                                    <a:rPr lang="en-US" altLang="ko-KR" sz="3200" b="0" i="1" smtClean="0">
+                                                      <a:latin typeface="Cambria Math"/>
+                                                    </a:rPr>
+                                                    <m:t>𝑎</m:t>
+                                                  </m:r>
+                                                </m:e>
+                                                <m:sub>
+                                                  <m:r>
+                                                    <a:rPr lang="en-US" altLang="ko-KR" sz="3200" b="0" i="1" smtClean="0">
+                                                      <a:latin typeface="Cambria Math"/>
+                                                    </a:rPr>
+                                                    <m:t>34</m:t>
+                                                  </m:r>
+                                                </m:sub>
+                                              </m:sSub>
+                                            </m:e>
+                                          </m:mr>
+                                        </m:m>
+                                      </m:e>
+                                    </m:mr>
+                                  </m:m>
+                                </m:e>
+                              </m:mr>
+                            </m:m>
+                          </m:e>
+                        </m:d>
+                        <m:r>
+                          <a:rPr lang="en-US" altLang="ko-KR" sz="3200" b="0" i="1" smtClean="0">
+                            <a:latin typeface="Cambria Math"/>
+                          </a:rPr>
+                          <m:t>=</m:t>
+                        </m:r>
+                        <m:d>
+                          <m:dPr>
+                            <m:begChr m:val="["/>
+                            <m:endChr m:val="]"/>
+                            <m:ctrlPr>
+                              <a:rPr lang="en-US" altLang="ko-KR" sz="3200" i="1">
+                                <a:latin typeface="Cambria Math" panose="02040503050406030204" pitchFamily="18" charset="0"/>
+                              </a:rPr>
+                            </m:ctrlPr>
+                          </m:dPr>
+                          <m:e>
+                            <m:m>
+                              <m:mPr>
+                                <m:mcs>
+                                  <m:mc>
+                                    <m:mcPr>
+                                      <m:count m:val="1"/>
+                                      <m:mcJc m:val="center"/>
+                                    </m:mcPr>
+                                  </m:mc>
+                                </m:mcs>
+                                <m:ctrlPr>
+                                  <a:rPr lang="en-US" altLang="ko-KR" sz="3200" i="1" smtClean="0">
+                                    <a:latin typeface="Cambria Math" panose="02040503050406030204" pitchFamily="18" charset="0"/>
+                                  </a:rPr>
+                                </m:ctrlPr>
+                              </m:mPr>
+                              <m:mr>
+                                <m:e>
+                                  <m:r>
+                                    <m:rPr>
+                                      <m:brk m:alnAt="7"/>
+                                    </m:rPr>
+                                    <a:rPr lang="en-US" altLang="ko-KR" sz="3200" b="0" i="1" smtClean="0">
+                                      <a:latin typeface="Cambria Math"/>
+                                    </a:rPr>
+                                    <m:t>−</m:t>
+                                  </m:r>
+                                  <m:r>
+                                    <a:rPr lang="en-US" altLang="ko-KR" sz="3200" b="0" i="1" smtClean="0">
+                                      <a:latin typeface="Cambria Math"/>
+                                    </a:rPr>
+                                    <m:t> </m:t>
+                                  </m:r>
+                                  <m:sSub>
+                                    <m:sSubPr>
+                                      <m:ctrlPr>
+                                        <a:rPr lang="en-US" altLang="ko-KR" sz="3200" b="0" i="1" smtClean="0">
+                                          <a:latin typeface="Cambria Math" panose="02040503050406030204" pitchFamily="18" charset="0"/>
+                                        </a:rPr>
+                                      </m:ctrlPr>
+                                    </m:sSubPr>
+                                    <m:e>
+                                      <m:r>
+                                        <m:rPr>
+                                          <m:brk m:alnAt="7"/>
+                                        </m:rPr>
+                                        <a:rPr lang="en-US" altLang="ko-KR" sz="3200" b="0" i="1" smtClean="0">
+                                          <a:latin typeface="Cambria Math"/>
+                                        </a:rPr>
+                                        <m:t>𝑟</m:t>
+                                      </m:r>
+                                    </m:e>
+                                    <m:sub>
+                                      <m:r>
+                                        <m:rPr>
+                                          <m:brk m:alnAt="7"/>
+                                        </m:rPr>
+                                        <a:rPr lang="en-US" altLang="ko-KR" sz="3200" b="0" i="1" smtClean="0">
+                                          <a:latin typeface="Cambria Math"/>
+                                        </a:rPr>
+                                        <m:t>1</m:t>
+                                      </m:r>
+                                    </m:sub>
+                                  </m:sSub>
+                                  <m:r>
+                                    <m:rPr>
+                                      <m:brk m:alnAt="7"/>
+                                    </m:rPr>
+                                    <a:rPr lang="en-US" altLang="ko-KR" sz="3200" b="0" i="1" smtClean="0">
+                                      <a:latin typeface="Cambria Math"/>
+                                    </a:rPr>
+                                    <m:t>−</m:t>
+                                  </m:r>
+                                </m:e>
+                              </m:mr>
+                              <m:mr>
+                                <m:e>
+                                  <m:r>
+                                    <a:rPr lang="en-US" altLang="ko-KR" sz="3200" b="0" i="1" smtClean="0">
+                                      <a:latin typeface="Cambria Math"/>
+                                    </a:rPr>
+                                    <m:t>− </m:t>
+                                  </m:r>
+                                  <m:sSub>
+                                    <m:sSubPr>
+                                      <m:ctrlPr>
+                                        <a:rPr lang="en-US" altLang="ko-KR" sz="3200" b="0" i="1" smtClean="0">
+                                          <a:latin typeface="Cambria Math" panose="02040503050406030204" pitchFamily="18" charset="0"/>
+                                        </a:rPr>
+                                      </m:ctrlPr>
+                                    </m:sSubPr>
+                                    <m:e>
+                                      <m:r>
+                                        <a:rPr lang="en-US" altLang="ko-KR" sz="3200" b="0" i="1" smtClean="0">
+                                          <a:latin typeface="Cambria Math"/>
+                                        </a:rPr>
+                                        <m:t>𝑟</m:t>
+                                      </m:r>
+                                    </m:e>
+                                    <m:sub>
+                                      <m:r>
+                                        <a:rPr lang="en-US" altLang="ko-KR" sz="3200" b="0" i="1" smtClean="0">
+                                          <a:latin typeface="Cambria Math"/>
+                                        </a:rPr>
+                                        <m:t>2</m:t>
+                                      </m:r>
+                                    </m:sub>
+                                  </m:sSub>
+                                  <m:r>
+                                    <a:rPr lang="en-US" altLang="ko-KR" sz="3200" b="0" i="1" smtClean="0">
+                                      <a:latin typeface="Cambria Math"/>
+                                    </a:rPr>
+                                    <m:t>−</m:t>
+                                  </m:r>
+                                </m:e>
+                              </m:mr>
+                              <m:mr>
+                                <m:e>
+                                  <m:r>
+                                    <a:rPr lang="en-US" altLang="ko-KR" sz="3200" b="0" i="1" smtClean="0">
+                                      <a:latin typeface="Cambria Math"/>
+                                    </a:rPr>
+                                    <m:t>− </m:t>
+                                  </m:r>
+                                  <m:sSub>
+                                    <m:sSubPr>
+                                      <m:ctrlPr>
+                                        <a:rPr lang="en-US" altLang="ko-KR" sz="3200" b="0" i="1" smtClean="0">
+                                          <a:latin typeface="Cambria Math" panose="02040503050406030204" pitchFamily="18" charset="0"/>
+                                        </a:rPr>
+                                      </m:ctrlPr>
+                                    </m:sSubPr>
+                                    <m:e>
+                                      <m:r>
+                                        <a:rPr lang="en-US" altLang="ko-KR" sz="3200" b="0" i="1" smtClean="0">
+                                          <a:latin typeface="Cambria Math"/>
+                                        </a:rPr>
+                                        <m:t>𝑟</m:t>
+                                      </m:r>
+                                    </m:e>
+                                    <m:sub>
+                                      <m:r>
+                                        <a:rPr lang="en-US" altLang="ko-KR" sz="3200" b="0" i="1" smtClean="0">
+                                          <a:latin typeface="Cambria Math"/>
+                                        </a:rPr>
+                                        <m:t>3</m:t>
+                                      </m:r>
+                                    </m:sub>
+                                  </m:sSub>
+                                  <m:r>
+                                    <a:rPr lang="en-US" altLang="ko-KR" sz="3200" b="0" i="1" smtClean="0">
+                                      <a:latin typeface="Cambria Math"/>
+                                    </a:rPr>
+                                    <m:t>−</m:t>
+                                  </m:r>
+                                </m:e>
+                              </m:mr>
+                            </m:m>
+                          </m:e>
+                        </m:d>
+                      </m:oMath>
+                    </m:oMathPara>
+                  </a14:m>
+                  <a:endParaRPr lang="ko-KR" altLang="en-US" sz="3200" dirty="0"/>
+                </a:p>
+              </p:txBody>
+            </p:sp>
+          </mc:Choice>
+          <mc:Fallback xmlns="">
+            <p:sp>
+              <p:nvSpPr>
+                <p:cNvPr id="4" name="TextBox 3"/>
+                <p:cNvSpPr txBox="1">
+                  <a:spLocks noRot="1" noChangeAspect="1" noMove="1" noResize="1" noEditPoints="1" noAdjustHandles="1" noChangeArrowheads="1" noChangeShapeType="1" noTextEdit="1"/>
+                </p:cNvSpPr>
+                <p:nvPr/>
+              </p:nvSpPr>
+              <p:spPr>
+                <a:xfrm>
+                  <a:off x="450840" y="2731053"/>
+                  <a:ext cx="8242321" cy="1395895"/>
+                </a:xfrm>
+                <a:prstGeom prst="rect">
+                  <a:avLst/>
+                </a:prstGeom>
+                <a:blipFill rotWithShape="1">
+                  <a:blip r:embed="rId2"/>
+                  <a:stretch>
+                    <a:fillRect/>
+                  </a:stretch>
+                </a:blipFill>
+              </p:spPr>
+              <p:txBody>
+                <a:bodyPr/>
+                <a:lstStyle/>
+                <a:p>
+                  <a:r>
+                    <a:rPr lang="ko-KR" altLang="en-US">
+                      <a:noFill/>
+                    </a:rPr>
+                    <a:t> </a:t>
+                  </a:r>
+                </a:p>
+              </p:txBody>
+            </p:sp>
+          </mc:Fallback>
+        </mc:AlternateContent>
+      </p:grpSp>
+      <p:cxnSp>
+        <p:nvCxnSpPr>
+          <p:cNvPr id="3" name="직선 화살표 연결선 2"/>
+          <p:cNvCxnSpPr>
+            <a:stCxn id="8" idx="0"/>
+          </p:cNvCxnSpPr>
+          <p:nvPr/>
+        </p:nvCxnSpPr>
+        <p:spPr>
+          <a:xfrm flipH="1" flipV="1">
+            <a:off x="971600" y="3678580"/>
+            <a:ext cx="243353" cy="827483"/>
+          </a:xfrm>
+          <a:prstGeom prst="straightConnector1">
+            <a:avLst/>
+          </a:prstGeom>
+          <a:ln w="38100">
+            <a:solidFill>
+              <a:srgbClr val="FF0000"/>
+            </a:solidFill>
+            <a:prstDash val="sysDash"/>
+            <a:tailEnd type="arrow"/>
+          </a:ln>
+        </p:spPr>
+        <p:style>
+          <a:lnRef idx="1">
+            <a:schemeClr val="accent1"/>
+          </a:lnRef>
+          <a:fillRef idx="0">
+            <a:schemeClr val="accent1"/>
+          </a:fillRef>
+          <a:effectRef idx="0">
+            <a:schemeClr val="accent1"/>
+          </a:effectRef>
+          <a:fontRef idx="minor">
+            <a:schemeClr val="tx1"/>
+          </a:fontRef>
+        </p:style>
+      </p:cxnSp>
+      <mc:AlternateContent xmlns:mc="http://schemas.openxmlformats.org/markup-compatibility/2006">
+        <mc:Choice xmlns:a14="http://schemas.microsoft.com/office/drawing/2010/main" Requires="a14">
+          <p:sp>
+            <p:nvSpPr>
+              <p:cNvPr id="8" name="TextBox 7"/>
+              <p:cNvSpPr txBox="1"/>
+              <p:nvPr/>
+            </p:nvSpPr>
+            <p:spPr>
+              <a:xfrm>
+                <a:off x="285884" y="4506063"/>
+                <a:ext cx="1858137" cy="646331"/>
+              </a:xfrm>
+              <a:prstGeom prst="rect">
+                <a:avLst/>
+              </a:prstGeom>
+              <a:noFill/>
+            </p:spPr>
+            <p:txBody>
+              <a:bodyPr wrap="none" rtlCol="0">
+                <a:spAutoFit/>
+              </a:bodyPr>
+              <a:lstStyle/>
+              <a:p>
+                <a:pPr algn="ctr"/>
+                <a:r>
+                  <a:rPr lang="en-US" altLang="ko-KR" dirty="0">
+                    <a:latin typeface="나눔바른고딕" pitchFamily="50" charset="-127"/>
+                    <a:ea typeface="나눔바른고딕" pitchFamily="50" charset="-127"/>
+                  </a:rPr>
+                  <a:t>weighting</a:t>
+                </a:r>
+              </a:p>
+              <a:p>
+                <a:pPr algn="ctr"/>
+                <a:r>
+                  <a:rPr lang="en-US" altLang="ko-KR" dirty="0">
+                    <a:latin typeface="나눔바른고딕" pitchFamily="50" charset="-127"/>
+                    <a:ea typeface="나눔바른고딕" pitchFamily="50" charset="-127"/>
+                  </a:rPr>
+                  <a:t>for first row = </a:t>
+                </a:r>
+                <a14:m>
+                  <m:oMath xmlns:m="http://schemas.openxmlformats.org/officeDocument/2006/math">
+                    <m:r>
+                      <a:rPr lang="en-US" altLang="ko-KR" i="1" dirty="0" smtClean="0">
+                        <a:latin typeface="Cambria Math"/>
+                      </a:rPr>
+                      <m:t>𝑠</m:t>
+                    </m:r>
+                  </m:oMath>
+                </a14:m>
+                <a:endParaRPr lang="ko-KR" altLang="en-US" dirty="0">
+                  <a:latin typeface="나눔바른고딕" pitchFamily="50" charset="-127"/>
+                  <a:ea typeface="나눔바른고딕" pitchFamily="50" charset="-127"/>
+                </a:endParaRPr>
+              </a:p>
+            </p:txBody>
+          </p:sp>
+        </mc:Choice>
+        <mc:Fallback>
+          <p:sp>
+            <p:nvSpPr>
+              <p:cNvPr id="8" name="TextBox 7"/>
+              <p:cNvSpPr txBox="1">
+                <a:spLocks noRot="1" noChangeAspect="1" noMove="1" noResize="1" noEditPoints="1" noAdjustHandles="1" noChangeArrowheads="1" noChangeShapeType="1" noTextEdit="1"/>
+              </p:cNvSpPr>
+              <p:nvPr/>
+            </p:nvSpPr>
+            <p:spPr>
+              <a:xfrm>
+                <a:off x="285884" y="4506063"/>
+                <a:ext cx="1858137" cy="646331"/>
+              </a:xfrm>
+              <a:prstGeom prst="rect">
+                <a:avLst/>
+              </a:prstGeom>
+              <a:blipFill>
+                <a:blip r:embed="rId3"/>
+                <a:stretch>
+                  <a:fillRect l="-2623" t="-4717" b="-14151"/>
+                </a:stretch>
+              </a:blipFill>
+            </p:spPr>
+            <p:txBody>
+              <a:bodyPr/>
+              <a:lstStyle/>
+              <a:p>
+                <a:r>
+                  <a:rPr lang="en-US">
+                    <a:noFill/>
+                  </a:rPr>
+                  <a:t> </a:t>
+                </a:r>
+              </a:p>
+            </p:txBody>
+          </p:sp>
+        </mc:Fallback>
+      </mc:AlternateContent>
+      <mc:AlternateContent xmlns:mc="http://schemas.openxmlformats.org/markup-compatibility/2006">
+        <mc:Choice xmlns:a14="http://schemas.microsoft.com/office/drawing/2010/main" Requires="a14">
+          <p:sp>
+            <p:nvSpPr>
+              <p:cNvPr id="11" name="TextBox 10"/>
+              <p:cNvSpPr txBox="1"/>
+              <p:nvPr/>
+            </p:nvSpPr>
+            <p:spPr>
+              <a:xfrm>
+                <a:off x="1090295" y="1916831"/>
+                <a:ext cx="2223622" cy="646331"/>
+              </a:xfrm>
+              <a:prstGeom prst="rect">
+                <a:avLst/>
+              </a:prstGeom>
+              <a:noFill/>
+            </p:spPr>
+            <p:txBody>
+              <a:bodyPr wrap="none" rtlCol="0">
+                <a:spAutoFit/>
+              </a:bodyPr>
+              <a:lstStyle/>
+              <a:p>
+                <a:pPr algn="ctr"/>
+                <a:r>
+                  <a:rPr lang="en-US" altLang="ko-KR" dirty="0">
+                    <a:latin typeface="나눔바른고딕" pitchFamily="50" charset="-127"/>
+                    <a:ea typeface="나눔바른고딕" pitchFamily="50" charset="-127"/>
+                  </a:rPr>
+                  <a:t>weighting</a:t>
+                </a:r>
+              </a:p>
+              <a:p>
+                <a:pPr algn="ctr"/>
+                <a:r>
+                  <a:rPr lang="en-US" altLang="ko-KR" dirty="0">
+                    <a:latin typeface="나눔바른고딕" pitchFamily="50" charset="-127"/>
+                    <a:ea typeface="나눔바른고딕" pitchFamily="50" charset="-127"/>
+                  </a:rPr>
+                  <a:t>for second row = </a:t>
+                </a:r>
+                <a14:m>
+                  <m:oMath xmlns:m="http://schemas.openxmlformats.org/officeDocument/2006/math">
+                    <m:r>
+                      <a:rPr lang="en-US" altLang="ko-KR" b="0" i="1" smtClean="0">
+                        <a:latin typeface="Cambria Math"/>
+                      </a:rPr>
+                      <m:t>1</m:t>
+                    </m:r>
+                  </m:oMath>
+                </a14:m>
+                <a:endParaRPr lang="ko-KR" altLang="en-US" dirty="0">
+                  <a:latin typeface="나눔바른고딕" pitchFamily="50" charset="-127"/>
+                  <a:ea typeface="나눔바른고딕" pitchFamily="50" charset="-127"/>
+                </a:endParaRPr>
+              </a:p>
+            </p:txBody>
+          </p:sp>
+        </mc:Choice>
+        <mc:Fallback>
+          <p:sp>
+            <p:nvSpPr>
+              <p:cNvPr id="11" name="TextBox 10"/>
+              <p:cNvSpPr txBox="1">
+                <a:spLocks noRot="1" noChangeAspect="1" noMove="1" noResize="1" noEditPoints="1" noAdjustHandles="1" noChangeArrowheads="1" noChangeShapeType="1" noTextEdit="1"/>
+              </p:cNvSpPr>
+              <p:nvPr/>
+            </p:nvSpPr>
+            <p:spPr>
+              <a:xfrm>
+                <a:off x="1090295" y="1916831"/>
+                <a:ext cx="2223622" cy="646331"/>
+              </a:xfrm>
+              <a:prstGeom prst="rect">
+                <a:avLst/>
+              </a:prstGeom>
+              <a:blipFill>
+                <a:blip r:embed="rId4"/>
+                <a:stretch>
+                  <a:fillRect l="-1918" t="-4717" b="-14151"/>
+                </a:stretch>
+              </a:blipFill>
+            </p:spPr>
+            <p:txBody>
+              <a:bodyPr/>
+              <a:lstStyle/>
+              <a:p>
+                <a:r>
+                  <a:rPr lang="en-US">
+                    <a:noFill/>
+                  </a:rPr>
+                  <a:t> </a:t>
+                </a:r>
+              </a:p>
+            </p:txBody>
+          </p:sp>
+        </mc:Fallback>
+      </mc:AlternateContent>
+      <p:cxnSp>
+        <p:nvCxnSpPr>
+          <p:cNvPr id="14" name="직선 화살표 연결선 13"/>
+          <p:cNvCxnSpPr>
+            <a:stCxn id="11" idx="2"/>
+          </p:cNvCxnSpPr>
+          <p:nvPr/>
+        </p:nvCxnSpPr>
+        <p:spPr>
+          <a:xfrm flipH="1">
+            <a:off x="1691680" y="2563162"/>
+            <a:ext cx="510426" cy="893216"/>
+          </a:xfrm>
+          <a:prstGeom prst="straightConnector1">
+            <a:avLst/>
+          </a:prstGeom>
+          <a:ln w="38100">
+            <a:solidFill>
+              <a:srgbClr val="FF0000"/>
+            </a:solidFill>
+            <a:prstDash val="sysDash"/>
+            <a:tailEnd type="arrow"/>
+          </a:ln>
+        </p:spPr>
+        <p:style>
+          <a:lnRef idx="1">
+            <a:schemeClr val="accent1"/>
+          </a:lnRef>
+          <a:fillRef idx="0">
+            <a:schemeClr val="accent1"/>
+          </a:fillRef>
+          <a:effectRef idx="0">
+            <a:schemeClr val="accent1"/>
+          </a:effectRef>
+          <a:fontRef idx="minor">
+            <a:schemeClr val="tx1"/>
+          </a:fontRef>
+        </p:style>
+      </p:cxnSp>
+      <p:cxnSp>
+        <p:nvCxnSpPr>
+          <p:cNvPr id="18" name="직선 화살표 연결선 17"/>
+          <p:cNvCxnSpPr/>
+          <p:nvPr/>
+        </p:nvCxnSpPr>
+        <p:spPr>
+          <a:xfrm flipH="1" flipV="1">
+            <a:off x="2348276" y="3479910"/>
+            <a:ext cx="855572" cy="957202"/>
+          </a:xfrm>
+          <a:prstGeom prst="straightConnector1">
+            <a:avLst/>
+          </a:prstGeom>
+          <a:ln w="38100">
+            <a:solidFill>
+              <a:srgbClr val="FF0000"/>
+            </a:solidFill>
+            <a:prstDash val="sysDash"/>
+            <a:tailEnd type="arrow"/>
+          </a:ln>
+        </p:spPr>
+        <p:style>
+          <a:lnRef idx="1">
+            <a:schemeClr val="accent1"/>
+          </a:lnRef>
+          <a:fillRef idx="0">
+            <a:schemeClr val="accent1"/>
+          </a:fillRef>
+          <a:effectRef idx="0">
+            <a:schemeClr val="accent1"/>
+          </a:effectRef>
+          <a:fontRef idx="minor">
+            <a:schemeClr val="tx1"/>
+          </a:fontRef>
+        </p:style>
+      </p:cxnSp>
+      <mc:AlternateContent xmlns:mc="http://schemas.openxmlformats.org/markup-compatibility/2006">
+        <mc:Choice xmlns:a14="http://schemas.microsoft.com/office/drawing/2010/main" Requires="a14">
+          <p:sp>
+            <p:nvSpPr>
+              <p:cNvPr id="20" name="TextBox 19"/>
+              <p:cNvSpPr txBox="1"/>
+              <p:nvPr/>
+            </p:nvSpPr>
+            <p:spPr>
+              <a:xfrm>
+                <a:off x="2369893" y="4481361"/>
+                <a:ext cx="1968680" cy="646331"/>
+              </a:xfrm>
+              <a:prstGeom prst="rect">
+                <a:avLst/>
+              </a:prstGeom>
+              <a:noFill/>
+            </p:spPr>
+            <p:txBody>
+              <a:bodyPr wrap="none" rtlCol="0">
+                <a:spAutoFit/>
+              </a:bodyPr>
+              <a:lstStyle/>
+              <a:p>
+                <a:pPr algn="ctr"/>
+                <a:r>
+                  <a:rPr lang="en-US" altLang="ko-KR" dirty="0">
+                    <a:latin typeface="나눔바른고딕" pitchFamily="50" charset="-127"/>
+                    <a:ea typeface="나눔바른고딕" pitchFamily="50" charset="-127"/>
+                  </a:rPr>
+                  <a:t>weighting </a:t>
+                </a:r>
+              </a:p>
+              <a:p>
+                <a:pPr algn="ctr"/>
+                <a:r>
+                  <a:rPr lang="en-US" altLang="ko-KR" dirty="0">
+                    <a:latin typeface="나눔바른고딕" pitchFamily="50" charset="-127"/>
+                    <a:ea typeface="나눔바른고딕" pitchFamily="50" charset="-127"/>
+                  </a:rPr>
+                  <a:t>for third row = </a:t>
+                </a:r>
+                <a14:m>
+                  <m:oMath xmlns:m="http://schemas.openxmlformats.org/officeDocument/2006/math">
+                    <m:r>
+                      <a:rPr lang="en-US" altLang="ko-KR" b="0" i="1" smtClean="0">
+                        <a:latin typeface="Cambria Math"/>
+                      </a:rPr>
+                      <m:t>0</m:t>
+                    </m:r>
+                  </m:oMath>
+                </a14:m>
+                <a:endParaRPr lang="ko-KR" altLang="en-US" dirty="0">
+                  <a:latin typeface="나눔바른고딕" pitchFamily="50" charset="-127"/>
+                  <a:ea typeface="나눔바른고딕" pitchFamily="50" charset="-127"/>
+                </a:endParaRPr>
+              </a:p>
+            </p:txBody>
+          </p:sp>
+        </mc:Choice>
+        <mc:Fallback>
+          <p:sp>
+            <p:nvSpPr>
+              <p:cNvPr id="20" name="TextBox 19"/>
+              <p:cNvSpPr txBox="1">
+                <a:spLocks noRot="1" noChangeAspect="1" noMove="1" noResize="1" noEditPoints="1" noAdjustHandles="1" noChangeArrowheads="1" noChangeShapeType="1" noTextEdit="1"/>
+              </p:cNvSpPr>
+              <p:nvPr/>
+            </p:nvSpPr>
+            <p:spPr>
+              <a:xfrm>
+                <a:off x="2369893" y="4481361"/>
+                <a:ext cx="1968680" cy="646331"/>
+              </a:xfrm>
+              <a:prstGeom prst="rect">
+                <a:avLst/>
+              </a:prstGeom>
+              <a:blipFill>
+                <a:blip r:embed="rId5"/>
+                <a:stretch>
+                  <a:fillRect l="-2477" t="-4717" b="-14151"/>
+                </a:stretch>
+              </a:blipFill>
+            </p:spPr>
+            <p:txBody>
+              <a:bodyPr/>
+              <a:lstStyle/>
+              <a:p>
+                <a:r>
+                  <a:rPr lang="en-US">
+                    <a:noFill/>
+                  </a:rPr>
+                  <a:t> </a:t>
+                </a:r>
+              </a:p>
+            </p:txBody>
+          </p:sp>
+        </mc:Fallback>
+      </mc:AlternateContent>
+    </p:spTree>
+    <p:extLst>
+      <p:ext uri="{BB962C8B-B14F-4D97-AF65-F5344CB8AC3E}">
+        <p14:creationId xmlns:p14="http://schemas.microsoft.com/office/powerpoint/2010/main" val="4053140620"/>
+      </p:ext>
+    </p:extLst>
+  </p:cSld>
+  <p:clrMapOvr>
+    <a:masterClrMapping/>
+  </p:clrMapOvr>
+</p:sld>
+</file>
+
+<file path=ppt/slides/slide4.xml><?xml version="1.0" encoding="utf-8"?>
 <p:sld xmlns:a="http://schemas.openxmlformats.org/drawingml/2006/main" xmlns:r="http://schemas.openxmlformats.org/officeDocument/2006/relationships" xmlns:p="http://schemas.openxmlformats.org/presentationml/2006/main">
   <p:cSld>
     <p:spTree>
@@ -5808,8 +7425,8 @@
               </a:p>
             </p:txBody>
           </p:sp>
-          <mc:AlternateContent xmlns:mc="http://schemas.openxmlformats.org/markup-compatibility/2006">
-            <mc:Choice xmlns:a14="http://schemas.microsoft.com/office/drawing/2010/main" Requires="a14">
+          <mc:AlternateContent xmlns:mc="http://schemas.openxmlformats.org/markup-compatibility/2006" xmlns:a14="http://schemas.microsoft.com/office/drawing/2010/main">
+            <mc:Choice Requires="a14">
               <p:sp>
                 <p:nvSpPr>
                   <p:cNvPr id="4" name="TextBox 3"/>
@@ -5832,6 +7449,7 @@
                   </a:bodyPr>
                   <a:lstStyle/>
                   <a:p>
+                    <a:pPr/>
                     <a14:m>
                       <m:oMathPara xmlns:m="http://schemas.openxmlformats.org/officeDocument/2006/math">
                         <m:oMathParaPr>
@@ -5844,7 +7462,7 @@
                               <m:endChr m:val="]"/>
                               <m:ctrlPr>
                                 <a:rPr lang="en-US" altLang="ko-KR" sz="3200" i="1" smtClean="0">
-                                  <a:latin typeface="Cambria Math"/>
+                                  <a:latin typeface="Cambria Math" panose="02040503050406030204" pitchFamily="18" charset="0"/>
                                 </a:rPr>
                               </m:ctrlPr>
                             </m:dPr>
@@ -5861,7 +7479,7 @@
                                   </m:mcs>
                                   <m:ctrlPr>
                                     <a:rPr lang="en-US" altLang="ko-KR" sz="3200" i="1" smtClean="0">
-                                      <a:latin typeface="Cambria Math"/>
+                                      <a:latin typeface="Cambria Math" panose="02040503050406030204" pitchFamily="18" charset="0"/>
                                     </a:rPr>
                                   </m:ctrlPr>
                                 </m:mPr>
@@ -5961,7 +7579,7 @@
                               <m:endChr m:val="]"/>
                               <m:ctrlPr>
                                 <a:rPr lang="en-US" altLang="ko-KR" sz="3200" i="1" smtClean="0">
-                                  <a:latin typeface="Cambria Math"/>
+                                  <a:latin typeface="Cambria Math" panose="02040503050406030204" pitchFamily="18" charset="0"/>
                                 </a:rPr>
                               </m:ctrlPr>
                             </m:dPr>
@@ -5978,7 +7596,7 @@
                                   </m:mcs>
                                   <m:ctrlPr>
                                     <a:rPr lang="en-US" altLang="ko-KR" sz="3200" i="1" smtClean="0">
-                                      <a:latin typeface="Cambria Math"/>
+                                      <a:latin typeface="Cambria Math" panose="02040503050406030204" pitchFamily="18" charset="0"/>
                                     </a:rPr>
                                   </m:ctrlPr>
                                 </m:mPr>
@@ -5999,7 +7617,7 @@
                                             <a:solidFill>
                                               <a:schemeClr val="accent1"/>
                                             </a:solidFill>
-                                            <a:latin typeface="Cambria Math"/>
+                                            <a:latin typeface="Cambria Math" panose="02040503050406030204" pitchFamily="18" charset="0"/>
                                           </a:rPr>
                                         </m:ctrlPr>
                                       </m:mPr>
@@ -6020,7 +7638,7 @@
                                                   <a:solidFill>
                                                     <a:schemeClr val="accent1"/>
                                                   </a:solidFill>
-                                                  <a:latin typeface="Cambria Math"/>
+                                                  <a:latin typeface="Cambria Math" panose="02040503050406030204" pitchFamily="18" charset="0"/>
                                                 </a:rPr>
                                               </m:ctrlPr>
                                             </m:mPr>
@@ -6033,7 +7651,7 @@
                                                         <a:solidFill>
                                                           <a:schemeClr val="accent1"/>
                                                         </a:solidFill>
-                                                        <a:latin typeface="Cambria Math"/>
+                                                        <a:latin typeface="Cambria Math" panose="02040503050406030204" pitchFamily="18" charset="0"/>
                                                       </a:rPr>
                                                     </m:ctrlPr>
                                                   </m:sSubPr>
@@ -6062,7 +7680,16 @@
                                                         </a:solidFill>
                                                         <a:latin typeface="Cambria Math"/>
                                                       </a:rPr>
-                                                      <m:t>11</m:t>
+                                                      <m:t>1</m:t>
+                                                    </m:r>
+                                                    <m:r>
+                                                      <a:rPr lang="en-US" altLang="ko-KR" sz="3200" b="0" i="1" smtClean="0">
+                                                        <a:solidFill>
+                                                          <a:schemeClr val="accent1"/>
+                                                        </a:solidFill>
+                                                        <a:latin typeface="Cambria Math"/>
+                                                      </a:rPr>
+                                                      <m:t>1</m:t>
                                                     </m:r>
                                                   </m:sub>
                                                 </m:sSub>
@@ -6075,7 +7702,7 @@
                                                         <a:solidFill>
                                                           <a:schemeClr val="accent1"/>
                                                         </a:solidFill>
-                                                        <a:latin typeface="Cambria Math"/>
+                                                        <a:latin typeface="Cambria Math" panose="02040503050406030204" pitchFamily="18" charset="0"/>
                                                       </a:rPr>
                                                     </m:ctrlPr>
                                                   </m:sSubPr>
@@ -6122,7 +7749,7 @@
                                                   <a:solidFill>
                                                     <a:schemeClr val="accent1"/>
                                                   </a:solidFill>
-                                                  <a:latin typeface="Cambria Math"/>
+                                                  <a:latin typeface="Cambria Math" panose="02040503050406030204" pitchFamily="18" charset="0"/>
                                                 </a:rPr>
                                               </m:ctrlPr>
                                             </m:mPr>
@@ -6135,7 +7762,7 @@
                                                         <a:solidFill>
                                                           <a:schemeClr val="accent1"/>
                                                         </a:solidFill>
-                                                        <a:latin typeface="Cambria Math"/>
+                                                        <a:latin typeface="Cambria Math" panose="02040503050406030204" pitchFamily="18" charset="0"/>
                                                       </a:rPr>
                                                     </m:ctrlPr>
                                                   </m:sSubPr>
@@ -6164,7 +7791,16 @@
                                                         </a:solidFill>
                                                         <a:latin typeface="Cambria Math"/>
                                                       </a:rPr>
-                                                      <m:t>13</m:t>
+                                                      <m:t>1</m:t>
+                                                    </m:r>
+                                                    <m:r>
+                                                      <a:rPr lang="en-US" altLang="ko-KR" sz="3200" b="0" i="1" smtClean="0">
+                                                        <a:solidFill>
+                                                          <a:schemeClr val="accent1"/>
+                                                        </a:solidFill>
+                                                        <a:latin typeface="Cambria Math"/>
+                                                      </a:rPr>
+                                                      <m:t>3</m:t>
                                                     </m:r>
                                                   </m:sub>
                                                 </m:sSub>
@@ -6177,7 +7813,7 @@
                                                         <a:solidFill>
                                                           <a:schemeClr val="accent1"/>
                                                         </a:solidFill>
-                                                        <a:latin typeface="Cambria Math"/>
+                                                        <a:latin typeface="Cambria Math" panose="02040503050406030204" pitchFamily="18" charset="0"/>
                                                       </a:rPr>
                                                     </m:ctrlPr>
                                                   </m:sSubPr>
@@ -6229,7 +7865,7 @@
                                             <a:solidFill>
                                               <a:srgbClr val="FF0000"/>
                                             </a:solidFill>
-                                            <a:latin typeface="Cambria Math"/>
+                                            <a:latin typeface="Cambria Math" panose="02040503050406030204" pitchFamily="18" charset="0"/>
                                           </a:rPr>
                                         </m:ctrlPr>
                                       </m:mPr>
@@ -6250,7 +7886,7 @@
                                                   <a:solidFill>
                                                     <a:srgbClr val="FF0000"/>
                                                   </a:solidFill>
-                                                  <a:latin typeface="Cambria Math"/>
+                                                  <a:latin typeface="Cambria Math" panose="02040503050406030204" pitchFamily="18" charset="0"/>
                                                 </a:rPr>
                                               </m:ctrlPr>
                                             </m:mPr>
@@ -6263,7 +7899,7 @@
                                                         <a:solidFill>
                                                           <a:srgbClr val="FF0000"/>
                                                         </a:solidFill>
-                                                        <a:latin typeface="Cambria Math"/>
+                                                        <a:latin typeface="Cambria Math" panose="02040503050406030204" pitchFamily="18" charset="0"/>
                                                       </a:rPr>
                                                     </m:ctrlPr>
                                                   </m:sSubPr>
@@ -6292,7 +7928,16 @@
                                                         </a:solidFill>
                                                         <a:latin typeface="Cambria Math"/>
                                                       </a:rPr>
-                                                      <m:t>21</m:t>
+                                                      <m:t>2</m:t>
+                                                    </m:r>
+                                                    <m:r>
+                                                      <a:rPr lang="en-US" altLang="ko-KR" sz="3200" b="0" i="1" smtClean="0">
+                                                        <a:solidFill>
+                                                          <a:srgbClr val="FF0000"/>
+                                                        </a:solidFill>
+                                                        <a:latin typeface="Cambria Math"/>
+                                                      </a:rPr>
+                                                      <m:t>1</m:t>
                                                     </m:r>
                                                   </m:sub>
                                                 </m:sSub>
@@ -6305,7 +7950,7 @@
                                                         <a:solidFill>
                                                           <a:srgbClr val="FF0000"/>
                                                         </a:solidFill>
-                                                        <a:latin typeface="Cambria Math"/>
+                                                        <a:latin typeface="Cambria Math" panose="02040503050406030204" pitchFamily="18" charset="0"/>
                                                       </a:rPr>
                                                     </m:ctrlPr>
                                                   </m:sSubPr>
@@ -6334,7 +7979,16 @@
                                                         </a:solidFill>
                                                         <a:latin typeface="Cambria Math"/>
                                                       </a:rPr>
-                                                      <m:t>22</m:t>
+                                                      <m:t>2</m:t>
+                                                    </m:r>
+                                                    <m:r>
+                                                      <a:rPr lang="en-US" altLang="ko-KR" sz="3200" b="0" i="1" smtClean="0">
+                                                        <a:solidFill>
+                                                          <a:srgbClr val="FF0000"/>
+                                                        </a:solidFill>
+                                                        <a:latin typeface="Cambria Math"/>
+                                                      </a:rPr>
+                                                      <m:t>2</m:t>
                                                     </m:r>
                                                   </m:sub>
                                                 </m:sSub>
@@ -6358,7 +8012,7 @@
                                                   <a:solidFill>
                                                     <a:srgbClr val="FF0000"/>
                                                   </a:solidFill>
-                                                  <a:latin typeface="Cambria Math"/>
+                                                  <a:latin typeface="Cambria Math" panose="02040503050406030204" pitchFamily="18" charset="0"/>
                                                 </a:rPr>
                                               </m:ctrlPr>
                                             </m:mPr>
@@ -6371,7 +8025,7 @@
                                                         <a:solidFill>
                                                           <a:srgbClr val="FF0000"/>
                                                         </a:solidFill>
-                                                        <a:latin typeface="Cambria Math"/>
+                                                        <a:latin typeface="Cambria Math" panose="02040503050406030204" pitchFamily="18" charset="0"/>
                                                       </a:rPr>
                                                     </m:ctrlPr>
                                                   </m:sSubPr>
@@ -6407,7 +8061,7 @@
                                                         <a:solidFill>
                                                           <a:srgbClr val="FF0000"/>
                                                         </a:solidFill>
-                                                        <a:latin typeface="Cambria Math"/>
+                                                        <a:latin typeface="Cambria Math" panose="02040503050406030204" pitchFamily="18" charset="0"/>
                                                       </a:rPr>
                                                     </m:ctrlPr>
                                                   </m:sSubPr>
@@ -6465,7 +8119,7 @@
                                         </m:mcs>
                                         <m:ctrlPr>
                                           <a:rPr lang="en-US" altLang="ko-KR" sz="3200" i="1" smtClean="0">
-                                            <a:latin typeface="Cambria Math"/>
+                                            <a:latin typeface="Cambria Math" panose="02040503050406030204" pitchFamily="18" charset="0"/>
                                           </a:rPr>
                                         </m:ctrlPr>
                                       </m:mPr>
@@ -6483,7 +8137,7 @@
                                               </m:mcs>
                                               <m:ctrlPr>
                                                 <a:rPr lang="en-US" altLang="ko-KR" sz="3200" i="1" smtClean="0">
-                                                  <a:latin typeface="Cambria Math"/>
+                                                  <a:latin typeface="Cambria Math" panose="02040503050406030204" pitchFamily="18" charset="0"/>
                                                 </a:rPr>
                                               </m:ctrlPr>
                                             </m:mPr>
@@ -6493,7 +8147,7 @@
                                                   <m:sSubPr>
                                                     <m:ctrlPr>
                                                       <a:rPr lang="en-US" altLang="ko-KR" sz="3200" b="0" i="1" smtClean="0">
-                                                        <a:latin typeface="Cambria Math"/>
+                                                        <a:latin typeface="Cambria Math" panose="02040503050406030204" pitchFamily="18" charset="0"/>
                                                       </a:rPr>
                                                     </m:ctrlPr>
                                                   </m:sSubPr>
@@ -6516,7 +8170,13 @@
                                                       <a:rPr lang="en-US" altLang="ko-KR" sz="3200" b="0" i="1" smtClean="0">
                                                         <a:latin typeface="Cambria Math"/>
                                                       </a:rPr>
-                                                      <m:t>31</m:t>
+                                                      <m:t>3</m:t>
+                                                    </m:r>
+                                                    <m:r>
+                                                      <a:rPr lang="en-US" altLang="ko-KR" sz="3200" b="0" i="1" smtClean="0">
+                                                        <a:latin typeface="Cambria Math"/>
+                                                      </a:rPr>
+                                                      <m:t>1</m:t>
                                                     </m:r>
                                                   </m:sub>
                                                 </m:sSub>
@@ -6526,7 +8186,7 @@
                                                   <m:sSubPr>
                                                     <m:ctrlPr>
                                                       <a:rPr lang="en-US" altLang="ko-KR" sz="3200" b="0" i="1" smtClean="0">
-                                                        <a:latin typeface="Cambria Math"/>
+                                                        <a:latin typeface="Cambria Math" panose="02040503050406030204" pitchFamily="18" charset="0"/>
                                                       </a:rPr>
                                                     </m:ctrlPr>
                                                   </m:sSubPr>
@@ -6564,7 +8224,7 @@
                                               </m:mcs>
                                               <m:ctrlPr>
                                                 <a:rPr lang="en-US" altLang="ko-KR" sz="3200" i="1" smtClean="0">
-                                                  <a:latin typeface="Cambria Math"/>
+                                                  <a:latin typeface="Cambria Math" panose="02040503050406030204" pitchFamily="18" charset="0"/>
                                                 </a:rPr>
                                               </m:ctrlPr>
                                             </m:mPr>
@@ -6574,7 +8234,7 @@
                                                   <m:sSubPr>
                                                     <m:ctrlPr>
                                                       <a:rPr lang="en-US" altLang="ko-KR" sz="3200" b="0" i="1" smtClean="0">
-                                                        <a:latin typeface="Cambria Math"/>
+                                                        <a:latin typeface="Cambria Math" panose="02040503050406030204" pitchFamily="18" charset="0"/>
                                                       </a:rPr>
                                                     </m:ctrlPr>
                                                   </m:sSubPr>
@@ -6597,7 +8257,13 @@
                                                       <a:rPr lang="en-US" altLang="ko-KR" sz="3200" b="0" i="1" smtClean="0">
                                                         <a:latin typeface="Cambria Math"/>
                                                       </a:rPr>
-                                                      <m:t>33</m:t>
+                                                      <m:t>3</m:t>
+                                                    </m:r>
+                                                    <m:r>
+                                                      <a:rPr lang="en-US" altLang="ko-KR" sz="3200" b="0" i="1" smtClean="0">
+                                                        <a:latin typeface="Cambria Math"/>
+                                                      </a:rPr>
+                                                      <m:t>3</m:t>
                                                     </m:r>
                                                   </m:sub>
                                                 </m:sSub>
@@ -6607,7 +8273,7 @@
                                                   <m:sSubPr>
                                                     <m:ctrlPr>
                                                       <a:rPr lang="en-US" altLang="ko-KR" sz="3200" b="0" i="1" smtClean="0">
-                                                        <a:latin typeface="Cambria Math"/>
+                                                        <a:latin typeface="Cambria Math" panose="02040503050406030204" pitchFamily="18" charset="0"/>
                                                       </a:rPr>
                                                     </m:ctrlPr>
                                                   </m:sSubPr>
@@ -6651,7 +8317,7 @@
                               <m:endChr m:val="]"/>
                               <m:ctrlPr>
                                 <a:rPr lang="en-US" altLang="ko-KR" sz="3200" i="1">
-                                  <a:latin typeface="Cambria Math"/>
+                                  <a:latin typeface="Cambria Math" panose="02040503050406030204" pitchFamily="18" charset="0"/>
                                 </a:rPr>
                               </m:ctrlPr>
                             </m:dPr>
@@ -6668,7 +8334,7 @@
                                   </m:mcs>
                                   <m:ctrlPr>
                                     <a:rPr lang="en-US" altLang="ko-KR" sz="3200" i="1" smtClean="0">
-                                      <a:latin typeface="Cambria Math"/>
+                                      <a:latin typeface="Cambria Math" panose="02040503050406030204" pitchFamily="18" charset="0"/>
                                     </a:rPr>
                                   </m:ctrlPr>
                                 </m:mPr>
@@ -6681,13 +8347,19 @@
                                       <a:rPr lang="en-US" altLang="ko-KR" sz="3200" b="0" i="1" smtClean="0">
                                         <a:latin typeface="Cambria Math"/>
                                       </a:rPr>
-                                      <m:t>− </m:t>
+                                      <m:t>−</m:t>
+                                    </m:r>
+                                    <m:r>
+                                      <a:rPr lang="en-US" altLang="ko-KR" sz="3200" b="0" i="1" smtClean="0">
+                                        <a:latin typeface="Cambria Math"/>
+                                      </a:rPr>
+                                      <m:t> </m:t>
                                     </m:r>
                                     <m:sSub>
                                       <m:sSubPr>
                                         <m:ctrlPr>
                                           <a:rPr lang="en-US" altLang="ko-KR" sz="3200" b="0" i="1" smtClean="0">
-                                            <a:latin typeface="Cambria Math"/>
+                                            <a:latin typeface="Cambria Math" panose="02040503050406030204" pitchFamily="18" charset="0"/>
                                           </a:rPr>
                                         </m:ctrlPr>
                                       </m:sSubPr>
@@ -6737,7 +8409,7 @@
                                       <m:sSubPr>
                                         <m:ctrlPr>
                                           <a:rPr lang="en-US" altLang="ko-KR" sz="3200" b="0" i="1" smtClean="0">
-                                            <a:latin typeface="Cambria Math"/>
+                                            <a:latin typeface="Cambria Math" panose="02040503050406030204" pitchFamily="18" charset="0"/>
                                           </a:rPr>
                                         </m:ctrlPr>
                                       </m:sSubPr>
@@ -6778,7 +8450,7 @@
                                       <m:sSubPr>
                                         <m:ctrlPr>
                                           <a:rPr lang="en-US" altLang="ko-KR" sz="3200" b="0" i="1" smtClean="0">
-                                            <a:latin typeface="Cambria Math"/>
+                                            <a:latin typeface="Cambria Math" panose="02040503050406030204" pitchFamily="18" charset="0"/>
                                           </a:rPr>
                                         </m:ctrlPr>
                                       </m:sSubPr>
@@ -6818,7 +8490,7 @@
                 </p:txBody>
               </p:sp>
             </mc:Choice>
-            <mc:Fallback>
+            <mc:Fallback xmlns="">
               <p:sp>
                 <p:nvSpPr>
                   <p:cNvPr id="4" name="TextBox 3"/>
@@ -6858,8 +8530,8 @@
             </mc:Fallback>
           </mc:AlternateContent>
         </p:grpSp>
-        <mc:AlternateContent xmlns:mc="http://schemas.openxmlformats.org/markup-compatibility/2006">
-          <mc:Choice xmlns:a14="http://schemas.microsoft.com/office/drawing/2010/main" Requires="a14">
+        <mc:AlternateContent xmlns:mc="http://schemas.openxmlformats.org/markup-compatibility/2006" xmlns:a14="http://schemas.microsoft.com/office/drawing/2010/main">
+          <mc:Choice Requires="a14">
             <p:sp>
               <p:nvSpPr>
                 <p:cNvPr id="2" name="직사각형 1"/>
@@ -6886,6 +8558,7 @@
                 </a:bodyPr>
                 <a:lstStyle/>
                 <a:p>
+                  <a:pPr/>
                   <a14:m>
                     <m:oMathPara xmlns:m="http://schemas.openxmlformats.org/officeDocument/2006/math">
                       <m:oMathParaPr>
@@ -6914,7 +8587,7 @@
                                 <a:solidFill>
                                   <a:schemeClr val="tx2"/>
                                 </a:solidFill>
-                                <a:latin typeface="Cambria Math"/>
+                                <a:latin typeface="Cambria Math" panose="02040503050406030204" pitchFamily="18" charset="0"/>
                               </a:rPr>
                             </m:ctrlPr>
                           </m:dPr>
@@ -6934,7 +8607,7 @@
                                     <a:solidFill>
                                       <a:schemeClr val="tx2"/>
                                     </a:solidFill>
-                                    <a:latin typeface="Cambria Math"/>
+                                    <a:latin typeface="Cambria Math" panose="02040503050406030204" pitchFamily="18" charset="0"/>
                                   </a:rPr>
                                 </m:ctrlPr>
                               </m:mPr>
@@ -6955,7 +8628,7 @@
                                           <a:solidFill>
                                             <a:schemeClr val="tx2"/>
                                           </a:solidFill>
-                                          <a:latin typeface="Cambria Math"/>
+                                          <a:latin typeface="Cambria Math" panose="02040503050406030204" pitchFamily="18" charset="0"/>
                                         </a:rPr>
                                       </m:ctrlPr>
                                     </m:mPr>
@@ -6968,7 +8641,7 @@
                                                 <a:solidFill>
                                                   <a:schemeClr val="tx2"/>
                                                 </a:solidFill>
-                                                <a:latin typeface="Cambria Math"/>
+                                                <a:latin typeface="Cambria Math" panose="02040503050406030204" pitchFamily="18" charset="0"/>
                                               </a:rPr>
                                             </m:ctrlPr>
                                           </m:sSubPr>
@@ -7019,7 +8692,7 @@
                                                 <a:solidFill>
                                                   <a:schemeClr val="tx2"/>
                                                 </a:solidFill>
-                                                <a:latin typeface="Cambria Math"/>
+                                                <a:latin typeface="Cambria Math" panose="02040503050406030204" pitchFamily="18" charset="0"/>
                                               </a:rPr>
                                             </m:ctrlPr>
                                           </m:sSubPr>
@@ -7066,7 +8739,7 @@
                                           <a:solidFill>
                                             <a:schemeClr val="tx2"/>
                                           </a:solidFill>
-                                          <a:latin typeface="Cambria Math"/>
+                                          <a:latin typeface="Cambria Math" panose="02040503050406030204" pitchFamily="18" charset="0"/>
                                         </a:rPr>
                                       </m:ctrlPr>
                                     </m:mPr>
@@ -7079,7 +8752,7 @@
                                                 <a:solidFill>
                                                   <a:schemeClr val="tx2"/>
                                                 </a:solidFill>
-                                                <a:latin typeface="Cambria Math"/>
+                                                <a:latin typeface="Cambria Math" panose="02040503050406030204" pitchFamily="18" charset="0"/>
                                               </a:rPr>
                                             </m:ctrlPr>
                                           </m:sSubPr>
@@ -7130,7 +8803,7 @@
                                                 <a:solidFill>
                                                   <a:schemeClr val="tx2"/>
                                                 </a:solidFill>
-                                                <a:latin typeface="Cambria Math"/>
+                                                <a:latin typeface="Cambria Math" panose="02040503050406030204" pitchFamily="18" charset="0"/>
                                               </a:rPr>
                                             </m:ctrlPr>
                                           </m:sSubPr>
@@ -7195,7 +8868,7 @@
                                 <a:solidFill>
                                   <a:srgbClr val="FF0000"/>
                                 </a:solidFill>
-                                <a:latin typeface="Cambria Math"/>
+                                <a:latin typeface="Cambria Math" panose="02040503050406030204" pitchFamily="18" charset="0"/>
                               </a:rPr>
                             </m:ctrlPr>
                           </m:dPr>
@@ -7215,7 +8888,7 @@
                                     <a:solidFill>
                                       <a:srgbClr val="FF0000"/>
                                     </a:solidFill>
-                                    <a:latin typeface="Cambria Math"/>
+                                    <a:latin typeface="Cambria Math" panose="02040503050406030204" pitchFamily="18" charset="0"/>
                                   </a:rPr>
                                 </m:ctrlPr>
                               </m:mPr>
@@ -7236,7 +8909,7 @@
                                           <a:solidFill>
                                             <a:srgbClr val="FF0000"/>
                                           </a:solidFill>
-                                          <a:latin typeface="Cambria Math"/>
+                                          <a:latin typeface="Cambria Math" panose="02040503050406030204" pitchFamily="18" charset="0"/>
                                         </a:rPr>
                                       </m:ctrlPr>
                                     </m:mPr>
@@ -7249,7 +8922,7 @@
                                                 <a:solidFill>
                                                   <a:srgbClr val="FF0000"/>
                                                 </a:solidFill>
-                                                <a:latin typeface="Cambria Math"/>
+                                                <a:latin typeface="Cambria Math" panose="02040503050406030204" pitchFamily="18" charset="0"/>
                                               </a:rPr>
                                             </m:ctrlPr>
                                           </m:sSubPr>
@@ -7300,7 +8973,7 @@
                                                 <a:solidFill>
                                                   <a:srgbClr val="FF0000"/>
                                                 </a:solidFill>
-                                                <a:latin typeface="Cambria Math"/>
+                                                <a:latin typeface="Cambria Math" panose="02040503050406030204" pitchFamily="18" charset="0"/>
                                               </a:rPr>
                                             </m:ctrlPr>
                                           </m:sSubPr>
@@ -7362,7 +9035,7 @@
                                           <a:solidFill>
                                             <a:srgbClr val="FF0000"/>
                                           </a:solidFill>
-                                          <a:latin typeface="Cambria Math"/>
+                                          <a:latin typeface="Cambria Math" panose="02040503050406030204" pitchFamily="18" charset="0"/>
                                         </a:rPr>
                                       </m:ctrlPr>
                                     </m:mPr>
@@ -7375,7 +9048,7 @@
                                                 <a:solidFill>
                                                   <a:srgbClr val="FF0000"/>
                                                 </a:solidFill>
-                                                <a:latin typeface="Cambria Math"/>
+                                                <a:latin typeface="Cambria Math" panose="02040503050406030204" pitchFamily="18" charset="0"/>
                                               </a:rPr>
                                             </m:ctrlPr>
                                           </m:sSubPr>
@@ -7411,7 +9084,7 @@
                                                 <a:solidFill>
                                                   <a:srgbClr val="FF0000"/>
                                                 </a:solidFill>
-                                                <a:latin typeface="Cambria Math"/>
+                                                <a:latin typeface="Cambria Math" panose="02040503050406030204" pitchFamily="18" charset="0"/>
                                               </a:rPr>
                                             </m:ctrlPr>
                                           </m:sSubPr>
@@ -7458,14 +9131,14 @@
                       </m:oMath>
                     </m:oMathPara>
                   </a14:m>
-                  <a:endParaRPr lang="en-US" altLang="ko-KR" b="0" i="0" dirty="0" smtClean="0">
+                  <a:endParaRPr lang="en-US" altLang="ko-KR" b="0" i="0" dirty="0">
                     <a:latin typeface="Cambria Math"/>
                   </a:endParaRPr>
                 </a:p>
                 <a:p>
                   <a:pPr algn="ctr"/>
                   <a:r>
-                    <a:rPr lang="en-US" altLang="ko-KR" dirty="0" smtClean="0">
+                    <a:rPr lang="en-US" altLang="ko-KR" dirty="0">
                       <a:latin typeface="나눔바른고딕" pitchFamily="50" charset="-127"/>
                       <a:ea typeface="나눔바른고딕" pitchFamily="50" charset="-127"/>
                       <a:sym typeface="Wingdings" pitchFamily="2" charset="2"/>
@@ -7473,7 +9146,7 @@
                     <a:t> </a:t>
                   </a:r>
                   <a:r>
-                    <a:rPr lang="ko-KR" altLang="en-US" dirty="0" smtClean="0">
+                    <a:rPr lang="ko-KR" altLang="en-US" dirty="0">
                       <a:latin typeface="나눔바른고딕" pitchFamily="50" charset="-127"/>
                       <a:ea typeface="나눔바른고딕" pitchFamily="50" charset="-127"/>
                       <a:sym typeface="Wingdings" pitchFamily="2" charset="2"/>
@@ -7486,7 +9159,7 @@
                         <m:sSubPr>
                           <m:ctrlPr>
                             <a:rPr lang="en-US" altLang="ko-KR" b="0" i="1" smtClean="0">
-                              <a:latin typeface="Cambria Math"/>
+                              <a:latin typeface="Cambria Math" panose="02040503050406030204" pitchFamily="18" charset="0"/>
                               <a:sym typeface="Wingdings" pitchFamily="2" charset="2"/>
                             </a:rPr>
                           </m:ctrlPr>
@@ -7512,7 +9185,7 @@
                       </m:sSub>
                     </m:oMath>
                   </a14:m>
-                  <a:endParaRPr lang="en-US" altLang="ko-KR" b="0" i="0" dirty="0" smtClean="0">
+                  <a:endParaRPr lang="en-US" altLang="ko-KR" b="0" i="0" dirty="0">
                     <a:latin typeface="나눔바른고딕" pitchFamily="50" charset="-127"/>
                     <a:ea typeface="나눔바른고딕" pitchFamily="50" charset="-127"/>
                   </a:endParaRPr>
@@ -7520,7 +9193,7 @@
               </p:txBody>
             </p:sp>
           </mc:Choice>
-          <mc:Fallback>
+          <mc:Fallback xmlns="">
             <p:sp>
               <p:nvSpPr>
                 <p:cNvPr id="2" name="직사각형 1"/>
@@ -7645,6 +9318,2046 @@
     <p:extLst>
       <p:ext uri="{BB962C8B-B14F-4D97-AF65-F5344CB8AC3E}">
         <p14:creationId xmlns:p14="http://schemas.microsoft.com/office/powerpoint/2010/main" val="544063587"/>
+      </p:ext>
+    </p:extLst>
+  </p:cSld>
+  <p:clrMapOvr>
+    <a:masterClrMapping/>
+  </p:clrMapOvr>
+</p:sld>
+</file>
+
+<file path=ppt/slides/slide5.xml><?xml version="1.0" encoding="utf-8"?>
+<p:sld xmlns:a="http://schemas.openxmlformats.org/drawingml/2006/main" xmlns:r="http://schemas.openxmlformats.org/officeDocument/2006/relationships" xmlns:p="http://schemas.openxmlformats.org/presentationml/2006/main">
+  <p:cSld>
+    <p:spTree>
+      <p:nvGrpSpPr>
+        <p:cNvPr id="1" name=""/>
+        <p:cNvGrpSpPr/>
+        <p:nvPr/>
+      </p:nvGrpSpPr>
+      <p:grpSpPr>
+        <a:xfrm>
+          <a:off x="0" y="0"/>
+          <a:ext cx="0" cy="0"/>
+          <a:chOff x="0" y="0"/>
+          <a:chExt cx="0" cy="0"/>
+        </a:xfrm>
+      </p:grpSpPr>
+      <p:grpSp>
+        <p:nvGrpSpPr>
+          <p:cNvPr id="22" name="그룹 21"/>
+          <p:cNvGrpSpPr/>
+          <p:nvPr/>
+        </p:nvGrpSpPr>
+        <p:grpSpPr>
+          <a:xfrm>
+            <a:off x="450840" y="2107918"/>
+            <a:ext cx="8242321" cy="2642164"/>
+            <a:chOff x="450840" y="1484784"/>
+            <a:chExt cx="8242321" cy="2642164"/>
+          </a:xfrm>
+        </p:grpSpPr>
+        <p:grpSp>
+          <p:nvGrpSpPr>
+            <p:cNvPr id="7" name="그룹 6"/>
+            <p:cNvGrpSpPr/>
+            <p:nvPr/>
+          </p:nvGrpSpPr>
+          <p:grpSpPr>
+            <a:xfrm>
+              <a:off x="450840" y="2731053"/>
+              <a:ext cx="8242321" cy="1395895"/>
+              <a:chOff x="450840" y="2731053"/>
+              <a:chExt cx="8242321" cy="1395895"/>
+            </a:xfrm>
+          </p:grpSpPr>
+          <p:sp>
+            <p:nvSpPr>
+              <p:cNvPr id="6" name="직사각형 5"/>
+              <p:cNvSpPr/>
+              <p:nvPr/>
+            </p:nvSpPr>
+            <p:spPr>
+              <a:xfrm>
+                <a:off x="7014810" y="3234176"/>
+                <a:ext cx="1505840" cy="444404"/>
+              </a:xfrm>
+              <a:prstGeom prst="rect">
+                <a:avLst/>
+              </a:prstGeom>
+              <a:solidFill>
+                <a:srgbClr val="FFFF00"/>
+              </a:solidFill>
+              <a:ln>
+                <a:solidFill>
+                  <a:srgbClr val="FF0000"/>
+                </a:solidFill>
+                <a:prstDash val="dash"/>
+              </a:ln>
+            </p:spPr>
+            <p:style>
+              <a:lnRef idx="2">
+                <a:schemeClr val="accent1">
+                  <a:shade val="50000"/>
+                </a:schemeClr>
+              </a:lnRef>
+              <a:fillRef idx="1">
+                <a:schemeClr val="accent1"/>
+              </a:fillRef>
+              <a:effectRef idx="0">
+                <a:schemeClr val="accent1"/>
+              </a:effectRef>
+              <a:fontRef idx="minor">
+                <a:schemeClr val="lt1"/>
+              </a:fontRef>
+            </p:style>
+            <p:txBody>
+              <a:bodyPr rtlCol="0" anchor="ctr"/>
+              <a:lstStyle/>
+              <a:p>
+                <a:pPr algn="ctr"/>
+                <a:endParaRPr lang="ko-KR" altLang="en-US"/>
+              </a:p>
+            </p:txBody>
+          </p:sp>
+          <p:sp>
+            <p:nvSpPr>
+              <p:cNvPr id="5" name="직사각형 4"/>
+              <p:cNvSpPr/>
+              <p:nvPr/>
+            </p:nvSpPr>
+            <p:spPr>
+              <a:xfrm>
+                <a:off x="601139" y="3234176"/>
+                <a:ext cx="1896050" cy="444404"/>
+              </a:xfrm>
+              <a:prstGeom prst="rect">
+                <a:avLst/>
+              </a:prstGeom>
+              <a:solidFill>
+                <a:srgbClr val="FFFF00"/>
+              </a:solidFill>
+              <a:ln>
+                <a:solidFill>
+                  <a:srgbClr val="FF0000"/>
+                </a:solidFill>
+                <a:prstDash val="dash"/>
+              </a:ln>
+            </p:spPr>
+            <p:style>
+              <a:lnRef idx="2">
+                <a:schemeClr val="accent1">
+                  <a:shade val="50000"/>
+                </a:schemeClr>
+              </a:lnRef>
+              <a:fillRef idx="1">
+                <a:schemeClr val="accent1"/>
+              </a:fillRef>
+              <a:effectRef idx="0">
+                <a:schemeClr val="accent1"/>
+              </a:effectRef>
+              <a:fontRef idx="minor">
+                <a:schemeClr val="lt1"/>
+              </a:fontRef>
+            </p:style>
+            <p:txBody>
+              <a:bodyPr rtlCol="0" anchor="ctr"/>
+              <a:lstStyle/>
+              <a:p>
+                <a:pPr algn="ctr"/>
+                <a:endParaRPr lang="ko-KR" altLang="en-US"/>
+              </a:p>
+            </p:txBody>
+          </p:sp>
+          <mc:AlternateContent xmlns:mc="http://schemas.openxmlformats.org/markup-compatibility/2006" xmlns:a14="http://schemas.microsoft.com/office/drawing/2010/main">
+            <mc:Choice Requires="a14">
+              <p:sp>
+                <p:nvSpPr>
+                  <p:cNvPr id="4" name="TextBox 3"/>
+                  <p:cNvSpPr txBox="1"/>
+                  <p:nvPr/>
+                </p:nvSpPr>
+                <p:spPr>
+                  <a:xfrm>
+                    <a:off x="450840" y="2731053"/>
+                    <a:ext cx="8242321" cy="1395895"/>
+                  </a:xfrm>
+                  <a:prstGeom prst="rect">
+                    <a:avLst/>
+                  </a:prstGeom>
+                  <a:noFill/>
+                </p:spPr>
+                <p:txBody>
+                  <a:bodyPr wrap="none" rtlCol="0">
+                    <a:spAutoFit/>
+                  </a:bodyPr>
+                  <a:lstStyle/>
+                  <a:p>
+                    <a:pPr/>
+                    <a14:m>
+                      <m:oMathPara xmlns:m="http://schemas.openxmlformats.org/officeDocument/2006/math">
+                        <m:oMathParaPr>
+                          <m:jc m:val="centerGroup"/>
+                        </m:oMathParaPr>
+                        <m:oMath xmlns:m="http://schemas.openxmlformats.org/officeDocument/2006/math">
+                          <m:d>
+                            <m:dPr>
+                              <m:begChr m:val="["/>
+                              <m:endChr m:val="]"/>
+                              <m:ctrlPr>
+                                <a:rPr lang="en-US" altLang="ko-KR" sz="3200" i="1" smtClean="0">
+                                  <a:latin typeface="Cambria Math" panose="02040503050406030204" pitchFamily="18" charset="0"/>
+                                </a:rPr>
+                              </m:ctrlPr>
+                            </m:dPr>
+                            <m:e>
+                              <m:m>
+                                <m:mPr>
+                                  <m:mcs>
+                                    <m:mc>
+                                      <m:mcPr>
+                                        <m:count m:val="3"/>
+                                        <m:mcJc m:val="center"/>
+                                      </m:mcPr>
+                                    </m:mc>
+                                  </m:mcs>
+                                  <m:ctrlPr>
+                                    <a:rPr lang="en-US" altLang="ko-KR" sz="3200" i="1" smtClean="0">
+                                      <a:latin typeface="Cambria Math" panose="02040503050406030204" pitchFamily="18" charset="0"/>
+                                    </a:rPr>
+                                  </m:ctrlPr>
+                                </m:mPr>
+                                <m:mr>
+                                  <m:e>
+                                    <m:r>
+                                      <m:rPr>
+                                        <m:brk m:alnAt="7"/>
+                                      </m:rPr>
+                                      <a:rPr lang="en-US" altLang="ko-KR" sz="3200" b="0" i="1" smtClean="0">
+                                        <a:latin typeface="Cambria Math"/>
+                                      </a:rPr>
+                                      <m:t>1</m:t>
+                                    </m:r>
+                                  </m:e>
+                                  <m:e>
+                                    <m:r>
+                                      <a:rPr lang="en-US" altLang="ko-KR" sz="3200" b="0" i="1" smtClean="0">
+                                        <a:latin typeface="Cambria Math"/>
+                                      </a:rPr>
+                                      <m:t>0</m:t>
+                                    </m:r>
+                                  </m:e>
+                                  <m:e>
+                                    <m:r>
+                                      <a:rPr lang="en-US" altLang="ko-KR" sz="3200" b="0" i="1" smtClean="0">
+                                        <a:latin typeface="Cambria Math"/>
+                                      </a:rPr>
+                                      <m:t>0</m:t>
+                                    </m:r>
+                                  </m:e>
+                                </m:mr>
+                                <m:mr>
+                                  <m:e>
+                                    <m:r>
+                                      <a:rPr lang="en-US" altLang="ko-KR" sz="3200" b="0" i="1" smtClean="0">
+                                        <a:solidFill>
+                                          <a:schemeClr val="accent1"/>
+                                        </a:solidFill>
+                                        <a:latin typeface="Cambria Math"/>
+                                      </a:rPr>
+                                      <m:t>𝑠</m:t>
+                                    </m:r>
+                                  </m:e>
+                                  <m:e>
+                                    <m:r>
+                                      <a:rPr lang="en-US" altLang="ko-KR" sz="3200" b="0" i="1" smtClean="0">
+                                        <a:solidFill>
+                                          <a:srgbClr val="FF0000"/>
+                                        </a:solidFill>
+                                        <a:latin typeface="Cambria Math"/>
+                                      </a:rPr>
+                                      <m:t>1</m:t>
+                                    </m:r>
+                                  </m:e>
+                                  <m:e>
+                                    <m:r>
+                                      <a:rPr lang="en-US" altLang="ko-KR" sz="3200" b="0" i="1" smtClean="0">
+                                        <a:latin typeface="Cambria Math"/>
+                                      </a:rPr>
+                                      <m:t>0</m:t>
+                                    </m:r>
+                                  </m:e>
+                                </m:mr>
+                                <m:mr>
+                                  <m:e>
+                                    <m:r>
+                                      <a:rPr lang="en-US" altLang="ko-KR" sz="3200" b="0" i="1" smtClean="0">
+                                        <a:latin typeface="Cambria Math"/>
+                                      </a:rPr>
+                                      <m:t>0</m:t>
+                                    </m:r>
+                                  </m:e>
+                                  <m:e>
+                                    <m:r>
+                                      <a:rPr lang="en-US" altLang="ko-KR" sz="3200" b="0" i="1" smtClean="0">
+                                        <a:latin typeface="Cambria Math"/>
+                                      </a:rPr>
+                                      <m:t>0</m:t>
+                                    </m:r>
+                                  </m:e>
+                                  <m:e>
+                                    <m:r>
+                                      <a:rPr lang="en-US" altLang="ko-KR" sz="3200" b="0" i="1" smtClean="0">
+                                        <a:latin typeface="Cambria Math"/>
+                                      </a:rPr>
+                                      <m:t>1</m:t>
+                                    </m:r>
+                                  </m:e>
+                                </m:mr>
+                              </m:m>
+                            </m:e>
+                          </m:d>
+                          <m:d>
+                            <m:dPr>
+                              <m:begChr m:val="["/>
+                              <m:endChr m:val="]"/>
+                              <m:ctrlPr>
+                                <a:rPr lang="en-US" altLang="ko-KR" sz="3200" i="1" smtClean="0">
+                                  <a:latin typeface="Cambria Math" panose="02040503050406030204" pitchFamily="18" charset="0"/>
+                                </a:rPr>
+                              </m:ctrlPr>
+                            </m:dPr>
+                            <m:e>
+                              <m:m>
+                                <m:mPr>
+                                  <m:mcs>
+                                    <m:mc>
+                                      <m:mcPr>
+                                        <m:count m:val="1"/>
+                                        <m:mcJc m:val="center"/>
+                                      </m:mcPr>
+                                    </m:mc>
+                                  </m:mcs>
+                                  <m:ctrlPr>
+                                    <a:rPr lang="en-US" altLang="ko-KR" sz="3200" i="1" smtClean="0">
+                                      <a:latin typeface="Cambria Math" panose="02040503050406030204" pitchFamily="18" charset="0"/>
+                                    </a:rPr>
+                                  </m:ctrlPr>
+                                </m:mPr>
+                                <m:mr>
+                                  <m:e>
+                                    <m:m>
+                                      <m:mPr>
+                                        <m:mcs>
+                                          <m:mc>
+                                            <m:mcPr>
+                                              <m:count m:val="2"/>
+                                              <m:mcJc m:val="center"/>
+                                            </m:mcPr>
+                                          </m:mc>
+                                        </m:mcs>
+                                        <m:ctrlPr>
+                                          <a:rPr lang="en-US" altLang="ko-KR" sz="3200" i="1" smtClean="0">
+                                            <a:solidFill>
+                                              <a:schemeClr val="accent1"/>
+                                            </a:solidFill>
+                                            <a:latin typeface="Cambria Math" panose="02040503050406030204" pitchFamily="18" charset="0"/>
+                                          </a:rPr>
+                                        </m:ctrlPr>
+                                      </m:mPr>
+                                      <m:mr>
+                                        <m:e>
+                                          <m:m>
+                                            <m:mPr>
+                                              <m:mcs>
+                                                <m:mc>
+                                                  <m:mcPr>
+                                                    <m:count m:val="2"/>
+                                                    <m:mcJc m:val="center"/>
+                                                  </m:mcPr>
+                                                </m:mc>
+                                              </m:mcs>
+                                              <m:ctrlPr>
+                                                <a:rPr lang="en-US" altLang="ko-KR" sz="3200" i="1" smtClean="0">
+                                                  <a:solidFill>
+                                                    <a:schemeClr val="accent1"/>
+                                                  </a:solidFill>
+                                                  <a:latin typeface="Cambria Math" panose="02040503050406030204" pitchFamily="18" charset="0"/>
+                                                </a:rPr>
+                                              </m:ctrlPr>
+                                            </m:mPr>
+                                            <m:mr>
+                                              <m:e>
+                                                <m:sSub>
+                                                  <m:sSubPr>
+                                                    <m:ctrlPr>
+                                                      <a:rPr lang="en-US" altLang="ko-KR" sz="3200" b="0" i="1" smtClean="0">
+                                                        <a:solidFill>
+                                                          <a:schemeClr val="accent1"/>
+                                                        </a:solidFill>
+                                                        <a:latin typeface="Cambria Math" panose="02040503050406030204" pitchFamily="18" charset="0"/>
+                                                      </a:rPr>
+                                                    </m:ctrlPr>
+                                                  </m:sSubPr>
+                                                  <m:e>
+                                                    <m:r>
+                                                      <m:rPr>
+                                                        <m:brk m:alnAt="7"/>
+                                                      </m:rPr>
+                                                      <a:rPr lang="en-US" altLang="ko-KR" sz="3200" b="0" i="1" smtClean="0">
+                                                        <a:solidFill>
+                                                          <a:schemeClr val="accent1"/>
+                                                        </a:solidFill>
+                                                        <a:latin typeface="Cambria Math"/>
+                                                      </a:rPr>
+                                                      <m:t>𝑎</m:t>
+                                                    </m:r>
+                                                  </m:e>
+                                                  <m:sub>
+                                                    <m:r>
+                                                      <m:rPr>
+                                                        <m:brk m:alnAt="7"/>
+                                                      </m:rPr>
+                                                      <a:rPr lang="en-US" altLang="ko-KR" sz="3200" b="0" i="1" smtClean="0">
+                                                        <a:solidFill>
+                                                          <a:schemeClr val="accent1"/>
+                                                        </a:solidFill>
+                                                        <a:latin typeface="Cambria Math"/>
+                                                      </a:rPr>
+                                                      <m:t>1</m:t>
+                                                    </m:r>
+                                                    <m:r>
+                                                      <a:rPr lang="en-US" altLang="ko-KR" sz="3200" b="0" i="1" smtClean="0">
+                                                        <a:solidFill>
+                                                          <a:schemeClr val="accent1"/>
+                                                        </a:solidFill>
+                                                        <a:latin typeface="Cambria Math"/>
+                                                      </a:rPr>
+                                                      <m:t>1</m:t>
+                                                    </m:r>
+                                                  </m:sub>
+                                                </m:sSub>
+                                              </m:e>
+                                              <m:e>
+                                                <m:sSub>
+                                                  <m:sSubPr>
+                                                    <m:ctrlPr>
+                                                      <a:rPr lang="en-US" altLang="ko-KR" sz="3200" b="0" i="1" smtClean="0">
+                                                        <a:solidFill>
+                                                          <a:schemeClr val="accent1"/>
+                                                        </a:solidFill>
+                                                        <a:latin typeface="Cambria Math" panose="02040503050406030204" pitchFamily="18" charset="0"/>
+                                                      </a:rPr>
+                                                    </m:ctrlPr>
+                                                  </m:sSubPr>
+                                                  <m:e>
+                                                    <m:r>
+                                                      <a:rPr lang="en-US" altLang="ko-KR" sz="3200" b="0" i="1" smtClean="0">
+                                                        <a:solidFill>
+                                                          <a:schemeClr val="accent1"/>
+                                                        </a:solidFill>
+                                                        <a:latin typeface="Cambria Math"/>
+                                                      </a:rPr>
+                                                      <m:t>𝑎</m:t>
+                                                    </m:r>
+                                                  </m:e>
+                                                  <m:sub>
+                                                    <m:r>
+                                                      <a:rPr lang="en-US" altLang="ko-KR" sz="3200" b="0" i="1" smtClean="0">
+                                                        <a:solidFill>
+                                                          <a:schemeClr val="accent1"/>
+                                                        </a:solidFill>
+                                                        <a:latin typeface="Cambria Math"/>
+                                                      </a:rPr>
+                                                      <m:t>12</m:t>
+                                                    </m:r>
+                                                  </m:sub>
+                                                </m:sSub>
+                                              </m:e>
+                                            </m:mr>
+                                          </m:m>
+                                        </m:e>
+                                        <m:e>
+                                          <m:m>
+                                            <m:mPr>
+                                              <m:mcs>
+                                                <m:mc>
+                                                  <m:mcPr>
+                                                    <m:count m:val="2"/>
+                                                    <m:mcJc m:val="center"/>
+                                                  </m:mcPr>
+                                                </m:mc>
+                                              </m:mcs>
+                                              <m:ctrlPr>
+                                                <a:rPr lang="en-US" altLang="ko-KR" sz="3200" i="1" smtClean="0">
+                                                  <a:solidFill>
+                                                    <a:schemeClr val="accent1"/>
+                                                  </a:solidFill>
+                                                  <a:latin typeface="Cambria Math" panose="02040503050406030204" pitchFamily="18" charset="0"/>
+                                                </a:rPr>
+                                              </m:ctrlPr>
+                                            </m:mPr>
+                                            <m:mr>
+                                              <m:e>
+                                                <m:sSub>
+                                                  <m:sSubPr>
+                                                    <m:ctrlPr>
+                                                      <a:rPr lang="en-US" altLang="ko-KR" sz="3200" b="0" i="1" smtClean="0">
+                                                        <a:solidFill>
+                                                          <a:schemeClr val="accent1"/>
+                                                        </a:solidFill>
+                                                        <a:latin typeface="Cambria Math" panose="02040503050406030204" pitchFamily="18" charset="0"/>
+                                                      </a:rPr>
+                                                    </m:ctrlPr>
+                                                  </m:sSubPr>
+                                                  <m:e>
+                                                    <m:r>
+                                                      <m:rPr>
+                                                        <m:brk m:alnAt="7"/>
+                                                      </m:rPr>
+                                                      <a:rPr lang="en-US" altLang="ko-KR" sz="3200" b="0" i="1" smtClean="0">
+                                                        <a:solidFill>
+                                                          <a:schemeClr val="accent1"/>
+                                                        </a:solidFill>
+                                                        <a:latin typeface="Cambria Math"/>
+                                                      </a:rPr>
+                                                      <m:t>𝑎</m:t>
+                                                    </m:r>
+                                                  </m:e>
+                                                  <m:sub>
+                                                    <m:r>
+                                                      <m:rPr>
+                                                        <m:brk m:alnAt="7"/>
+                                                      </m:rPr>
+                                                      <a:rPr lang="en-US" altLang="ko-KR" sz="3200" b="0" i="1" smtClean="0">
+                                                        <a:solidFill>
+                                                          <a:schemeClr val="accent1"/>
+                                                        </a:solidFill>
+                                                        <a:latin typeface="Cambria Math"/>
+                                                      </a:rPr>
+                                                      <m:t>1</m:t>
+                                                    </m:r>
+                                                    <m:r>
+                                                      <a:rPr lang="en-US" altLang="ko-KR" sz="3200" b="0" i="1" smtClean="0">
+                                                        <a:solidFill>
+                                                          <a:schemeClr val="accent1"/>
+                                                        </a:solidFill>
+                                                        <a:latin typeface="Cambria Math"/>
+                                                      </a:rPr>
+                                                      <m:t>3</m:t>
+                                                    </m:r>
+                                                  </m:sub>
+                                                </m:sSub>
+                                              </m:e>
+                                              <m:e>
+                                                <m:sSub>
+                                                  <m:sSubPr>
+                                                    <m:ctrlPr>
+                                                      <a:rPr lang="en-US" altLang="ko-KR" sz="3200" b="0" i="1" smtClean="0">
+                                                        <a:solidFill>
+                                                          <a:schemeClr val="accent1"/>
+                                                        </a:solidFill>
+                                                        <a:latin typeface="Cambria Math" panose="02040503050406030204" pitchFamily="18" charset="0"/>
+                                                      </a:rPr>
+                                                    </m:ctrlPr>
+                                                  </m:sSubPr>
+                                                  <m:e>
+                                                    <m:r>
+                                                      <a:rPr lang="en-US" altLang="ko-KR" sz="3200" b="0" i="1" smtClean="0">
+                                                        <a:solidFill>
+                                                          <a:schemeClr val="accent1"/>
+                                                        </a:solidFill>
+                                                        <a:latin typeface="Cambria Math"/>
+                                                      </a:rPr>
+                                                      <m:t>𝑎</m:t>
+                                                    </m:r>
+                                                  </m:e>
+                                                  <m:sub>
+                                                    <m:r>
+                                                      <a:rPr lang="en-US" altLang="ko-KR" sz="3200" b="0" i="1" smtClean="0">
+                                                        <a:solidFill>
+                                                          <a:schemeClr val="accent1"/>
+                                                        </a:solidFill>
+                                                        <a:latin typeface="Cambria Math"/>
+                                                      </a:rPr>
+                                                      <m:t>14</m:t>
+                                                    </m:r>
+                                                  </m:sub>
+                                                </m:sSub>
+                                              </m:e>
+                                            </m:mr>
+                                          </m:m>
+                                        </m:e>
+                                      </m:mr>
+                                    </m:m>
+                                  </m:e>
+                                </m:mr>
+                                <m:mr>
+                                  <m:e>
+                                    <m:m>
+                                      <m:mPr>
+                                        <m:mcs>
+                                          <m:mc>
+                                            <m:mcPr>
+                                              <m:count m:val="2"/>
+                                              <m:mcJc m:val="center"/>
+                                            </m:mcPr>
+                                          </m:mc>
+                                        </m:mcs>
+                                        <m:ctrlPr>
+                                          <a:rPr lang="en-US" altLang="ko-KR" sz="3200" i="1" smtClean="0">
+                                            <a:solidFill>
+                                              <a:srgbClr val="FF0000"/>
+                                            </a:solidFill>
+                                            <a:latin typeface="Cambria Math" panose="02040503050406030204" pitchFamily="18" charset="0"/>
+                                          </a:rPr>
+                                        </m:ctrlPr>
+                                      </m:mPr>
+                                      <m:mr>
+                                        <m:e>
+                                          <m:m>
+                                            <m:mPr>
+                                              <m:mcs>
+                                                <m:mc>
+                                                  <m:mcPr>
+                                                    <m:count m:val="2"/>
+                                                    <m:mcJc m:val="center"/>
+                                                  </m:mcPr>
+                                                </m:mc>
+                                              </m:mcs>
+                                              <m:ctrlPr>
+                                                <a:rPr lang="en-US" altLang="ko-KR" sz="3200" i="1" smtClean="0">
+                                                  <a:solidFill>
+                                                    <a:srgbClr val="FF0000"/>
+                                                  </a:solidFill>
+                                                  <a:latin typeface="Cambria Math" panose="02040503050406030204" pitchFamily="18" charset="0"/>
+                                                </a:rPr>
+                                              </m:ctrlPr>
+                                            </m:mPr>
+                                            <m:mr>
+                                              <m:e>
+                                                <m:sSub>
+                                                  <m:sSubPr>
+                                                    <m:ctrlPr>
+                                                      <a:rPr lang="en-US" altLang="ko-KR" sz="3200" b="0" i="1" smtClean="0">
+                                                        <a:solidFill>
+                                                          <a:srgbClr val="FF0000"/>
+                                                        </a:solidFill>
+                                                        <a:latin typeface="Cambria Math" panose="02040503050406030204" pitchFamily="18" charset="0"/>
+                                                      </a:rPr>
+                                                    </m:ctrlPr>
+                                                  </m:sSubPr>
+                                                  <m:e>
+                                                    <m:r>
+                                                      <m:rPr>
+                                                        <m:brk m:alnAt="7"/>
+                                                      </m:rPr>
+                                                      <a:rPr lang="en-US" altLang="ko-KR" sz="3200" b="0" i="1" smtClean="0">
+                                                        <a:solidFill>
+                                                          <a:srgbClr val="FF0000"/>
+                                                        </a:solidFill>
+                                                        <a:latin typeface="Cambria Math"/>
+                                                      </a:rPr>
+                                                      <m:t>𝑎</m:t>
+                                                    </m:r>
+                                                  </m:e>
+                                                  <m:sub>
+                                                    <m:r>
+                                                      <m:rPr>
+                                                        <m:brk m:alnAt="7"/>
+                                                      </m:rPr>
+                                                      <a:rPr lang="en-US" altLang="ko-KR" sz="3200" b="0" i="1" smtClean="0">
+                                                        <a:solidFill>
+                                                          <a:srgbClr val="FF0000"/>
+                                                        </a:solidFill>
+                                                        <a:latin typeface="Cambria Math"/>
+                                                      </a:rPr>
+                                                      <m:t>2</m:t>
+                                                    </m:r>
+                                                    <m:r>
+                                                      <a:rPr lang="en-US" altLang="ko-KR" sz="3200" b="0" i="1" smtClean="0">
+                                                        <a:solidFill>
+                                                          <a:srgbClr val="FF0000"/>
+                                                        </a:solidFill>
+                                                        <a:latin typeface="Cambria Math"/>
+                                                      </a:rPr>
+                                                      <m:t>1</m:t>
+                                                    </m:r>
+                                                  </m:sub>
+                                                </m:sSub>
+                                              </m:e>
+                                              <m:e>
+                                                <m:sSub>
+                                                  <m:sSubPr>
+                                                    <m:ctrlPr>
+                                                      <a:rPr lang="en-US" altLang="ko-KR" sz="3200" b="0" i="1" smtClean="0">
+                                                        <a:solidFill>
+                                                          <a:srgbClr val="FF0000"/>
+                                                        </a:solidFill>
+                                                        <a:latin typeface="Cambria Math" panose="02040503050406030204" pitchFamily="18" charset="0"/>
+                                                      </a:rPr>
+                                                    </m:ctrlPr>
+                                                  </m:sSubPr>
+                                                  <m:e>
+                                                    <m:r>
+                                                      <m:rPr>
+                                                        <m:brk m:alnAt="7"/>
+                                                      </m:rPr>
+                                                      <a:rPr lang="en-US" altLang="ko-KR" sz="3200" b="0" i="1" smtClean="0">
+                                                        <a:solidFill>
+                                                          <a:srgbClr val="FF0000"/>
+                                                        </a:solidFill>
+                                                        <a:latin typeface="Cambria Math"/>
+                                                      </a:rPr>
+                                                      <m:t>𝑎</m:t>
+                                                    </m:r>
+                                                  </m:e>
+                                                  <m:sub>
+                                                    <m:r>
+                                                      <m:rPr>
+                                                        <m:brk m:alnAt="7"/>
+                                                      </m:rPr>
+                                                      <a:rPr lang="en-US" altLang="ko-KR" sz="3200" b="0" i="1" smtClean="0">
+                                                        <a:solidFill>
+                                                          <a:srgbClr val="FF0000"/>
+                                                        </a:solidFill>
+                                                        <a:latin typeface="Cambria Math"/>
+                                                      </a:rPr>
+                                                      <m:t>2</m:t>
+                                                    </m:r>
+                                                    <m:r>
+                                                      <a:rPr lang="en-US" altLang="ko-KR" sz="3200" b="0" i="1" smtClean="0">
+                                                        <a:solidFill>
+                                                          <a:srgbClr val="FF0000"/>
+                                                        </a:solidFill>
+                                                        <a:latin typeface="Cambria Math"/>
+                                                      </a:rPr>
+                                                      <m:t>2</m:t>
+                                                    </m:r>
+                                                  </m:sub>
+                                                </m:sSub>
+                                              </m:e>
+                                            </m:mr>
+                                          </m:m>
+                                        </m:e>
+                                        <m:e>
+                                          <m:m>
+                                            <m:mPr>
+                                              <m:mcs>
+                                                <m:mc>
+                                                  <m:mcPr>
+                                                    <m:count m:val="2"/>
+                                                    <m:mcJc m:val="center"/>
+                                                  </m:mcPr>
+                                                </m:mc>
+                                              </m:mcs>
+                                              <m:ctrlPr>
+                                                <a:rPr lang="en-US" altLang="ko-KR" sz="3200" i="1" smtClean="0">
+                                                  <a:solidFill>
+                                                    <a:srgbClr val="FF0000"/>
+                                                  </a:solidFill>
+                                                  <a:latin typeface="Cambria Math" panose="02040503050406030204" pitchFamily="18" charset="0"/>
+                                                </a:rPr>
+                                              </m:ctrlPr>
+                                            </m:mPr>
+                                            <m:mr>
+                                              <m:e>
+                                                <m:sSub>
+                                                  <m:sSubPr>
+                                                    <m:ctrlPr>
+                                                      <a:rPr lang="en-US" altLang="ko-KR" sz="3200" b="0" i="1" smtClean="0">
+                                                        <a:solidFill>
+                                                          <a:srgbClr val="FF0000"/>
+                                                        </a:solidFill>
+                                                        <a:latin typeface="Cambria Math" panose="02040503050406030204" pitchFamily="18" charset="0"/>
+                                                      </a:rPr>
+                                                    </m:ctrlPr>
+                                                  </m:sSubPr>
+                                                  <m:e>
+                                                    <m:r>
+                                                      <a:rPr lang="en-US" altLang="ko-KR" sz="3200" b="0" i="1" smtClean="0">
+                                                        <a:solidFill>
+                                                          <a:srgbClr val="FF0000"/>
+                                                        </a:solidFill>
+                                                        <a:latin typeface="Cambria Math"/>
+                                                      </a:rPr>
+                                                      <m:t>𝑎</m:t>
+                                                    </m:r>
+                                                  </m:e>
+                                                  <m:sub>
+                                                    <m:r>
+                                                      <a:rPr lang="en-US" altLang="ko-KR" sz="3200" b="0" i="1" smtClean="0">
+                                                        <a:solidFill>
+                                                          <a:srgbClr val="FF0000"/>
+                                                        </a:solidFill>
+                                                        <a:latin typeface="Cambria Math"/>
+                                                      </a:rPr>
+                                                      <m:t>23</m:t>
+                                                    </m:r>
+                                                  </m:sub>
+                                                </m:sSub>
+                                              </m:e>
+                                              <m:e>
+                                                <m:sSub>
+                                                  <m:sSubPr>
+                                                    <m:ctrlPr>
+                                                      <a:rPr lang="en-US" altLang="ko-KR" sz="3200" b="0" i="1" smtClean="0">
+                                                        <a:solidFill>
+                                                          <a:srgbClr val="FF0000"/>
+                                                        </a:solidFill>
+                                                        <a:latin typeface="Cambria Math" panose="02040503050406030204" pitchFamily="18" charset="0"/>
+                                                      </a:rPr>
+                                                    </m:ctrlPr>
+                                                  </m:sSubPr>
+                                                  <m:e>
+                                                    <m:r>
+                                                      <a:rPr lang="en-US" altLang="ko-KR" sz="3200" b="0" i="1" smtClean="0">
+                                                        <a:solidFill>
+                                                          <a:srgbClr val="FF0000"/>
+                                                        </a:solidFill>
+                                                        <a:latin typeface="Cambria Math"/>
+                                                      </a:rPr>
+                                                      <m:t>𝑎</m:t>
+                                                    </m:r>
+                                                  </m:e>
+                                                  <m:sub>
+                                                    <m:r>
+                                                      <a:rPr lang="en-US" altLang="ko-KR" sz="3200" b="0" i="1" smtClean="0">
+                                                        <a:solidFill>
+                                                          <a:srgbClr val="FF0000"/>
+                                                        </a:solidFill>
+                                                        <a:latin typeface="Cambria Math"/>
+                                                      </a:rPr>
+                                                      <m:t>24</m:t>
+                                                    </m:r>
+                                                  </m:sub>
+                                                </m:sSub>
+                                                <m:r>
+                                                  <a:rPr lang="en-US" altLang="ko-KR" sz="3200" b="0" i="1" smtClean="0">
+                                                    <a:solidFill>
+                                                      <a:srgbClr val="FF0000"/>
+                                                    </a:solidFill>
+                                                    <a:latin typeface="Cambria Math"/>
+                                                  </a:rPr>
+                                                  <m:t> </m:t>
+                                                </m:r>
+                                              </m:e>
+                                            </m:mr>
+                                          </m:m>
+                                        </m:e>
+                                      </m:mr>
+                                    </m:m>
+                                  </m:e>
+                                </m:mr>
+                                <m:mr>
+                                  <m:e>
+                                    <m:m>
+                                      <m:mPr>
+                                        <m:mcs>
+                                          <m:mc>
+                                            <m:mcPr>
+                                              <m:count m:val="2"/>
+                                              <m:mcJc m:val="center"/>
+                                            </m:mcPr>
+                                          </m:mc>
+                                        </m:mcs>
+                                        <m:ctrlPr>
+                                          <a:rPr lang="en-US" altLang="ko-KR" sz="3200" i="1" smtClean="0">
+                                            <a:latin typeface="Cambria Math" panose="02040503050406030204" pitchFamily="18" charset="0"/>
+                                          </a:rPr>
+                                        </m:ctrlPr>
+                                      </m:mPr>
+                                      <m:mr>
+                                        <m:e>
+                                          <m:m>
+                                            <m:mPr>
+                                              <m:mcs>
+                                                <m:mc>
+                                                  <m:mcPr>
+                                                    <m:count m:val="2"/>
+                                                    <m:mcJc m:val="center"/>
+                                                  </m:mcPr>
+                                                </m:mc>
+                                              </m:mcs>
+                                              <m:ctrlPr>
+                                                <a:rPr lang="en-US" altLang="ko-KR" sz="3200" i="1" smtClean="0">
+                                                  <a:latin typeface="Cambria Math" panose="02040503050406030204" pitchFamily="18" charset="0"/>
+                                                </a:rPr>
+                                              </m:ctrlPr>
+                                            </m:mPr>
+                                            <m:mr>
+                                              <m:e>
+                                                <m:sSub>
+                                                  <m:sSubPr>
+                                                    <m:ctrlPr>
+                                                      <a:rPr lang="en-US" altLang="ko-KR" sz="3200" b="0" i="1" smtClean="0">
+                                                        <a:latin typeface="Cambria Math" panose="02040503050406030204" pitchFamily="18" charset="0"/>
+                                                      </a:rPr>
+                                                    </m:ctrlPr>
+                                                  </m:sSubPr>
+                                                  <m:e>
+                                                    <m:r>
+                                                      <m:rPr>
+                                                        <m:brk m:alnAt="7"/>
+                                                      </m:rPr>
+                                                      <a:rPr lang="en-US" altLang="ko-KR" sz="3200" b="0" i="1" smtClean="0">
+                                                        <a:latin typeface="Cambria Math"/>
+                                                      </a:rPr>
+                                                      <m:t>𝑎</m:t>
+                                                    </m:r>
+                                                  </m:e>
+                                                  <m:sub>
+                                                    <m:r>
+                                                      <m:rPr>
+                                                        <m:brk m:alnAt="7"/>
+                                                      </m:rPr>
+                                                      <a:rPr lang="en-US" altLang="ko-KR" sz="3200" b="0" i="1" smtClean="0">
+                                                        <a:latin typeface="Cambria Math"/>
+                                                      </a:rPr>
+                                                      <m:t>3</m:t>
+                                                    </m:r>
+                                                    <m:r>
+                                                      <a:rPr lang="en-US" altLang="ko-KR" sz="3200" b="0" i="1" smtClean="0">
+                                                        <a:latin typeface="Cambria Math"/>
+                                                      </a:rPr>
+                                                      <m:t>1</m:t>
+                                                    </m:r>
+                                                  </m:sub>
+                                                </m:sSub>
+                                              </m:e>
+                                              <m:e>
+                                                <m:sSub>
+                                                  <m:sSubPr>
+                                                    <m:ctrlPr>
+                                                      <a:rPr lang="en-US" altLang="ko-KR" sz="3200" b="0" i="1" smtClean="0">
+                                                        <a:latin typeface="Cambria Math" panose="02040503050406030204" pitchFamily="18" charset="0"/>
+                                                      </a:rPr>
+                                                    </m:ctrlPr>
+                                                  </m:sSubPr>
+                                                  <m:e>
+                                                    <m:r>
+                                                      <a:rPr lang="en-US" altLang="ko-KR" sz="3200" b="0" i="1" smtClean="0">
+                                                        <a:latin typeface="Cambria Math"/>
+                                                      </a:rPr>
+                                                      <m:t>𝑎</m:t>
+                                                    </m:r>
+                                                  </m:e>
+                                                  <m:sub>
+                                                    <m:r>
+                                                      <a:rPr lang="en-US" altLang="ko-KR" sz="3200" b="0" i="1" smtClean="0">
+                                                        <a:latin typeface="Cambria Math"/>
+                                                      </a:rPr>
+                                                      <m:t>32</m:t>
+                                                    </m:r>
+                                                  </m:sub>
+                                                </m:sSub>
+                                              </m:e>
+                                            </m:mr>
+                                          </m:m>
+                                        </m:e>
+                                        <m:e>
+                                          <m:m>
+                                            <m:mPr>
+                                              <m:mcs>
+                                                <m:mc>
+                                                  <m:mcPr>
+                                                    <m:count m:val="2"/>
+                                                    <m:mcJc m:val="center"/>
+                                                  </m:mcPr>
+                                                </m:mc>
+                                              </m:mcs>
+                                              <m:ctrlPr>
+                                                <a:rPr lang="en-US" altLang="ko-KR" sz="3200" i="1" smtClean="0">
+                                                  <a:latin typeface="Cambria Math" panose="02040503050406030204" pitchFamily="18" charset="0"/>
+                                                </a:rPr>
+                                              </m:ctrlPr>
+                                            </m:mPr>
+                                            <m:mr>
+                                              <m:e>
+                                                <m:sSub>
+                                                  <m:sSubPr>
+                                                    <m:ctrlPr>
+                                                      <a:rPr lang="en-US" altLang="ko-KR" sz="3200" b="0" i="1" smtClean="0">
+                                                        <a:latin typeface="Cambria Math" panose="02040503050406030204" pitchFamily="18" charset="0"/>
+                                                      </a:rPr>
+                                                    </m:ctrlPr>
+                                                  </m:sSubPr>
+                                                  <m:e>
+                                                    <m:r>
+                                                      <m:rPr>
+                                                        <m:brk m:alnAt="7"/>
+                                                      </m:rPr>
+                                                      <a:rPr lang="en-US" altLang="ko-KR" sz="3200" b="0" i="1" smtClean="0">
+                                                        <a:latin typeface="Cambria Math"/>
+                                                      </a:rPr>
+                                                      <m:t>𝑎</m:t>
+                                                    </m:r>
+                                                  </m:e>
+                                                  <m:sub>
+                                                    <m:r>
+                                                      <m:rPr>
+                                                        <m:brk m:alnAt="7"/>
+                                                      </m:rPr>
+                                                      <a:rPr lang="en-US" altLang="ko-KR" sz="3200" b="0" i="1" smtClean="0">
+                                                        <a:latin typeface="Cambria Math"/>
+                                                      </a:rPr>
+                                                      <m:t>3</m:t>
+                                                    </m:r>
+                                                    <m:r>
+                                                      <a:rPr lang="en-US" altLang="ko-KR" sz="3200" b="0" i="1" smtClean="0">
+                                                        <a:latin typeface="Cambria Math"/>
+                                                      </a:rPr>
+                                                      <m:t>3</m:t>
+                                                    </m:r>
+                                                  </m:sub>
+                                                </m:sSub>
+                                              </m:e>
+                                              <m:e>
+                                                <m:sSub>
+                                                  <m:sSubPr>
+                                                    <m:ctrlPr>
+                                                      <a:rPr lang="en-US" altLang="ko-KR" sz="3200" b="0" i="1" smtClean="0">
+                                                        <a:latin typeface="Cambria Math" panose="02040503050406030204" pitchFamily="18" charset="0"/>
+                                                      </a:rPr>
+                                                    </m:ctrlPr>
+                                                  </m:sSubPr>
+                                                  <m:e>
+                                                    <m:r>
+                                                      <a:rPr lang="en-US" altLang="ko-KR" sz="3200" b="0" i="1" smtClean="0">
+                                                        <a:latin typeface="Cambria Math"/>
+                                                      </a:rPr>
+                                                      <m:t>𝑎</m:t>
+                                                    </m:r>
+                                                  </m:e>
+                                                  <m:sub>
+                                                    <m:r>
+                                                      <a:rPr lang="en-US" altLang="ko-KR" sz="3200" b="0" i="1" smtClean="0">
+                                                        <a:latin typeface="Cambria Math"/>
+                                                      </a:rPr>
+                                                      <m:t>34</m:t>
+                                                    </m:r>
+                                                  </m:sub>
+                                                </m:sSub>
+                                              </m:e>
+                                            </m:mr>
+                                          </m:m>
+                                        </m:e>
+                                      </m:mr>
+                                    </m:m>
+                                  </m:e>
+                                </m:mr>
+                              </m:m>
+                            </m:e>
+                          </m:d>
+                          <m:r>
+                            <a:rPr lang="en-US" altLang="ko-KR" sz="3200" b="0" i="1" smtClean="0">
+                              <a:latin typeface="Cambria Math"/>
+                            </a:rPr>
+                            <m:t>=</m:t>
+                          </m:r>
+                          <m:d>
+                            <m:dPr>
+                              <m:begChr m:val="["/>
+                              <m:endChr m:val="]"/>
+                              <m:ctrlPr>
+                                <a:rPr lang="en-US" altLang="ko-KR" sz="3200" i="1">
+                                  <a:latin typeface="Cambria Math" panose="02040503050406030204" pitchFamily="18" charset="0"/>
+                                </a:rPr>
+                              </m:ctrlPr>
+                            </m:dPr>
+                            <m:e>
+                              <m:m>
+                                <m:mPr>
+                                  <m:mcs>
+                                    <m:mc>
+                                      <m:mcPr>
+                                        <m:count m:val="1"/>
+                                        <m:mcJc m:val="center"/>
+                                      </m:mcPr>
+                                    </m:mc>
+                                  </m:mcs>
+                                  <m:ctrlPr>
+                                    <a:rPr lang="en-US" altLang="ko-KR" sz="3200" i="1" smtClean="0">
+                                      <a:latin typeface="Cambria Math" panose="02040503050406030204" pitchFamily="18" charset="0"/>
+                                    </a:rPr>
+                                  </m:ctrlPr>
+                                </m:mPr>
+                                <m:mr>
+                                  <m:e>
+                                    <m:r>
+                                      <m:rPr>
+                                        <m:brk m:alnAt="7"/>
+                                      </m:rPr>
+                                      <a:rPr lang="en-US" altLang="ko-KR" sz="3200" b="0" i="1" smtClean="0">
+                                        <a:latin typeface="Cambria Math"/>
+                                      </a:rPr>
+                                      <m:t>−</m:t>
+                                    </m:r>
+                                    <m:r>
+                                      <a:rPr lang="en-US" altLang="ko-KR" sz="3200" b="0" i="1" smtClean="0">
+                                        <a:latin typeface="Cambria Math"/>
+                                      </a:rPr>
+                                      <m:t> </m:t>
+                                    </m:r>
+                                    <m:sSub>
+                                      <m:sSubPr>
+                                        <m:ctrlPr>
+                                          <a:rPr lang="en-US" altLang="ko-KR" sz="3200" b="0" i="1" smtClean="0">
+                                            <a:latin typeface="Cambria Math" panose="02040503050406030204" pitchFamily="18" charset="0"/>
+                                          </a:rPr>
+                                        </m:ctrlPr>
+                                      </m:sSubPr>
+                                      <m:e>
+                                        <m:r>
+                                          <m:rPr>
+                                            <m:brk m:alnAt="7"/>
+                                          </m:rPr>
+                                          <a:rPr lang="en-US" altLang="ko-KR" sz="3200" b="0" i="1" smtClean="0">
+                                            <a:latin typeface="Cambria Math"/>
+                                          </a:rPr>
+                                          <m:t>𝑟</m:t>
+                                        </m:r>
+                                      </m:e>
+                                      <m:sub>
+                                        <m:r>
+                                          <m:rPr>
+                                            <m:brk m:alnAt="7"/>
+                                          </m:rPr>
+                                          <a:rPr lang="en-US" altLang="ko-KR" sz="3200" b="0" i="1" smtClean="0">
+                                            <a:latin typeface="Cambria Math"/>
+                                          </a:rPr>
+                                          <m:t>1</m:t>
+                                        </m:r>
+                                      </m:sub>
+                                    </m:sSub>
+                                    <m:r>
+                                      <m:rPr>
+                                        <m:brk m:alnAt="7"/>
+                                      </m:rPr>
+                                      <a:rPr lang="en-US" altLang="ko-KR" sz="3200" b="0" i="1" smtClean="0">
+                                        <a:latin typeface="Cambria Math"/>
+                                      </a:rPr>
+                                      <m:t>−</m:t>
+                                    </m:r>
+                                  </m:e>
+                                </m:mr>
+                                <m:mr>
+                                  <m:e>
+                                    <m:r>
+                                      <a:rPr lang="en-US" altLang="ko-KR" sz="3200" b="0" i="1" smtClean="0">
+                                        <a:latin typeface="Cambria Math"/>
+                                      </a:rPr>
+                                      <m:t>− </m:t>
+                                    </m:r>
+                                    <m:sSub>
+                                      <m:sSubPr>
+                                        <m:ctrlPr>
+                                          <a:rPr lang="en-US" altLang="ko-KR" sz="3200" b="0" i="1" smtClean="0">
+                                            <a:latin typeface="Cambria Math" panose="02040503050406030204" pitchFamily="18" charset="0"/>
+                                          </a:rPr>
+                                        </m:ctrlPr>
+                                      </m:sSubPr>
+                                      <m:e>
+                                        <m:r>
+                                          <a:rPr lang="en-US" altLang="ko-KR" sz="3200" b="0" i="1" smtClean="0">
+                                            <a:latin typeface="Cambria Math"/>
+                                          </a:rPr>
+                                          <m:t>𝑟</m:t>
+                                        </m:r>
+                                      </m:e>
+                                      <m:sub>
+                                        <m:r>
+                                          <a:rPr lang="en-US" altLang="ko-KR" sz="3200" b="0" i="1" smtClean="0">
+                                            <a:latin typeface="Cambria Math"/>
+                                          </a:rPr>
+                                          <m:t>2</m:t>
+                                        </m:r>
+                                      </m:sub>
+                                    </m:sSub>
+                                    <m:r>
+                                      <a:rPr lang="en-US" altLang="ko-KR" sz="3200" b="0" i="1" smtClean="0">
+                                        <a:latin typeface="Cambria Math"/>
+                                      </a:rPr>
+                                      <m:t>−</m:t>
+                                    </m:r>
+                                  </m:e>
+                                </m:mr>
+                                <m:mr>
+                                  <m:e>
+                                    <m:r>
+                                      <a:rPr lang="en-US" altLang="ko-KR" sz="3200" b="0" i="1" smtClean="0">
+                                        <a:latin typeface="Cambria Math"/>
+                                      </a:rPr>
+                                      <m:t>− </m:t>
+                                    </m:r>
+                                    <m:sSub>
+                                      <m:sSubPr>
+                                        <m:ctrlPr>
+                                          <a:rPr lang="en-US" altLang="ko-KR" sz="3200" b="0" i="1" smtClean="0">
+                                            <a:latin typeface="Cambria Math" panose="02040503050406030204" pitchFamily="18" charset="0"/>
+                                          </a:rPr>
+                                        </m:ctrlPr>
+                                      </m:sSubPr>
+                                      <m:e>
+                                        <m:r>
+                                          <a:rPr lang="en-US" altLang="ko-KR" sz="3200" b="0" i="1" smtClean="0">
+                                            <a:latin typeface="Cambria Math"/>
+                                          </a:rPr>
+                                          <m:t>𝑟</m:t>
+                                        </m:r>
+                                      </m:e>
+                                      <m:sub>
+                                        <m:r>
+                                          <a:rPr lang="en-US" altLang="ko-KR" sz="3200" b="0" i="1" smtClean="0">
+                                            <a:latin typeface="Cambria Math"/>
+                                          </a:rPr>
+                                          <m:t>3</m:t>
+                                        </m:r>
+                                      </m:sub>
+                                    </m:sSub>
+                                    <m:r>
+                                      <a:rPr lang="en-US" altLang="ko-KR" sz="3200" b="0" i="1" smtClean="0">
+                                        <a:latin typeface="Cambria Math"/>
+                                      </a:rPr>
+                                      <m:t>−</m:t>
+                                    </m:r>
+                                  </m:e>
+                                </m:mr>
+                              </m:m>
+                            </m:e>
+                          </m:d>
+                        </m:oMath>
+                      </m:oMathPara>
+                    </a14:m>
+                    <a:endParaRPr lang="ko-KR" altLang="en-US" sz="3200" dirty="0"/>
+                  </a:p>
+                </p:txBody>
+              </p:sp>
+            </mc:Choice>
+            <mc:Fallback xmlns="">
+              <p:sp>
+                <p:nvSpPr>
+                  <p:cNvPr id="4" name="TextBox 3"/>
+                  <p:cNvSpPr txBox="1">
+                    <a:spLocks noRot="1" noChangeAspect="1" noMove="1" noResize="1" noEditPoints="1" noAdjustHandles="1" noChangeArrowheads="1" noChangeShapeType="1" noTextEdit="1"/>
+                  </p:cNvSpPr>
+                  <p:nvPr/>
+                </p:nvSpPr>
+                <p:spPr>
+                  <a:xfrm>
+                    <a:off x="450840" y="2731053"/>
+                    <a:ext cx="8242321" cy="1395895"/>
+                  </a:xfrm>
+                  <a:prstGeom prst="rect">
+                    <a:avLst/>
+                  </a:prstGeom>
+                  <a:blipFill rotWithShape="1">
+                    <a:blip r:embed="rId2"/>
+                    <a:stretch>
+                      <a:fillRect/>
+                    </a:stretch>
+                  </a:blipFill>
+                </p:spPr>
+                <p:txBody>
+                  <a:bodyPr/>
+                  <a:lstStyle/>
+                  <a:p>
+                    <a:r>
+                      <a:rPr lang="ko-KR" altLang="en-US">
+                        <a:noFill/>
+                      </a:rPr>
+                      <a:t> </a:t>
+                    </a:r>
+                  </a:p>
+                </p:txBody>
+              </p:sp>
+            </mc:Fallback>
+          </mc:AlternateContent>
+        </p:grpSp>
+        <mc:AlternateContent xmlns:mc="http://schemas.openxmlformats.org/markup-compatibility/2006">
+          <mc:Choice xmlns:a14="http://schemas.microsoft.com/office/drawing/2010/main" Requires="a14">
+            <p:sp>
+              <p:nvSpPr>
+                <p:cNvPr id="2" name="직사각형 1"/>
+                <p:cNvSpPr/>
+                <p:nvPr/>
+              </p:nvSpPr>
+              <p:spPr>
+                <a:xfrm>
+                  <a:off x="3923928" y="1484784"/>
+                  <a:ext cx="3073854" cy="923330"/>
+                </a:xfrm>
+                <a:prstGeom prst="rect">
+                  <a:avLst/>
+                </a:prstGeom>
+                <a:ln w="19050">
+                  <a:solidFill>
+                    <a:schemeClr val="tx1"/>
+                  </a:solidFill>
+                </a:ln>
+              </p:spPr>
+              <p:txBody>
+                <a:bodyPr wrap="none" anchor="ctr">
+                  <a:spAutoFit/>
+                </a:bodyPr>
+                <a:lstStyle/>
+                <a:p>
+                  <a:pPr/>
+                  <a14:m>
+                    <m:oMathPara xmlns:m="http://schemas.openxmlformats.org/officeDocument/2006/math">
+                      <m:oMathParaPr>
+                        <m:jc m:val="centerGroup"/>
+                      </m:oMathParaPr>
+                      <m:oMath xmlns:m="http://schemas.openxmlformats.org/officeDocument/2006/math">
+                        <m:r>
+                          <a:rPr lang="en-US" altLang="ko-KR" b="0" i="1" smtClean="0">
+                            <a:solidFill>
+                              <a:schemeClr val="accent1"/>
+                            </a:solidFill>
+                            <a:latin typeface="Cambria Math"/>
+                          </a:rPr>
+                          <m:t>𝑠</m:t>
+                        </m:r>
+                        <m:r>
+                          <a:rPr lang="en-US" altLang="ko-KR" b="0" i="1" smtClean="0">
+                            <a:latin typeface="Cambria Math"/>
+                          </a:rPr>
+                          <m:t>×</m:t>
+                        </m:r>
+                        <m:d>
+                          <m:dPr>
+                            <m:ctrlPr>
+                              <a:rPr lang="en-US" altLang="ko-KR" b="0" i="1" smtClean="0">
+                                <a:solidFill>
+                                  <a:schemeClr val="tx2"/>
+                                </a:solidFill>
+                                <a:latin typeface="Cambria Math" panose="02040503050406030204" pitchFamily="18" charset="0"/>
+                              </a:rPr>
+                            </m:ctrlPr>
+                          </m:dPr>
+                          <m:e>
+                            <m:m>
+                              <m:mPr>
+                                <m:mcs>
+                                  <m:mc>
+                                    <m:mcPr>
+                                      <m:count m:val="2"/>
+                                      <m:mcJc m:val="center"/>
+                                    </m:mcPr>
+                                  </m:mc>
+                                </m:mcs>
+                                <m:ctrlPr>
+                                  <a:rPr lang="en-US" altLang="ko-KR" i="1" smtClean="0">
+                                    <a:solidFill>
+                                      <a:schemeClr val="tx2"/>
+                                    </a:solidFill>
+                                    <a:latin typeface="Cambria Math" panose="02040503050406030204" pitchFamily="18" charset="0"/>
+                                  </a:rPr>
+                                </m:ctrlPr>
+                              </m:mPr>
+                              <m:mr>
+                                <m:e>
+                                  <m:m>
+                                    <m:mPr>
+                                      <m:mcs>
+                                        <m:mc>
+                                          <m:mcPr>
+                                            <m:count m:val="2"/>
+                                            <m:mcJc m:val="center"/>
+                                          </m:mcPr>
+                                        </m:mc>
+                                      </m:mcs>
+                                      <m:ctrlPr>
+                                        <a:rPr lang="en-US" altLang="ko-KR" i="1">
+                                          <a:solidFill>
+                                            <a:schemeClr val="tx2"/>
+                                          </a:solidFill>
+                                          <a:latin typeface="Cambria Math" panose="02040503050406030204" pitchFamily="18" charset="0"/>
+                                        </a:rPr>
+                                      </m:ctrlPr>
+                                    </m:mPr>
+                                    <m:mr>
+                                      <m:e>
+                                        <m:sSub>
+                                          <m:sSubPr>
+                                            <m:ctrlPr>
+                                              <a:rPr lang="en-US" altLang="ko-KR" i="1">
+                                                <a:solidFill>
+                                                  <a:schemeClr val="tx2"/>
+                                                </a:solidFill>
+                                                <a:latin typeface="Cambria Math" panose="02040503050406030204" pitchFamily="18" charset="0"/>
+                                              </a:rPr>
+                                            </m:ctrlPr>
+                                          </m:sSubPr>
+                                          <m:e>
+                                            <m:r>
+                                              <m:rPr>
+                                                <m:brk m:alnAt="7"/>
+                                              </m:rPr>
+                                              <a:rPr lang="en-US" altLang="ko-KR" i="1">
+                                                <a:solidFill>
+                                                  <a:schemeClr val="tx2"/>
+                                                </a:solidFill>
+                                                <a:latin typeface="Cambria Math"/>
+                                              </a:rPr>
+                                              <m:t>𝑎</m:t>
+                                            </m:r>
+                                          </m:e>
+                                          <m:sub>
+                                            <m:r>
+                                              <m:rPr>
+                                                <m:brk m:alnAt="7"/>
+                                              </m:rPr>
+                                              <a:rPr lang="en-US" altLang="ko-KR" i="1">
+                                                <a:solidFill>
+                                                  <a:schemeClr val="tx2"/>
+                                                </a:solidFill>
+                                                <a:latin typeface="Cambria Math"/>
+                                              </a:rPr>
+                                              <m:t>1</m:t>
+                                            </m:r>
+                                            <m:r>
+                                              <a:rPr lang="en-US" altLang="ko-KR" i="1">
+                                                <a:solidFill>
+                                                  <a:schemeClr val="tx2"/>
+                                                </a:solidFill>
+                                                <a:latin typeface="Cambria Math"/>
+                                              </a:rPr>
+                                              <m:t>1</m:t>
+                                            </m:r>
+                                          </m:sub>
+                                        </m:sSub>
+                                      </m:e>
+                                      <m:e>
+                                        <m:sSub>
+                                          <m:sSubPr>
+                                            <m:ctrlPr>
+                                              <a:rPr lang="en-US" altLang="ko-KR" i="1">
+                                                <a:solidFill>
+                                                  <a:schemeClr val="tx2"/>
+                                                </a:solidFill>
+                                                <a:latin typeface="Cambria Math" panose="02040503050406030204" pitchFamily="18" charset="0"/>
+                                              </a:rPr>
+                                            </m:ctrlPr>
+                                          </m:sSubPr>
+                                          <m:e>
+                                            <m:r>
+                                              <a:rPr lang="en-US" altLang="ko-KR" i="1">
+                                                <a:solidFill>
+                                                  <a:schemeClr val="tx2"/>
+                                                </a:solidFill>
+                                                <a:latin typeface="Cambria Math"/>
+                                              </a:rPr>
+                                              <m:t>𝑎</m:t>
+                                            </m:r>
+                                          </m:e>
+                                          <m:sub>
+                                            <m:r>
+                                              <a:rPr lang="en-US" altLang="ko-KR" i="1">
+                                                <a:solidFill>
+                                                  <a:schemeClr val="tx2"/>
+                                                </a:solidFill>
+                                                <a:latin typeface="Cambria Math"/>
+                                              </a:rPr>
+                                              <m:t>12</m:t>
+                                            </m:r>
+                                          </m:sub>
+                                        </m:sSub>
+                                      </m:e>
+                                    </m:mr>
+                                  </m:m>
+                                </m:e>
+                                <m:e>
+                                  <m:m>
+                                    <m:mPr>
+                                      <m:mcs>
+                                        <m:mc>
+                                          <m:mcPr>
+                                            <m:count m:val="2"/>
+                                            <m:mcJc m:val="center"/>
+                                          </m:mcPr>
+                                        </m:mc>
+                                      </m:mcs>
+                                      <m:ctrlPr>
+                                        <a:rPr lang="en-US" altLang="ko-KR" i="1">
+                                          <a:solidFill>
+                                            <a:schemeClr val="tx2"/>
+                                          </a:solidFill>
+                                          <a:latin typeface="Cambria Math" panose="02040503050406030204" pitchFamily="18" charset="0"/>
+                                        </a:rPr>
+                                      </m:ctrlPr>
+                                    </m:mPr>
+                                    <m:mr>
+                                      <m:e>
+                                        <m:sSub>
+                                          <m:sSubPr>
+                                            <m:ctrlPr>
+                                              <a:rPr lang="en-US" altLang="ko-KR" i="1">
+                                                <a:solidFill>
+                                                  <a:schemeClr val="tx2"/>
+                                                </a:solidFill>
+                                                <a:latin typeface="Cambria Math" panose="02040503050406030204" pitchFamily="18" charset="0"/>
+                                              </a:rPr>
+                                            </m:ctrlPr>
+                                          </m:sSubPr>
+                                          <m:e>
+                                            <m:r>
+                                              <m:rPr>
+                                                <m:brk m:alnAt="7"/>
+                                              </m:rPr>
+                                              <a:rPr lang="en-US" altLang="ko-KR" i="1">
+                                                <a:solidFill>
+                                                  <a:schemeClr val="tx2"/>
+                                                </a:solidFill>
+                                                <a:latin typeface="Cambria Math"/>
+                                              </a:rPr>
+                                              <m:t>𝑎</m:t>
+                                            </m:r>
+                                          </m:e>
+                                          <m:sub>
+                                            <m:r>
+                                              <m:rPr>
+                                                <m:brk m:alnAt="7"/>
+                                              </m:rPr>
+                                              <a:rPr lang="en-US" altLang="ko-KR" i="1">
+                                                <a:solidFill>
+                                                  <a:schemeClr val="tx2"/>
+                                                </a:solidFill>
+                                                <a:latin typeface="Cambria Math"/>
+                                              </a:rPr>
+                                              <m:t>1</m:t>
+                                            </m:r>
+                                            <m:r>
+                                              <a:rPr lang="en-US" altLang="ko-KR" i="1">
+                                                <a:solidFill>
+                                                  <a:schemeClr val="tx2"/>
+                                                </a:solidFill>
+                                                <a:latin typeface="Cambria Math"/>
+                                              </a:rPr>
+                                              <m:t>3</m:t>
+                                            </m:r>
+                                          </m:sub>
+                                        </m:sSub>
+                                      </m:e>
+                                      <m:e>
+                                        <m:sSub>
+                                          <m:sSubPr>
+                                            <m:ctrlPr>
+                                              <a:rPr lang="en-US" altLang="ko-KR" i="1">
+                                                <a:solidFill>
+                                                  <a:schemeClr val="tx2"/>
+                                                </a:solidFill>
+                                                <a:latin typeface="Cambria Math" panose="02040503050406030204" pitchFamily="18" charset="0"/>
+                                              </a:rPr>
+                                            </m:ctrlPr>
+                                          </m:sSubPr>
+                                          <m:e>
+                                            <m:r>
+                                              <a:rPr lang="en-US" altLang="ko-KR" i="1">
+                                                <a:solidFill>
+                                                  <a:schemeClr val="tx2"/>
+                                                </a:solidFill>
+                                                <a:latin typeface="Cambria Math"/>
+                                              </a:rPr>
+                                              <m:t>𝑎</m:t>
+                                            </m:r>
+                                          </m:e>
+                                          <m:sub>
+                                            <m:r>
+                                              <a:rPr lang="en-US" altLang="ko-KR" i="1">
+                                                <a:solidFill>
+                                                  <a:schemeClr val="tx2"/>
+                                                </a:solidFill>
+                                                <a:latin typeface="Cambria Math"/>
+                                              </a:rPr>
+                                              <m:t>14</m:t>
+                                            </m:r>
+                                          </m:sub>
+                                        </m:sSub>
+                                      </m:e>
+                                    </m:mr>
+                                  </m:m>
+                                </m:e>
+                              </m:mr>
+                            </m:m>
+                          </m:e>
+                        </m:d>
+                      </m:oMath>
+                      <m:oMath xmlns:m="http://schemas.openxmlformats.org/officeDocument/2006/math">
+                        <m:r>
+                          <a:rPr lang="en-US" altLang="ko-KR" b="0" i="1" smtClean="0">
+                            <a:latin typeface="Cambria Math"/>
+                          </a:rPr>
+                          <m:t>+</m:t>
+                        </m:r>
+                        <m:r>
+                          <a:rPr lang="en-US" altLang="ko-KR" b="0" i="1" smtClean="0">
+                            <a:solidFill>
+                              <a:srgbClr val="FF0000"/>
+                            </a:solidFill>
+                            <a:latin typeface="Cambria Math"/>
+                          </a:rPr>
+                          <m:t>1</m:t>
+                        </m:r>
+                        <m:r>
+                          <a:rPr lang="en-US" altLang="ko-KR" b="0" i="1" smtClean="0">
+                            <a:latin typeface="Cambria Math"/>
+                          </a:rPr>
+                          <m:t>×</m:t>
+                        </m:r>
+                        <m:d>
+                          <m:dPr>
+                            <m:ctrlPr>
+                              <a:rPr lang="en-US" altLang="ko-KR" b="0" i="1" smtClean="0">
+                                <a:solidFill>
+                                  <a:srgbClr val="FF0000"/>
+                                </a:solidFill>
+                                <a:latin typeface="Cambria Math" panose="02040503050406030204" pitchFamily="18" charset="0"/>
+                              </a:rPr>
+                            </m:ctrlPr>
+                          </m:dPr>
+                          <m:e>
+                            <m:m>
+                              <m:mPr>
+                                <m:mcs>
+                                  <m:mc>
+                                    <m:mcPr>
+                                      <m:count m:val="2"/>
+                                      <m:mcJc m:val="center"/>
+                                    </m:mcPr>
+                                  </m:mc>
+                                </m:mcs>
+                                <m:ctrlPr>
+                                  <a:rPr lang="en-US" altLang="ko-KR" i="1">
+                                    <a:solidFill>
+                                      <a:srgbClr val="FF0000"/>
+                                    </a:solidFill>
+                                    <a:latin typeface="Cambria Math" panose="02040503050406030204" pitchFamily="18" charset="0"/>
+                                  </a:rPr>
+                                </m:ctrlPr>
+                              </m:mPr>
+                              <m:mr>
+                                <m:e>
+                                  <m:m>
+                                    <m:mPr>
+                                      <m:mcs>
+                                        <m:mc>
+                                          <m:mcPr>
+                                            <m:count m:val="2"/>
+                                            <m:mcJc m:val="center"/>
+                                          </m:mcPr>
+                                        </m:mc>
+                                      </m:mcs>
+                                      <m:ctrlPr>
+                                        <a:rPr lang="en-US" altLang="ko-KR" i="1">
+                                          <a:solidFill>
+                                            <a:srgbClr val="FF0000"/>
+                                          </a:solidFill>
+                                          <a:latin typeface="Cambria Math" panose="02040503050406030204" pitchFamily="18" charset="0"/>
+                                        </a:rPr>
+                                      </m:ctrlPr>
+                                    </m:mPr>
+                                    <m:mr>
+                                      <m:e>
+                                        <m:sSub>
+                                          <m:sSubPr>
+                                            <m:ctrlPr>
+                                              <a:rPr lang="en-US" altLang="ko-KR" i="1">
+                                                <a:solidFill>
+                                                  <a:srgbClr val="FF0000"/>
+                                                </a:solidFill>
+                                                <a:latin typeface="Cambria Math" panose="02040503050406030204" pitchFamily="18" charset="0"/>
+                                              </a:rPr>
+                                            </m:ctrlPr>
+                                          </m:sSubPr>
+                                          <m:e>
+                                            <m:r>
+                                              <m:rPr>
+                                                <m:brk m:alnAt="7"/>
+                                              </m:rPr>
+                                              <a:rPr lang="en-US" altLang="ko-KR" i="1">
+                                                <a:solidFill>
+                                                  <a:srgbClr val="FF0000"/>
+                                                </a:solidFill>
+                                                <a:latin typeface="Cambria Math"/>
+                                              </a:rPr>
+                                              <m:t>𝑎</m:t>
+                                            </m:r>
+                                          </m:e>
+                                          <m:sub>
+                                            <m:r>
+                                              <m:rPr>
+                                                <m:brk m:alnAt="7"/>
+                                              </m:rPr>
+                                              <a:rPr lang="en-US" altLang="ko-KR" i="1">
+                                                <a:solidFill>
+                                                  <a:srgbClr val="FF0000"/>
+                                                </a:solidFill>
+                                                <a:latin typeface="Cambria Math"/>
+                                              </a:rPr>
+                                              <m:t>2</m:t>
+                                            </m:r>
+                                            <m:r>
+                                              <a:rPr lang="en-US" altLang="ko-KR" i="1">
+                                                <a:solidFill>
+                                                  <a:srgbClr val="FF0000"/>
+                                                </a:solidFill>
+                                                <a:latin typeface="Cambria Math"/>
+                                              </a:rPr>
+                                              <m:t>1</m:t>
+                                            </m:r>
+                                          </m:sub>
+                                        </m:sSub>
+                                      </m:e>
+                                      <m:e>
+                                        <m:sSub>
+                                          <m:sSubPr>
+                                            <m:ctrlPr>
+                                              <a:rPr lang="en-US" altLang="ko-KR" i="1">
+                                                <a:solidFill>
+                                                  <a:srgbClr val="FF0000"/>
+                                                </a:solidFill>
+                                                <a:latin typeface="Cambria Math" panose="02040503050406030204" pitchFamily="18" charset="0"/>
+                                              </a:rPr>
+                                            </m:ctrlPr>
+                                          </m:sSubPr>
+                                          <m:e>
+                                            <m:r>
+                                              <m:rPr>
+                                                <m:brk m:alnAt="7"/>
+                                              </m:rPr>
+                                              <a:rPr lang="en-US" altLang="ko-KR" i="1">
+                                                <a:solidFill>
+                                                  <a:srgbClr val="FF0000"/>
+                                                </a:solidFill>
+                                                <a:latin typeface="Cambria Math"/>
+                                              </a:rPr>
+                                              <m:t>𝑎</m:t>
+                                            </m:r>
+                                          </m:e>
+                                          <m:sub>
+                                            <m:r>
+                                              <m:rPr>
+                                                <m:brk m:alnAt="7"/>
+                                              </m:rPr>
+                                              <a:rPr lang="en-US" altLang="ko-KR" i="1">
+                                                <a:solidFill>
+                                                  <a:srgbClr val="FF0000"/>
+                                                </a:solidFill>
+                                                <a:latin typeface="Cambria Math"/>
+                                              </a:rPr>
+                                              <m:t>2</m:t>
+                                            </m:r>
+                                            <m:r>
+                                              <a:rPr lang="en-US" altLang="ko-KR" i="1">
+                                                <a:solidFill>
+                                                  <a:srgbClr val="FF0000"/>
+                                                </a:solidFill>
+                                                <a:latin typeface="Cambria Math"/>
+                                              </a:rPr>
+                                              <m:t>2</m:t>
+                                            </m:r>
+                                          </m:sub>
+                                        </m:sSub>
+                                      </m:e>
+                                    </m:mr>
+                                  </m:m>
+                                </m:e>
+                                <m:e>
+                                  <m:m>
+                                    <m:mPr>
+                                      <m:mcs>
+                                        <m:mc>
+                                          <m:mcPr>
+                                            <m:count m:val="2"/>
+                                            <m:mcJc m:val="center"/>
+                                          </m:mcPr>
+                                        </m:mc>
+                                      </m:mcs>
+                                      <m:ctrlPr>
+                                        <a:rPr lang="en-US" altLang="ko-KR" i="1">
+                                          <a:solidFill>
+                                            <a:srgbClr val="FF0000"/>
+                                          </a:solidFill>
+                                          <a:latin typeface="Cambria Math" panose="02040503050406030204" pitchFamily="18" charset="0"/>
+                                        </a:rPr>
+                                      </m:ctrlPr>
+                                    </m:mPr>
+                                    <m:mr>
+                                      <m:e>
+                                        <m:sSub>
+                                          <m:sSubPr>
+                                            <m:ctrlPr>
+                                              <a:rPr lang="en-US" altLang="ko-KR" i="1">
+                                                <a:solidFill>
+                                                  <a:srgbClr val="FF0000"/>
+                                                </a:solidFill>
+                                                <a:latin typeface="Cambria Math" panose="02040503050406030204" pitchFamily="18" charset="0"/>
+                                              </a:rPr>
+                                            </m:ctrlPr>
+                                          </m:sSubPr>
+                                          <m:e>
+                                            <m:r>
+                                              <a:rPr lang="en-US" altLang="ko-KR" i="1">
+                                                <a:solidFill>
+                                                  <a:srgbClr val="FF0000"/>
+                                                </a:solidFill>
+                                                <a:latin typeface="Cambria Math"/>
+                                              </a:rPr>
+                                              <m:t>𝑎</m:t>
+                                            </m:r>
+                                          </m:e>
+                                          <m:sub>
+                                            <m:r>
+                                              <a:rPr lang="en-US" altLang="ko-KR" i="1">
+                                                <a:solidFill>
+                                                  <a:srgbClr val="FF0000"/>
+                                                </a:solidFill>
+                                                <a:latin typeface="Cambria Math"/>
+                                              </a:rPr>
+                                              <m:t>23</m:t>
+                                            </m:r>
+                                          </m:sub>
+                                        </m:sSub>
+                                      </m:e>
+                                      <m:e>
+                                        <m:sSub>
+                                          <m:sSubPr>
+                                            <m:ctrlPr>
+                                              <a:rPr lang="en-US" altLang="ko-KR" i="1">
+                                                <a:solidFill>
+                                                  <a:srgbClr val="FF0000"/>
+                                                </a:solidFill>
+                                                <a:latin typeface="Cambria Math" panose="02040503050406030204" pitchFamily="18" charset="0"/>
+                                              </a:rPr>
+                                            </m:ctrlPr>
+                                          </m:sSubPr>
+                                          <m:e>
+                                            <m:r>
+                                              <a:rPr lang="en-US" altLang="ko-KR" i="1">
+                                                <a:solidFill>
+                                                  <a:srgbClr val="FF0000"/>
+                                                </a:solidFill>
+                                                <a:latin typeface="Cambria Math"/>
+                                              </a:rPr>
+                                              <m:t>𝑎</m:t>
+                                            </m:r>
+                                          </m:e>
+                                          <m:sub>
+                                            <m:r>
+                                              <a:rPr lang="en-US" altLang="ko-KR" i="1">
+                                                <a:solidFill>
+                                                  <a:srgbClr val="FF0000"/>
+                                                </a:solidFill>
+                                                <a:latin typeface="Cambria Math"/>
+                                              </a:rPr>
+                                              <m:t>24</m:t>
+                                            </m:r>
+                                          </m:sub>
+                                        </m:sSub>
+                                        <m:r>
+                                          <a:rPr lang="en-US" altLang="ko-KR" i="1">
+                                            <a:solidFill>
+                                              <a:srgbClr val="FF0000"/>
+                                            </a:solidFill>
+                                            <a:latin typeface="Cambria Math"/>
+                                          </a:rPr>
+                                          <m:t> </m:t>
+                                        </m:r>
+                                      </m:e>
+                                    </m:mr>
+                                  </m:m>
+                                </m:e>
+                              </m:mr>
+                            </m:m>
+                          </m:e>
+                        </m:d>
+                      </m:oMath>
+                    </m:oMathPara>
+                  </a14:m>
+                  <a:endParaRPr lang="en-US" altLang="ko-KR" b="0" i="0" dirty="0">
+                    <a:latin typeface="Cambria Math"/>
+                  </a:endParaRPr>
+                </a:p>
+                <a:p>
+                  <a:pPr algn="ctr"/>
+                  <a:r>
+                    <a:rPr lang="en-US" altLang="ko-KR" dirty="0">
+                      <a:latin typeface="나눔바른고딕" pitchFamily="50" charset="-127"/>
+                      <a:ea typeface="나눔바른고딕" pitchFamily="50" charset="-127"/>
+                      <a:sym typeface="Wingdings" pitchFamily="2" charset="2"/>
+                    </a:rPr>
+                    <a:t> </a:t>
+                  </a:r>
+                  <a14:m>
+                    <m:oMath xmlns:m="http://schemas.openxmlformats.org/officeDocument/2006/math">
+                      <m:sSub>
+                        <m:sSubPr>
+                          <m:ctrlPr>
+                            <a:rPr lang="en-US" altLang="ko-KR" b="0" i="1" smtClean="0">
+                              <a:latin typeface="Cambria Math" panose="02040503050406030204" pitchFamily="18" charset="0"/>
+                              <a:sym typeface="Wingdings" pitchFamily="2" charset="2"/>
+                            </a:rPr>
+                          </m:ctrlPr>
+                        </m:sSubPr>
+                        <m:e>
+                          <m:r>
+                            <a:rPr lang="en-US" altLang="ko-KR" b="0" i="1" smtClean="0">
+                              <a:latin typeface="Cambria Math"/>
+                              <a:sym typeface="Wingdings" pitchFamily="2" charset="2"/>
+                            </a:rPr>
+                            <m:t>𝑟</m:t>
+                          </m:r>
+                        </m:e>
+                        <m:sub>
+                          <m:r>
+                            <a:rPr lang="en-US" altLang="ko-KR" b="0" i="1" smtClean="0">
+                              <a:latin typeface="Cambria Math"/>
+                              <a:sym typeface="Wingdings" pitchFamily="2" charset="2"/>
+                            </a:rPr>
+                            <m:t>2</m:t>
+                          </m:r>
+                        </m:sub>
+                      </m:sSub>
+                    </m:oMath>
+                  </a14:m>
+                  <a:r>
+                    <a:rPr lang="en-US" altLang="ko-KR" b="0" i="0" dirty="0">
+                      <a:latin typeface="나눔바른고딕" pitchFamily="50" charset="-127"/>
+                      <a:ea typeface="나눔바른고딕" pitchFamily="50" charset="-127"/>
+                    </a:rPr>
+                    <a:t> of output matrix</a:t>
+                  </a:r>
+                </a:p>
+              </p:txBody>
+            </p:sp>
+          </mc:Choice>
+          <mc:Fallback>
+            <p:sp>
+              <p:nvSpPr>
+                <p:cNvPr id="2" name="직사각형 1"/>
+                <p:cNvSpPr>
+                  <a:spLocks noRot="1" noChangeAspect="1" noMove="1" noResize="1" noEditPoints="1" noAdjustHandles="1" noChangeArrowheads="1" noChangeShapeType="1" noTextEdit="1"/>
+                </p:cNvSpPr>
+                <p:nvPr/>
+              </p:nvSpPr>
+              <p:spPr>
+                <a:xfrm>
+                  <a:off x="3923928" y="1484784"/>
+                  <a:ext cx="3073854" cy="923330"/>
+                </a:xfrm>
+                <a:prstGeom prst="rect">
+                  <a:avLst/>
+                </a:prstGeom>
+                <a:blipFill>
+                  <a:blip r:embed="rId3"/>
+                  <a:stretch>
+                    <a:fillRect b="-9740"/>
+                  </a:stretch>
+                </a:blipFill>
+                <a:ln w="19050">
+                  <a:solidFill>
+                    <a:schemeClr val="tx1"/>
+                  </a:solidFill>
+                </a:ln>
+              </p:spPr>
+              <p:txBody>
+                <a:bodyPr/>
+                <a:lstStyle/>
+                <a:p>
+                  <a:r>
+                    <a:rPr lang="en-US">
+                      <a:noFill/>
+                    </a:rPr>
+                    <a:t> </a:t>
+                  </a:r>
+                </a:p>
+              </p:txBody>
+            </p:sp>
+          </mc:Fallback>
+        </mc:AlternateContent>
+        <p:cxnSp>
+          <p:nvCxnSpPr>
+            <p:cNvPr id="13" name="꺾인 연결선 12"/>
+            <p:cNvCxnSpPr>
+              <a:endCxn id="2" idx="1"/>
+            </p:cNvCxnSpPr>
+            <p:nvPr/>
+          </p:nvCxnSpPr>
+          <p:spPr>
+            <a:xfrm rot="5400000" flipH="1" flipV="1">
+              <a:off x="3326662" y="1967652"/>
+              <a:ext cx="618469" cy="576064"/>
+            </a:xfrm>
+            <a:prstGeom prst="bentConnector2">
+              <a:avLst/>
+            </a:prstGeom>
+            <a:ln w="38100">
+              <a:solidFill>
+                <a:schemeClr val="tx1"/>
+              </a:solidFill>
+              <a:tailEnd type="arrow"/>
+            </a:ln>
+          </p:spPr>
+          <p:style>
+            <a:lnRef idx="1">
+              <a:schemeClr val="accent1"/>
+            </a:lnRef>
+            <a:fillRef idx="0">
+              <a:schemeClr val="accent1"/>
+            </a:fillRef>
+            <a:effectRef idx="0">
+              <a:schemeClr val="accent1"/>
+            </a:effectRef>
+            <a:fontRef idx="minor">
+              <a:schemeClr val="tx1"/>
+            </a:fontRef>
+          </p:style>
+        </p:cxnSp>
+        <p:cxnSp>
+          <p:nvCxnSpPr>
+            <p:cNvPr id="19" name="꺾인 연결선 18"/>
+            <p:cNvCxnSpPr>
+              <a:stCxn id="2" idx="3"/>
+            </p:cNvCxnSpPr>
+            <p:nvPr/>
+          </p:nvCxnSpPr>
+          <p:spPr>
+            <a:xfrm>
+              <a:off x="6997782" y="1946449"/>
+              <a:ext cx="769949" cy="784604"/>
+            </a:xfrm>
+            <a:prstGeom prst="bentConnector2">
+              <a:avLst/>
+            </a:prstGeom>
+            <a:ln w="38100">
+              <a:solidFill>
+                <a:schemeClr val="tx1"/>
+              </a:solidFill>
+              <a:tailEnd type="arrow"/>
+            </a:ln>
+          </p:spPr>
+          <p:style>
+            <a:lnRef idx="1">
+              <a:schemeClr val="accent1"/>
+            </a:lnRef>
+            <a:fillRef idx="0">
+              <a:schemeClr val="accent1"/>
+            </a:fillRef>
+            <a:effectRef idx="0">
+              <a:schemeClr val="accent1"/>
+            </a:effectRef>
+            <a:fontRef idx="minor">
+              <a:schemeClr val="tx1"/>
+            </a:fontRef>
+          </p:style>
+        </p:cxnSp>
+      </p:grpSp>
+    </p:spTree>
+    <p:extLst>
+      <p:ext uri="{BB962C8B-B14F-4D97-AF65-F5344CB8AC3E}">
+        <p14:creationId xmlns:p14="http://schemas.microsoft.com/office/powerpoint/2010/main" val="1880187659"/>
       </p:ext>
     </p:extLst>
   </p:cSld>
